--- a/docs/slides.pptx
+++ b/docs/slides.pptx
@@ -5818,7 +5818,7 @@
         </p:nvSpPr>
         <p:spPr>
           <a:xfrm>
-            <a:off x="1293828" y="2315828"/>
+            <a:off x="1284401" y="3324496"/>
             <a:ext cx="8321511" cy="1569660"/>
           </a:xfrm>
           <a:prstGeom prst="rect">
@@ -5878,6 +5878,44 @@
               </a:rPr>
               <a:t>Start Jupyter lab</a:t>
             </a:r>
+          </a:p>
+        </p:txBody>
+      </p:sp>
+      <p:sp>
+        <p:nvSpPr>
+          <p:cNvPr id="8" name="Tekstvak 7">
+            <a:extLst>
+              <a:ext uri="{FF2B5EF4-FFF2-40B4-BE49-F238E27FC236}">
+                <a16:creationId xmlns:a16="http://schemas.microsoft.com/office/drawing/2014/main" id="{4A4FAAEA-BA43-E60C-2E6A-1DD42FB27A20}"/>
+              </a:ext>
+            </a:extLst>
+          </p:cNvPr>
+          <p:cNvSpPr txBox="1"/>
+          <p:nvPr/>
+        </p:nvSpPr>
+        <p:spPr>
+          <a:xfrm>
+            <a:off x="1143000" y="1603693"/>
+            <a:ext cx="6094428" cy="400110"/>
+          </a:xfrm>
+          <a:prstGeom prst="rect">
+            <a:avLst/>
+          </a:prstGeom>
+          <a:noFill/>
+        </p:spPr>
+        <p:txBody>
+          <a:bodyPr wrap="square">
+            <a:spAutoFit/>
+          </a:bodyPr>
+          <a:lstStyle/>
+          <a:p>
+            <a:r>
+              <a:rPr lang="nl-BE" sz="2000" dirty="0">
+                <a:hlinkClick r:id="rId2"/>
+              </a:rPr>
+              <a:t>Instruction steps</a:t>
+            </a:r>
+            <a:endParaRPr lang="nl-BE" sz="2000" dirty="0"/>
           </a:p>
         </p:txBody>
       </p:sp>

--- a/docs/slides.pptx
+++ b/docs/slides.pptx
@@ -4,6 +4,9 @@
   <p:sldMasterIdLst>
     <p:sldMasterId id="2147483648" r:id="rId1"/>
   </p:sldMasterIdLst>
+  <p:notesMasterIdLst>
+    <p:notesMasterId r:id="rId12"/>
+  </p:notesMasterIdLst>
   <p:sldIdLst>
     <p:sldId id="256" r:id="rId2"/>
     <p:sldId id="257" r:id="rId3"/>
@@ -113,7 +116,533 @@
       </a:defRPr>
     </a:lvl9pPr>
   </p:defaultTextStyle>
+  <p:extLst>
+    <p:ext uri="{EFAFB233-063F-42B5-8137-9DF3F51BA10A}">
+      <p15:sldGuideLst xmlns:p15="http://schemas.microsoft.com/office/powerpoint/2012/main"/>
+    </p:ext>
+  </p:extLst>
 </p:presentation>
+</file>
+
+<file path=ppt/notesMasters/notesMaster1.xml><?xml version="1.0" encoding="utf-8"?>
+<p:notesMaster xmlns:a="http://schemas.openxmlformats.org/drawingml/2006/main" xmlns:r="http://schemas.openxmlformats.org/officeDocument/2006/relationships" xmlns:p="http://schemas.openxmlformats.org/presentationml/2006/main">
+  <p:cSld>
+    <p:bg>
+      <p:bgRef idx="1001">
+        <a:schemeClr val="bg1"/>
+      </p:bgRef>
+    </p:bg>
+    <p:spTree>
+      <p:nvGrpSpPr>
+        <p:cNvPr id="1" name=""/>
+        <p:cNvGrpSpPr/>
+        <p:nvPr/>
+      </p:nvGrpSpPr>
+      <p:grpSpPr>
+        <a:xfrm>
+          <a:off x="0" y="0"/>
+          <a:ext cx="0" cy="0"/>
+          <a:chOff x="0" y="0"/>
+          <a:chExt cx="0" cy="0"/>
+        </a:xfrm>
+      </p:grpSpPr>
+      <p:sp>
+        <p:nvSpPr>
+          <p:cNvPr id="2" name="Tijdelijke aanduiding voor koptekst 1"/>
+          <p:cNvSpPr>
+            <a:spLocks noGrp="1"/>
+          </p:cNvSpPr>
+          <p:nvPr>
+            <p:ph type="hdr" sz="quarter"/>
+          </p:nvPr>
+        </p:nvSpPr>
+        <p:spPr>
+          <a:xfrm>
+            <a:off x="0" y="0"/>
+            <a:ext cx="2971800" cy="458788"/>
+          </a:xfrm>
+          <a:prstGeom prst="rect">
+            <a:avLst/>
+          </a:prstGeom>
+        </p:spPr>
+        <p:txBody>
+          <a:bodyPr vert="horz" lIns="91440" tIns="45720" rIns="91440" bIns="45720" rtlCol="0"/>
+          <a:lstStyle>
+            <a:lvl1pPr algn="l">
+              <a:defRPr sz="1200"/>
+            </a:lvl1pPr>
+          </a:lstStyle>
+          <a:p>
+            <a:endParaRPr lang="nl-BE"/>
+          </a:p>
+        </p:txBody>
+      </p:sp>
+      <p:sp>
+        <p:nvSpPr>
+          <p:cNvPr id="3" name="Tijdelijke aanduiding voor datum 2"/>
+          <p:cNvSpPr>
+            <a:spLocks noGrp="1"/>
+          </p:cNvSpPr>
+          <p:nvPr>
+            <p:ph type="dt" idx="1"/>
+          </p:nvPr>
+        </p:nvSpPr>
+        <p:spPr>
+          <a:xfrm>
+            <a:off x="3884613" y="0"/>
+            <a:ext cx="2971800" cy="458788"/>
+          </a:xfrm>
+          <a:prstGeom prst="rect">
+            <a:avLst/>
+          </a:prstGeom>
+        </p:spPr>
+        <p:txBody>
+          <a:bodyPr vert="horz" lIns="91440" tIns="45720" rIns="91440" bIns="45720" rtlCol="0"/>
+          <a:lstStyle>
+            <a:lvl1pPr algn="r">
+              <a:defRPr sz="1200"/>
+            </a:lvl1pPr>
+          </a:lstStyle>
+          <a:p>
+            <a:fld id="{B42FCC84-D0D2-484F-A5F4-D96D07BCECAE}" type="datetimeFigureOut">
+              <a:rPr lang="nl-BE" smtClean="0"/>
+              <a:t>1/08/2023</a:t>
+            </a:fld>
+            <a:endParaRPr lang="nl-BE"/>
+          </a:p>
+        </p:txBody>
+      </p:sp>
+      <p:sp>
+        <p:nvSpPr>
+          <p:cNvPr id="4" name="Tijdelijke aanduiding voor dia-afbeelding 3"/>
+          <p:cNvSpPr>
+            <a:spLocks noGrp="1" noRot="1" noChangeAspect="1"/>
+          </p:cNvSpPr>
+          <p:nvPr>
+            <p:ph type="sldImg" idx="2"/>
+          </p:nvPr>
+        </p:nvSpPr>
+        <p:spPr>
+          <a:xfrm>
+            <a:off x="685800" y="1143000"/>
+            <a:ext cx="5486400" cy="3086100"/>
+          </a:xfrm>
+          <a:prstGeom prst="rect">
+            <a:avLst/>
+          </a:prstGeom>
+          <a:noFill/>
+          <a:ln w="12700">
+            <a:solidFill>
+              <a:prstClr val="black"/>
+            </a:solidFill>
+          </a:ln>
+        </p:spPr>
+        <p:txBody>
+          <a:bodyPr vert="horz" lIns="91440" tIns="45720" rIns="91440" bIns="45720" rtlCol="0" anchor="ctr"/>
+          <a:lstStyle/>
+          <a:p>
+            <a:endParaRPr lang="nl-BE"/>
+          </a:p>
+        </p:txBody>
+      </p:sp>
+      <p:sp>
+        <p:nvSpPr>
+          <p:cNvPr id="5" name="Tijdelijke aanduiding voor notities 4"/>
+          <p:cNvSpPr>
+            <a:spLocks noGrp="1"/>
+          </p:cNvSpPr>
+          <p:nvPr>
+            <p:ph type="body" sz="quarter" idx="3"/>
+          </p:nvPr>
+        </p:nvSpPr>
+        <p:spPr>
+          <a:xfrm>
+            <a:off x="685800" y="4400550"/>
+            <a:ext cx="5486400" cy="3600450"/>
+          </a:xfrm>
+          <a:prstGeom prst="rect">
+            <a:avLst/>
+          </a:prstGeom>
+        </p:spPr>
+        <p:txBody>
+          <a:bodyPr vert="horz" lIns="91440" tIns="45720" rIns="91440" bIns="45720" rtlCol="0"/>
+          <a:lstStyle/>
+          <a:p>
+            <a:pPr lvl="0"/>
+            <a:r>
+              <a:rPr lang="nl-NL"/>
+              <a:t>Klikken om de tekststijl van het model te bewerken</a:t>
+            </a:r>
+          </a:p>
+          <a:p>
+            <a:pPr lvl="1"/>
+            <a:r>
+              <a:rPr lang="nl-NL"/>
+              <a:t>Tweede niveau</a:t>
+            </a:r>
+          </a:p>
+          <a:p>
+            <a:pPr lvl="2"/>
+            <a:r>
+              <a:rPr lang="nl-NL"/>
+              <a:t>Derde niveau</a:t>
+            </a:r>
+          </a:p>
+          <a:p>
+            <a:pPr lvl="3"/>
+            <a:r>
+              <a:rPr lang="nl-NL"/>
+              <a:t>Vierde niveau</a:t>
+            </a:r>
+          </a:p>
+          <a:p>
+            <a:pPr lvl="4"/>
+            <a:r>
+              <a:rPr lang="nl-NL"/>
+              <a:t>Vijfde niveau</a:t>
+            </a:r>
+            <a:endParaRPr lang="nl-BE"/>
+          </a:p>
+        </p:txBody>
+      </p:sp>
+      <p:sp>
+        <p:nvSpPr>
+          <p:cNvPr id="6" name="Tijdelijke aanduiding voor voettekst 5"/>
+          <p:cNvSpPr>
+            <a:spLocks noGrp="1"/>
+          </p:cNvSpPr>
+          <p:nvPr>
+            <p:ph type="ftr" sz="quarter" idx="4"/>
+          </p:nvPr>
+        </p:nvSpPr>
+        <p:spPr>
+          <a:xfrm>
+            <a:off x="0" y="8685213"/>
+            <a:ext cx="2971800" cy="458787"/>
+          </a:xfrm>
+          <a:prstGeom prst="rect">
+            <a:avLst/>
+          </a:prstGeom>
+        </p:spPr>
+        <p:txBody>
+          <a:bodyPr vert="horz" lIns="91440" tIns="45720" rIns="91440" bIns="45720" rtlCol="0" anchor="b"/>
+          <a:lstStyle>
+            <a:lvl1pPr algn="l">
+              <a:defRPr sz="1200"/>
+            </a:lvl1pPr>
+          </a:lstStyle>
+          <a:p>
+            <a:endParaRPr lang="nl-BE"/>
+          </a:p>
+        </p:txBody>
+      </p:sp>
+      <p:sp>
+        <p:nvSpPr>
+          <p:cNvPr id="7" name="Tijdelijke aanduiding voor dianummer 6"/>
+          <p:cNvSpPr>
+            <a:spLocks noGrp="1"/>
+          </p:cNvSpPr>
+          <p:nvPr>
+            <p:ph type="sldNum" sz="quarter" idx="5"/>
+          </p:nvPr>
+        </p:nvSpPr>
+        <p:spPr>
+          <a:xfrm>
+            <a:off x="3884613" y="8685213"/>
+            <a:ext cx="2971800" cy="458787"/>
+          </a:xfrm>
+          <a:prstGeom prst="rect">
+            <a:avLst/>
+          </a:prstGeom>
+        </p:spPr>
+        <p:txBody>
+          <a:bodyPr vert="horz" lIns="91440" tIns="45720" rIns="91440" bIns="45720" rtlCol="0" anchor="b"/>
+          <a:lstStyle>
+            <a:lvl1pPr algn="r">
+              <a:defRPr sz="1200"/>
+            </a:lvl1pPr>
+          </a:lstStyle>
+          <a:p>
+            <a:fld id="{CAB2C4AA-7579-3F4B-B91D-C80ABA5FB270}" type="slidenum">
+              <a:rPr lang="nl-BE" smtClean="0"/>
+              <a:t>‹nr.›</a:t>
+            </a:fld>
+            <a:endParaRPr lang="nl-BE"/>
+          </a:p>
+        </p:txBody>
+      </p:sp>
+    </p:spTree>
+    <p:extLst>
+      <p:ext uri="{BB962C8B-B14F-4D97-AF65-F5344CB8AC3E}">
+        <p14:creationId xmlns:p14="http://schemas.microsoft.com/office/powerpoint/2010/main" val="4024967607"/>
+      </p:ext>
+    </p:extLst>
+  </p:cSld>
+  <p:clrMap bg1="lt1" tx1="dk1" bg2="lt2" tx2="dk2" accent1="accent1" accent2="accent2" accent3="accent3" accent4="accent4" accent5="accent5" accent6="accent6" hlink="hlink" folHlink="folHlink"/>
+  <p:notesStyle>
+    <a:lvl1pPr marL="0" algn="l" defTabSz="914400" rtl="0" eaLnBrk="1" latinLnBrk="0" hangingPunct="1">
+      <a:defRPr sz="1200" kern="1200">
+        <a:solidFill>
+          <a:schemeClr val="tx1"/>
+        </a:solidFill>
+        <a:latin typeface="+mn-lt"/>
+        <a:ea typeface="+mn-ea"/>
+        <a:cs typeface="+mn-cs"/>
+      </a:defRPr>
+    </a:lvl1pPr>
+    <a:lvl2pPr marL="457200" algn="l" defTabSz="914400" rtl="0" eaLnBrk="1" latinLnBrk="0" hangingPunct="1">
+      <a:defRPr sz="1200" kern="1200">
+        <a:solidFill>
+          <a:schemeClr val="tx1"/>
+        </a:solidFill>
+        <a:latin typeface="+mn-lt"/>
+        <a:ea typeface="+mn-ea"/>
+        <a:cs typeface="+mn-cs"/>
+      </a:defRPr>
+    </a:lvl2pPr>
+    <a:lvl3pPr marL="914400" algn="l" defTabSz="914400" rtl="0" eaLnBrk="1" latinLnBrk="0" hangingPunct="1">
+      <a:defRPr sz="1200" kern="1200">
+        <a:solidFill>
+          <a:schemeClr val="tx1"/>
+        </a:solidFill>
+        <a:latin typeface="+mn-lt"/>
+        <a:ea typeface="+mn-ea"/>
+        <a:cs typeface="+mn-cs"/>
+      </a:defRPr>
+    </a:lvl3pPr>
+    <a:lvl4pPr marL="1371600" algn="l" defTabSz="914400" rtl="0" eaLnBrk="1" latinLnBrk="0" hangingPunct="1">
+      <a:defRPr sz="1200" kern="1200">
+        <a:solidFill>
+          <a:schemeClr val="tx1"/>
+        </a:solidFill>
+        <a:latin typeface="+mn-lt"/>
+        <a:ea typeface="+mn-ea"/>
+        <a:cs typeface="+mn-cs"/>
+      </a:defRPr>
+    </a:lvl4pPr>
+    <a:lvl5pPr marL="1828800" algn="l" defTabSz="914400" rtl="0" eaLnBrk="1" latinLnBrk="0" hangingPunct="1">
+      <a:defRPr sz="1200" kern="1200">
+        <a:solidFill>
+          <a:schemeClr val="tx1"/>
+        </a:solidFill>
+        <a:latin typeface="+mn-lt"/>
+        <a:ea typeface="+mn-ea"/>
+        <a:cs typeface="+mn-cs"/>
+      </a:defRPr>
+    </a:lvl5pPr>
+    <a:lvl6pPr marL="2286000" algn="l" defTabSz="914400" rtl="0" eaLnBrk="1" latinLnBrk="0" hangingPunct="1">
+      <a:defRPr sz="1200" kern="1200">
+        <a:solidFill>
+          <a:schemeClr val="tx1"/>
+        </a:solidFill>
+        <a:latin typeface="+mn-lt"/>
+        <a:ea typeface="+mn-ea"/>
+        <a:cs typeface="+mn-cs"/>
+      </a:defRPr>
+    </a:lvl6pPr>
+    <a:lvl7pPr marL="2743200" algn="l" defTabSz="914400" rtl="0" eaLnBrk="1" latinLnBrk="0" hangingPunct="1">
+      <a:defRPr sz="1200" kern="1200">
+        <a:solidFill>
+          <a:schemeClr val="tx1"/>
+        </a:solidFill>
+        <a:latin typeface="+mn-lt"/>
+        <a:ea typeface="+mn-ea"/>
+        <a:cs typeface="+mn-cs"/>
+      </a:defRPr>
+    </a:lvl7pPr>
+    <a:lvl8pPr marL="3200400" algn="l" defTabSz="914400" rtl="0" eaLnBrk="1" latinLnBrk="0" hangingPunct="1">
+      <a:defRPr sz="1200" kern="1200">
+        <a:solidFill>
+          <a:schemeClr val="tx1"/>
+        </a:solidFill>
+        <a:latin typeface="+mn-lt"/>
+        <a:ea typeface="+mn-ea"/>
+        <a:cs typeface="+mn-cs"/>
+      </a:defRPr>
+    </a:lvl8pPr>
+    <a:lvl9pPr marL="3657600" algn="l" defTabSz="914400" rtl="0" eaLnBrk="1" latinLnBrk="0" hangingPunct="1">
+      <a:defRPr sz="1200" kern="1200">
+        <a:solidFill>
+          <a:schemeClr val="tx1"/>
+        </a:solidFill>
+        <a:latin typeface="+mn-lt"/>
+        <a:ea typeface="+mn-ea"/>
+        <a:cs typeface="+mn-cs"/>
+      </a:defRPr>
+    </a:lvl9pPr>
+  </p:notesStyle>
+</p:notesMaster>
+</file>
+
+<file path=ppt/notesSlides/notesSlide1.xml><?xml version="1.0" encoding="utf-8"?>
+<p:notes xmlns:a="http://schemas.openxmlformats.org/drawingml/2006/main" xmlns:r="http://schemas.openxmlformats.org/officeDocument/2006/relationships" xmlns:p="http://schemas.openxmlformats.org/presentationml/2006/main">
+  <p:cSld>
+    <p:spTree>
+      <p:nvGrpSpPr>
+        <p:cNvPr id="1" name=""/>
+        <p:cNvGrpSpPr/>
+        <p:nvPr/>
+      </p:nvGrpSpPr>
+      <p:grpSpPr>
+        <a:xfrm>
+          <a:off x="0" y="0"/>
+          <a:ext cx="0" cy="0"/>
+          <a:chOff x="0" y="0"/>
+          <a:chExt cx="0" cy="0"/>
+        </a:xfrm>
+      </p:grpSpPr>
+      <p:sp>
+        <p:nvSpPr>
+          <p:cNvPr id="2" name="Tijdelijke aanduiding voor dia-afbeelding 1"/>
+          <p:cNvSpPr>
+            <a:spLocks noGrp="1" noRot="1" noChangeAspect="1"/>
+          </p:cNvSpPr>
+          <p:nvPr>
+            <p:ph type="sldImg"/>
+          </p:nvPr>
+        </p:nvSpPr>
+        <p:spPr/>
+      </p:sp>
+      <p:sp>
+        <p:nvSpPr>
+          <p:cNvPr id="3" name="Tijdelijke aanduiding voor notities 2"/>
+          <p:cNvSpPr>
+            <a:spLocks noGrp="1"/>
+          </p:cNvSpPr>
+          <p:nvPr>
+            <p:ph type="body" idx="1"/>
+          </p:nvPr>
+        </p:nvSpPr>
+        <p:spPr/>
+        <p:txBody>
+          <a:bodyPr/>
+          <a:lstStyle/>
+          <a:p>
+            <a:r>
+              <a:rPr lang="nl-BE" dirty="0"/>
+              <a:t>Whichever team that solves the cases or get closest, wins some real belgian chocolate!</a:t>
+            </a:r>
+          </a:p>
+        </p:txBody>
+      </p:sp>
+      <p:sp>
+        <p:nvSpPr>
+          <p:cNvPr id="4" name="Tijdelijke aanduiding voor dianummer 3"/>
+          <p:cNvSpPr>
+            <a:spLocks noGrp="1"/>
+          </p:cNvSpPr>
+          <p:nvPr>
+            <p:ph type="sldNum" sz="quarter" idx="5"/>
+          </p:nvPr>
+        </p:nvSpPr>
+        <p:spPr/>
+        <p:txBody>
+          <a:bodyPr/>
+          <a:lstStyle/>
+          <a:p>
+            <a:fld id="{CAB2C4AA-7579-3F4B-B91D-C80ABA5FB270}" type="slidenum">
+              <a:rPr lang="nl-BE" smtClean="0"/>
+              <a:t>8</a:t>
+            </a:fld>
+            <a:endParaRPr lang="nl-BE"/>
+          </a:p>
+        </p:txBody>
+      </p:sp>
+    </p:spTree>
+    <p:extLst>
+      <p:ext uri="{BB962C8B-B14F-4D97-AF65-F5344CB8AC3E}">
+        <p14:creationId xmlns:p14="http://schemas.microsoft.com/office/powerpoint/2010/main" val="2540007099"/>
+      </p:ext>
+    </p:extLst>
+  </p:cSld>
+  <p:clrMapOvr>
+    <a:masterClrMapping/>
+  </p:clrMapOvr>
+</p:notes>
+</file>
+
+<file path=ppt/notesSlides/notesSlide2.xml><?xml version="1.0" encoding="utf-8"?>
+<p:notes xmlns:a="http://schemas.openxmlformats.org/drawingml/2006/main" xmlns:r="http://schemas.openxmlformats.org/officeDocument/2006/relationships" xmlns:p="http://schemas.openxmlformats.org/presentationml/2006/main">
+  <p:cSld>
+    <p:spTree>
+      <p:nvGrpSpPr>
+        <p:cNvPr id="1" name=""/>
+        <p:cNvGrpSpPr/>
+        <p:nvPr/>
+      </p:nvGrpSpPr>
+      <p:grpSpPr>
+        <a:xfrm>
+          <a:off x="0" y="0"/>
+          <a:ext cx="0" cy="0"/>
+          <a:chOff x="0" y="0"/>
+          <a:chExt cx="0" cy="0"/>
+        </a:xfrm>
+      </p:grpSpPr>
+      <p:sp>
+        <p:nvSpPr>
+          <p:cNvPr id="2" name="Tijdelijke aanduiding voor dia-afbeelding 1"/>
+          <p:cNvSpPr>
+            <a:spLocks noGrp="1" noRot="1" noChangeAspect="1"/>
+          </p:cNvSpPr>
+          <p:nvPr>
+            <p:ph type="sldImg"/>
+          </p:nvPr>
+        </p:nvSpPr>
+        <p:spPr/>
+      </p:sp>
+      <p:sp>
+        <p:nvSpPr>
+          <p:cNvPr id="3" name="Tijdelijke aanduiding voor notities 2"/>
+          <p:cNvSpPr>
+            <a:spLocks noGrp="1"/>
+          </p:cNvSpPr>
+          <p:nvPr>
+            <p:ph type="body" idx="1"/>
+          </p:nvPr>
+        </p:nvSpPr>
+        <p:spPr/>
+        <p:txBody>
+          <a:bodyPr/>
+          <a:lstStyle/>
+          <a:p>
+            <a:endParaRPr lang="nl-BE" dirty="0"/>
+          </a:p>
+        </p:txBody>
+      </p:sp>
+      <p:sp>
+        <p:nvSpPr>
+          <p:cNvPr id="4" name="Tijdelijke aanduiding voor dianummer 3"/>
+          <p:cNvSpPr>
+            <a:spLocks noGrp="1"/>
+          </p:cNvSpPr>
+          <p:nvPr>
+            <p:ph type="sldNum" sz="quarter" idx="5"/>
+          </p:nvPr>
+        </p:nvSpPr>
+        <p:spPr/>
+        <p:txBody>
+          <a:bodyPr/>
+          <a:lstStyle/>
+          <a:p>
+            <a:fld id="{CAB2C4AA-7579-3F4B-B91D-C80ABA5FB270}" type="slidenum">
+              <a:rPr lang="nl-BE" smtClean="0"/>
+              <a:t>9</a:t>
+            </a:fld>
+            <a:endParaRPr lang="nl-BE"/>
+          </a:p>
+        </p:txBody>
+      </p:sp>
+    </p:spTree>
+    <p:extLst>
+      <p:ext uri="{BB962C8B-B14F-4D97-AF65-F5344CB8AC3E}">
+        <p14:creationId xmlns:p14="http://schemas.microsoft.com/office/powerpoint/2010/main" val="3320532544"/>
+      </p:ext>
+    </p:extLst>
+  </p:cSld>
+  <p:clrMapOvr>
+    <a:masterClrMapping/>
+  </p:clrMapOvr>
+</p:notes>
 </file>
 
 <file path=ppt/slideLayouts/slideLayout1.xml><?xml version="1.0" encoding="utf-8"?>
@@ -370,7 +899,7 @@
           <a:p>
             <a:fld id="{C764DE79-268F-4C1A-8933-263129D2AF90}" type="datetimeFigureOut">
               <a:rPr lang="en-US" dirty="0"/>
-              <a:t>7/19/23</a:t>
+              <a:t>8/1/23</a:t>
             </a:fld>
             <a:endParaRPr lang="en-US" dirty="0"/>
           </a:p>
@@ -545,7 +1074,7 @@
           <a:p>
             <a:fld id="{C764DE79-268F-4C1A-8933-263129D2AF90}" type="datetimeFigureOut">
               <a:rPr lang="en-US" dirty="0"/>
-              <a:t>7/19/23</a:t>
+              <a:t>8/1/23</a:t>
             </a:fld>
             <a:endParaRPr lang="en-US" dirty="0"/>
           </a:p>
@@ -710,7 +1239,7 @@
           <a:p>
             <a:fld id="{C764DE79-268F-4C1A-8933-263129D2AF90}" type="datetimeFigureOut">
               <a:rPr lang="en-US" dirty="0"/>
-              <a:t>7/19/23</a:t>
+              <a:t>8/1/23</a:t>
             </a:fld>
             <a:endParaRPr lang="en-US" dirty="0"/>
           </a:p>
@@ -951,7 +1480,7 @@
           <a:p>
             <a:fld id="{C764DE79-268F-4C1A-8933-263129D2AF90}" type="datetimeFigureOut">
               <a:rPr lang="en-US" dirty="0"/>
-              <a:t>7/19/23</a:t>
+              <a:t>8/1/23</a:t>
             </a:fld>
             <a:endParaRPr lang="en-US" dirty="0"/>
           </a:p>
@@ -1178,7 +1707,7 @@
           <a:p>
             <a:fld id="{C764DE79-268F-4C1A-8933-263129D2AF90}" type="datetimeFigureOut">
               <a:rPr lang="en-US" dirty="0"/>
-              <a:t>7/19/23</a:t>
+              <a:t>8/1/23</a:t>
             </a:fld>
             <a:endParaRPr lang="en-US" dirty="0"/>
           </a:p>
@@ -1540,7 +2069,7 @@
           <a:p>
             <a:fld id="{C764DE79-268F-4C1A-8933-263129D2AF90}" type="datetimeFigureOut">
               <a:rPr lang="en-US" dirty="0"/>
-              <a:t>7/19/23</a:t>
+              <a:t>8/1/23</a:t>
             </a:fld>
             <a:endParaRPr lang="en-US" dirty="0"/>
           </a:p>
@@ -1653,7 +2182,7 @@
           <a:p>
             <a:fld id="{C764DE79-268F-4C1A-8933-263129D2AF90}" type="datetimeFigureOut">
               <a:rPr lang="en-US" dirty="0"/>
-              <a:t>7/19/23</a:t>
+              <a:t>8/1/23</a:t>
             </a:fld>
             <a:endParaRPr lang="en-US" dirty="0"/>
           </a:p>
@@ -1771,7 +2300,7 @@
           <a:p>
             <a:fld id="{C764DE79-268F-4C1A-8933-263129D2AF90}" type="datetimeFigureOut">
               <a:rPr lang="en-US" dirty="0"/>
-              <a:t>7/19/23</a:t>
+              <a:t>8/1/23</a:t>
             </a:fld>
             <a:endParaRPr lang="en-US" dirty="0"/>
           </a:p>
@@ -2043,7 +2572,7 @@
           <a:p>
             <a:fld id="{C764DE79-268F-4C1A-8933-263129D2AF90}" type="datetimeFigureOut">
               <a:rPr lang="en-US" dirty="0"/>
-              <a:t>7/19/23</a:t>
+              <a:t>8/1/23</a:t>
             </a:fld>
             <a:endParaRPr lang="en-US" dirty="0"/>
           </a:p>
@@ -2295,7 +2824,7 @@
           <a:p>
             <a:fld id="{C764DE79-268F-4C1A-8933-263129D2AF90}" type="datetimeFigureOut">
               <a:rPr lang="en-US" dirty="0"/>
-              <a:t>7/19/23</a:t>
+              <a:t>8/1/23</a:t>
             </a:fld>
             <a:endParaRPr lang="en-US" dirty="0"/>
           </a:p>
@@ -2503,7 +3032,7 @@
           <a:p>
             <a:fld id="{C764DE79-268F-4C1A-8933-263129D2AF90}" type="datetimeFigureOut">
               <a:rPr lang="en-US" dirty="0"/>
-              <a:t>7/19/23</a:t>
+              <a:t>8/1/23</a:t>
             </a:fld>
             <a:endParaRPr lang="en-US" dirty="0"/>
           </a:p>
@@ -3036,7 +3565,7 @@
         <p:spPr>
           <a:xfrm>
             <a:off x="2968658" y="1420928"/>
-            <a:ext cx="5883112" cy="2557184"/>
+            <a:ext cx="7356442" cy="2557184"/>
           </a:xfrm>
         </p:spPr>
         <p:txBody>
@@ -3046,12 +3575,71 @@
           <a:lstStyle/>
           <a:p>
             <a:r>
-              <a:rPr lang="nl-BE" sz="6000" dirty="0"/>
+              <a:rPr lang="nl-BE" sz="6600" dirty="0"/>
               <a:t>Let’s get started!</a:t>
             </a:r>
           </a:p>
         </p:txBody>
       </p:sp>
+      <p:pic>
+        <p:nvPicPr>
+          <p:cNvPr id="3" name="Afbeelding 2">
+            <a:extLst>
+              <a:ext uri="{FF2B5EF4-FFF2-40B4-BE49-F238E27FC236}">
+                <a16:creationId xmlns:a16="http://schemas.microsoft.com/office/drawing/2014/main" id="{8BA30CBE-BBF4-EDE3-B4E8-E80F12E67944}"/>
+              </a:ext>
+            </a:extLst>
+          </p:cNvPr>
+          <p:cNvPicPr>
+            <a:picLocks noChangeAspect="1"/>
+          </p:cNvPicPr>
+          <p:nvPr/>
+        </p:nvPicPr>
+        <p:blipFill>
+          <a:blip r:embed="rId2">
+            <a:extLst>
+              <a:ext uri="{BEBA8EAE-BF5A-486C-A8C5-ECC9F3942E4B}">
+                <a14:imgProps xmlns:a14="http://schemas.microsoft.com/office/drawing/2010/main">
+                  <a14:imgLayer r:embed="rId3">
+                    <a14:imgEffect>
+                      <a14:backgroundRemoval t="6296" b="90000" l="8021" r="90365">
+                        <a14:foregroundMark x1="13594" y1="28426" x2="22292" y2="30463"/>
+                        <a14:foregroundMark x1="71823" y1="61481" x2="75990" y2="70463"/>
+                        <a14:foregroundMark x1="75990" y1="70463" x2="80521" y2="73889"/>
+                        <a14:foregroundMark x1="78177" y1="28889" x2="78490" y2="28426"/>
+                        <a14:foregroundMark x1="89688" y1="78519" x2="90365" y2="78981"/>
+                        <a14:foregroundMark x1="9167" y1="78981" x2="8021" y2="79167"/>
+                        <a14:foregroundMark x1="10990" y1="23426" x2="10625" y2="32685"/>
+                        <a14:foregroundMark x1="11094" y1="38148" x2="15833" y2="41574"/>
+                        <a14:foregroundMark x1="28750" y1="42500" x2="18229" y2="42778"/>
+                        <a14:foregroundMark x1="75938" y1="24074" x2="74271" y2="24352"/>
+                        <a14:foregroundMark x1="76250" y1="25093" x2="78646" y2="32315"/>
+                        <a14:foregroundMark x1="28802" y1="6296" x2="28802" y2="6296"/>
+                        <a14:foregroundMark x1="30677" y1="6296" x2="31979" y2="7222"/>
+                        <a14:foregroundMark x1="38021" y1="6852" x2="40729" y2="7222"/>
+                        <a14:foregroundMark x1="45104" y1="6667" x2="41719" y2="7222"/>
+                        <a14:foregroundMark x1="43333" y1="6296" x2="42031" y2="7222"/>
+                      </a14:backgroundRemoval>
+                    </a14:imgEffect>
+                  </a14:imgLayer>
+                </a14:imgProps>
+              </a:ext>
+            </a:extLst>
+          </a:blip>
+          <a:stretch>
+            <a:fillRect/>
+          </a:stretch>
+        </p:blipFill>
+        <p:spPr>
+          <a:xfrm>
+            <a:off x="6096000" y="3585586"/>
+            <a:ext cx="6308692" cy="3548639"/>
+          </a:xfrm>
+          <a:prstGeom prst="rect">
+            <a:avLst/>
+          </a:prstGeom>
+        </p:spPr>
+      </p:pic>
     </p:spTree>
     <p:extLst>
       <p:ext uri="{BB962C8B-B14F-4D97-AF65-F5344CB8AC3E}">
@@ -3145,7 +3733,21 @@
           <a:p>
             <a:r>
               <a:rPr lang="nl-BE" dirty="0"/>
-              <a:t>Research topics: smartphone behaviour</a:t>
+              <a:t>Research topics: </a:t>
+            </a:r>
+          </a:p>
+          <a:p>
+            <a:pPr lvl="2"/>
+            <a:r>
+              <a:rPr lang="nl-BE" dirty="0"/>
+              <a:t>smartphone behaviour</a:t>
+            </a:r>
+          </a:p>
+          <a:p>
+            <a:pPr lvl="2"/>
+            <a:r>
+              <a:rPr lang="nl-BE" dirty="0"/>
+              <a:t>digital media use</a:t>
             </a:r>
           </a:p>
           <a:p>
@@ -5818,8 +6420,8 @@
         </p:nvSpPr>
         <p:spPr>
           <a:xfrm>
-            <a:off x="1284401" y="3324496"/>
-            <a:ext cx="8321511" cy="1569660"/>
+            <a:off x="1135632" y="3429000"/>
+            <a:ext cx="10294368" cy="1569660"/>
           </a:xfrm>
           <a:prstGeom prst="rect">
             <a:avLst/>
@@ -5832,7 +6434,7 @@
           </a:bodyPr>
           <a:lstStyle/>
           <a:p>
-            <a:pPr algn="l">
+            <a:pPr marL="457200" indent="-457200" algn="l">
               <a:buFont typeface="+mj-lt"/>
               <a:buAutoNum type="arabicPeriod"/>
             </a:pPr>
@@ -5840,11 +6442,11 @@
               <a:rPr lang="nl-BE" sz="2400" b="0" i="0" u="none" strike="noStrike" dirty="0">
                 <a:effectLst/>
               </a:rPr>
-              <a:t>Install Python and the required Python packages</a:t>
-            </a:r>
-          </a:p>
-          <a:p>
-            <a:pPr algn="l">
+              <a:t> Install Python and the required Python packages (if on own computer)</a:t>
+            </a:r>
+          </a:p>
+          <a:p>
+            <a:pPr marL="457200" indent="-457200" algn="l">
               <a:buFont typeface="+mj-lt"/>
               <a:buAutoNum type="arabicPeriod"/>
             </a:pPr>
@@ -5852,11 +6454,24 @@
               <a:rPr lang="nl-BE" sz="2400" b="0" i="0" u="none" strike="noStrike" dirty="0">
                 <a:effectLst/>
               </a:rPr>
-              <a:t>Download the course material to your computer</a:t>
-            </a:r>
-          </a:p>
-          <a:p>
-            <a:pPr algn="l">
+              <a:t> Download the course material to your computer:  </a:t>
+            </a:r>
+            <a:r>
+              <a:rPr lang="nl-BE" sz="2400" b="0" i="0" u="none" strike="noStrike" dirty="0">
+                <a:effectLst/>
+                <a:hlinkClick r:id="rId3"/>
+              </a:rPr>
+              <a:t>here</a:t>
+            </a:r>
+            <a:r>
+              <a:rPr lang="nl-BE" sz="2400" b="0" i="0" u="none" strike="noStrike" dirty="0">
+                <a:effectLst/>
+              </a:rPr>
+              <a:t> </a:t>
+            </a:r>
+          </a:p>
+          <a:p>
+            <a:pPr marL="457200" indent="-457200" algn="l">
               <a:buFont typeface="+mj-lt"/>
               <a:buAutoNum type="arabicPeriod"/>
             </a:pPr>
@@ -5864,11 +6479,11 @@
               <a:rPr lang="nl-BE" sz="2400" b="0" i="0" u="none" strike="noStrike" dirty="0">
                 <a:effectLst/>
               </a:rPr>
-              <a:t>Test your configuration and installation</a:t>
-            </a:r>
-          </a:p>
-          <a:p>
-            <a:pPr algn="l">
+              <a:t> Test your configuration and installation</a:t>
+            </a:r>
+          </a:p>
+          <a:p>
+            <a:pPr marL="457200" indent="-457200" algn="l">
               <a:buFont typeface="+mj-lt"/>
               <a:buAutoNum type="arabicPeriod"/>
             </a:pPr>
@@ -5876,17 +6491,17 @@
               <a:rPr lang="nl-BE" sz="2400" b="0" i="0" u="none" strike="noStrike" dirty="0">
                 <a:effectLst/>
               </a:rPr>
-              <a:t>Start Jupyter lab</a:t>
-            </a:r>
-          </a:p>
-        </p:txBody>
-      </p:sp>
-      <p:sp>
-        <p:nvSpPr>
-          <p:cNvPr id="8" name="Tekstvak 7">
+              <a:t> Start Jupyter notebook/Anaconda</a:t>
+            </a:r>
+          </a:p>
+        </p:txBody>
+      </p:sp>
+      <p:sp>
+        <p:nvSpPr>
+          <p:cNvPr id="3" name="Tekstvak 2">
             <a:extLst>
               <a:ext uri="{FF2B5EF4-FFF2-40B4-BE49-F238E27FC236}">
-                <a16:creationId xmlns:a16="http://schemas.microsoft.com/office/drawing/2014/main" id="{4A4FAAEA-BA43-E60C-2E6A-1DD42FB27A20}"/>
+                <a16:creationId xmlns:a16="http://schemas.microsoft.com/office/drawing/2014/main" id="{01C0B4CD-3DA3-8E18-3CE6-A348830BFF37}"/>
               </a:ext>
             </a:extLst>
           </p:cNvPr>
@@ -5895,8 +6510,8 @@
         </p:nvSpPr>
         <p:spPr>
           <a:xfrm>
-            <a:off x="1143000" y="1603693"/>
-            <a:ext cx="6094428" cy="400110"/>
+            <a:off x="1276309" y="1596420"/>
+            <a:ext cx="8324330" cy="830997"/>
           </a:xfrm>
           <a:prstGeom prst="rect">
             <a:avLst/>
@@ -5904,18 +6519,21 @@
           <a:noFill/>
         </p:spPr>
         <p:txBody>
-          <a:bodyPr wrap="square">
+          <a:bodyPr wrap="none" rtlCol="0">
             <a:spAutoFit/>
           </a:bodyPr>
           <a:lstStyle/>
           <a:p>
             <a:r>
-              <a:rPr lang="nl-BE" sz="2000" dirty="0">
-                <a:hlinkClick r:id="rId2"/>
-              </a:rPr>
-              <a:t>Instruction steps</a:t>
-            </a:r>
-            <a:endParaRPr lang="nl-BE" sz="2000" dirty="0"/>
+              <a:rPr lang="nl-BE" sz="2400" dirty="0"/>
+              <a:t>Day 1: Introduction and exercises on working with pandas library</a:t>
+            </a:r>
+          </a:p>
+          <a:p>
+            <a:r>
+              <a:rPr lang="nl-BE" sz="2400" dirty="0"/>
+              <a:t>Day 2: Solve the case!</a:t>
+            </a:r>
           </a:p>
         </p:txBody>
       </p:sp>
@@ -5981,6 +6599,488 @@
               <a:rPr lang="nl-BE" sz="3200" dirty="0"/>
               <a:t>Python ecosystem</a:t>
             </a:r>
+          </a:p>
+        </p:txBody>
+      </p:sp>
+      <p:pic>
+        <p:nvPicPr>
+          <p:cNvPr id="3" name="Afbeelding 2">
+            <a:extLst>
+              <a:ext uri="{FF2B5EF4-FFF2-40B4-BE49-F238E27FC236}">
+                <a16:creationId xmlns:a16="http://schemas.microsoft.com/office/drawing/2014/main" id="{35A95601-7A36-DFBC-30AB-7A9D04DD8472}"/>
+              </a:ext>
+            </a:extLst>
+          </p:cNvPr>
+          <p:cNvPicPr>
+            <a:picLocks noChangeAspect="1"/>
+          </p:cNvPicPr>
+          <p:nvPr/>
+        </p:nvPicPr>
+        <p:blipFill>
+          <a:blip r:embed="rId3"/>
+          <a:stretch>
+            <a:fillRect/>
+          </a:stretch>
+        </p:blipFill>
+        <p:spPr>
+          <a:xfrm>
+            <a:off x="3644135" y="5778775"/>
+            <a:ext cx="3924453" cy="1079225"/>
+          </a:xfrm>
+          <a:prstGeom prst="rect">
+            <a:avLst/>
+          </a:prstGeom>
+        </p:spPr>
+      </p:pic>
+      <p:sp>
+        <p:nvSpPr>
+          <p:cNvPr id="13" name="Blokboog 12">
+            <a:extLst>
+              <a:ext uri="{FF2B5EF4-FFF2-40B4-BE49-F238E27FC236}">
+                <a16:creationId xmlns:a16="http://schemas.microsoft.com/office/drawing/2014/main" id="{71C72964-48E5-8C3E-2BDC-D4E7B02A9EF7}"/>
+              </a:ext>
+            </a:extLst>
+          </p:cNvPr>
+          <p:cNvSpPr/>
+          <p:nvPr/>
+        </p:nvSpPr>
+        <p:spPr>
+          <a:xfrm>
+            <a:off x="2690530" y="5679624"/>
+            <a:ext cx="6431435" cy="1079225"/>
+          </a:xfrm>
+          <a:prstGeom prst="blockArc">
+            <a:avLst>
+              <a:gd name="adj1" fmla="val 10800000"/>
+              <a:gd name="adj2" fmla="val 30596"/>
+              <a:gd name="adj3" fmla="val 0"/>
+            </a:avLst>
+          </a:prstGeom>
+        </p:spPr>
+        <p:style>
+          <a:lnRef idx="2">
+            <a:schemeClr val="accent1">
+              <a:shade val="15000"/>
+            </a:schemeClr>
+          </a:lnRef>
+          <a:fillRef idx="1">
+            <a:schemeClr val="accent1"/>
+          </a:fillRef>
+          <a:effectRef idx="0">
+            <a:schemeClr val="accent1"/>
+          </a:effectRef>
+          <a:fontRef idx="minor">
+            <a:schemeClr val="lt1"/>
+          </a:fontRef>
+        </p:style>
+        <p:txBody>
+          <a:bodyPr rtlCol="0" anchor="ctr"/>
+          <a:lstStyle/>
+          <a:p>
+            <a:pPr algn="ctr"/>
+            <a:endParaRPr lang="nl-BE">
+              <a:solidFill>
+                <a:schemeClr val="tx1"/>
+              </a:solidFill>
+            </a:endParaRPr>
+          </a:p>
+        </p:txBody>
+      </p:sp>
+      <p:pic>
+        <p:nvPicPr>
+          <p:cNvPr id="15" name="Afbeelding 14">
+            <a:extLst>
+              <a:ext uri="{FF2B5EF4-FFF2-40B4-BE49-F238E27FC236}">
+                <a16:creationId xmlns:a16="http://schemas.microsoft.com/office/drawing/2014/main" id="{CCA50E7F-AC5C-2979-DB2C-599CDBF3D679}"/>
+              </a:ext>
+            </a:extLst>
+          </p:cNvPr>
+          <p:cNvPicPr>
+            <a:picLocks noChangeAspect="1"/>
+          </p:cNvPicPr>
+          <p:nvPr/>
+        </p:nvPicPr>
+        <p:blipFill>
+          <a:blip r:embed="rId4"/>
+          <a:stretch>
+            <a:fillRect/>
+          </a:stretch>
+        </p:blipFill>
+        <p:spPr>
+          <a:xfrm>
+            <a:off x="3192139" y="4516205"/>
+            <a:ext cx="1746710" cy="661723"/>
+          </a:xfrm>
+          <a:prstGeom prst="rect">
+            <a:avLst/>
+          </a:prstGeom>
+        </p:spPr>
+      </p:pic>
+      <p:pic>
+        <p:nvPicPr>
+          <p:cNvPr id="16" name="Afbeelding 15">
+            <a:extLst>
+              <a:ext uri="{FF2B5EF4-FFF2-40B4-BE49-F238E27FC236}">
+                <a16:creationId xmlns:a16="http://schemas.microsoft.com/office/drawing/2014/main" id="{9C0622AF-E6CD-7586-CB61-6A0AF0EE50EC}"/>
+              </a:ext>
+            </a:extLst>
+          </p:cNvPr>
+          <p:cNvPicPr>
+            <a:picLocks noChangeAspect="1"/>
+          </p:cNvPicPr>
+          <p:nvPr/>
+        </p:nvPicPr>
+        <p:blipFill>
+          <a:blip r:embed="rId5"/>
+          <a:stretch>
+            <a:fillRect/>
+          </a:stretch>
+        </p:blipFill>
+        <p:spPr>
+          <a:xfrm>
+            <a:off x="5624660" y="4504896"/>
+            <a:ext cx="1286678" cy="673032"/>
+          </a:xfrm>
+          <a:prstGeom prst="rect">
+            <a:avLst/>
+          </a:prstGeom>
+        </p:spPr>
+      </p:pic>
+      <p:pic>
+        <p:nvPicPr>
+          <p:cNvPr id="17" name="Afbeelding 16">
+            <a:extLst>
+              <a:ext uri="{FF2B5EF4-FFF2-40B4-BE49-F238E27FC236}">
+                <a16:creationId xmlns:a16="http://schemas.microsoft.com/office/drawing/2014/main" id="{C8EAF638-B5FC-86F3-34C3-7D367CB76641}"/>
+              </a:ext>
+            </a:extLst>
+          </p:cNvPr>
+          <p:cNvPicPr>
+            <a:picLocks noChangeAspect="1"/>
+          </p:cNvPicPr>
+          <p:nvPr/>
+        </p:nvPicPr>
+        <p:blipFill>
+          <a:blip r:embed="rId6"/>
+          <a:stretch>
+            <a:fillRect/>
+          </a:stretch>
+        </p:blipFill>
+        <p:spPr>
+          <a:xfrm>
+            <a:off x="4654244" y="3197378"/>
+            <a:ext cx="1746710" cy="520180"/>
+          </a:xfrm>
+          <a:prstGeom prst="rect">
+            <a:avLst/>
+          </a:prstGeom>
+        </p:spPr>
+      </p:pic>
+      <p:pic>
+        <p:nvPicPr>
+          <p:cNvPr id="18" name="Afbeelding 17">
+            <a:extLst>
+              <a:ext uri="{FF2B5EF4-FFF2-40B4-BE49-F238E27FC236}">
+                <a16:creationId xmlns:a16="http://schemas.microsoft.com/office/drawing/2014/main" id="{FA30C886-FE4D-9C60-53BE-57DA4E17D0F4}"/>
+              </a:ext>
+            </a:extLst>
+          </p:cNvPr>
+          <p:cNvPicPr>
+            <a:picLocks noChangeAspect="1"/>
+          </p:cNvPicPr>
+          <p:nvPr/>
+        </p:nvPicPr>
+        <p:blipFill>
+          <a:blip r:embed="rId7"/>
+          <a:stretch>
+            <a:fillRect/>
+          </a:stretch>
+        </p:blipFill>
+        <p:spPr>
+          <a:xfrm>
+            <a:off x="7012695" y="3022600"/>
+            <a:ext cx="647700" cy="812800"/>
+          </a:xfrm>
+          <a:prstGeom prst="rect">
+            <a:avLst/>
+          </a:prstGeom>
+        </p:spPr>
+      </p:pic>
+      <p:pic>
+        <p:nvPicPr>
+          <p:cNvPr id="19" name="Afbeelding 18">
+            <a:extLst>
+              <a:ext uri="{FF2B5EF4-FFF2-40B4-BE49-F238E27FC236}">
+                <a16:creationId xmlns:a16="http://schemas.microsoft.com/office/drawing/2014/main" id="{69229260-B5D5-4AE0-4CF0-0D6905E25053}"/>
+              </a:ext>
+            </a:extLst>
+          </p:cNvPr>
+          <p:cNvPicPr>
+            <a:picLocks noChangeAspect="1"/>
+          </p:cNvPicPr>
+          <p:nvPr/>
+        </p:nvPicPr>
+        <p:blipFill>
+          <a:blip r:embed="rId8"/>
+          <a:stretch>
+            <a:fillRect/>
+          </a:stretch>
+        </p:blipFill>
+        <p:spPr>
+          <a:xfrm>
+            <a:off x="1887828" y="3331973"/>
+            <a:ext cx="2046229" cy="406343"/>
+          </a:xfrm>
+          <a:prstGeom prst="rect">
+            <a:avLst/>
+          </a:prstGeom>
+        </p:spPr>
+      </p:pic>
+      <p:pic>
+        <p:nvPicPr>
+          <p:cNvPr id="20" name="Afbeelding 19">
+            <a:extLst>
+              <a:ext uri="{FF2B5EF4-FFF2-40B4-BE49-F238E27FC236}">
+                <a16:creationId xmlns:a16="http://schemas.microsoft.com/office/drawing/2014/main" id="{4662BDD3-C83E-FC81-D4F1-40CC51563E56}"/>
+              </a:ext>
+            </a:extLst>
+          </p:cNvPr>
+          <p:cNvPicPr>
+            <a:picLocks noChangeAspect="1"/>
+          </p:cNvPicPr>
+          <p:nvPr/>
+        </p:nvPicPr>
+        <p:blipFill>
+          <a:blip r:embed="rId9"/>
+          <a:stretch>
+            <a:fillRect/>
+          </a:stretch>
+        </p:blipFill>
+        <p:spPr>
+          <a:xfrm>
+            <a:off x="703329" y="4017875"/>
+            <a:ext cx="1159524" cy="440247"/>
+          </a:xfrm>
+          <a:prstGeom prst="rect">
+            <a:avLst/>
+          </a:prstGeom>
+        </p:spPr>
+      </p:pic>
+      <p:pic>
+        <p:nvPicPr>
+          <p:cNvPr id="21" name="Afbeelding 20">
+            <a:extLst>
+              <a:ext uri="{FF2B5EF4-FFF2-40B4-BE49-F238E27FC236}">
+                <a16:creationId xmlns:a16="http://schemas.microsoft.com/office/drawing/2014/main" id="{407B6AB6-1C0B-7A75-99E2-F95C2F9DB4EC}"/>
+              </a:ext>
+            </a:extLst>
+          </p:cNvPr>
+          <p:cNvPicPr>
+            <a:picLocks noChangeAspect="1"/>
+          </p:cNvPicPr>
+          <p:nvPr/>
+        </p:nvPicPr>
+        <p:blipFill>
+          <a:blip r:embed="rId10"/>
+          <a:stretch>
+            <a:fillRect/>
+          </a:stretch>
+        </p:blipFill>
+        <p:spPr>
+          <a:xfrm>
+            <a:off x="8562247" y="3653741"/>
+            <a:ext cx="1286678" cy="584257"/>
+          </a:xfrm>
+          <a:prstGeom prst="rect">
+            <a:avLst/>
+          </a:prstGeom>
+        </p:spPr>
+      </p:pic>
+      <p:pic>
+        <p:nvPicPr>
+          <p:cNvPr id="22" name="Afbeelding 21">
+            <a:extLst>
+              <a:ext uri="{FF2B5EF4-FFF2-40B4-BE49-F238E27FC236}">
+                <a16:creationId xmlns:a16="http://schemas.microsoft.com/office/drawing/2014/main" id="{BA24B259-6B11-DAF5-4CDC-491205058108}"/>
+              </a:ext>
+            </a:extLst>
+          </p:cNvPr>
+          <p:cNvPicPr>
+            <a:picLocks noChangeAspect="1"/>
+          </p:cNvPicPr>
+          <p:nvPr/>
+        </p:nvPicPr>
+        <p:blipFill>
+          <a:blip r:embed="rId11"/>
+          <a:stretch>
+            <a:fillRect/>
+          </a:stretch>
+        </p:blipFill>
+        <p:spPr>
+          <a:xfrm>
+            <a:off x="8685648" y="4841412"/>
+            <a:ext cx="661028" cy="765691"/>
+          </a:xfrm>
+          <a:prstGeom prst="rect">
+            <a:avLst/>
+          </a:prstGeom>
+        </p:spPr>
+      </p:pic>
+      <p:pic>
+        <p:nvPicPr>
+          <p:cNvPr id="24" name="Afbeelding 23">
+            <a:extLst>
+              <a:ext uri="{FF2B5EF4-FFF2-40B4-BE49-F238E27FC236}">
+                <a16:creationId xmlns:a16="http://schemas.microsoft.com/office/drawing/2014/main" id="{2D7F3F5C-C59A-FF33-207A-C46C47B546EB}"/>
+              </a:ext>
+            </a:extLst>
+          </p:cNvPr>
+          <p:cNvPicPr>
+            <a:picLocks noChangeAspect="1"/>
+          </p:cNvPicPr>
+          <p:nvPr/>
+        </p:nvPicPr>
+        <p:blipFill>
+          <a:blip r:embed="rId12"/>
+          <a:stretch>
+            <a:fillRect/>
+          </a:stretch>
+        </p:blipFill>
+        <p:spPr>
+          <a:xfrm>
+            <a:off x="1089873" y="5393345"/>
+            <a:ext cx="1367357" cy="770859"/>
+          </a:xfrm>
+          <a:prstGeom prst="rect">
+            <a:avLst/>
+          </a:prstGeom>
+        </p:spPr>
+      </p:pic>
+      <p:sp>
+        <p:nvSpPr>
+          <p:cNvPr id="25" name="Tekstvak 24">
+            <a:extLst>
+              <a:ext uri="{FF2B5EF4-FFF2-40B4-BE49-F238E27FC236}">
+                <a16:creationId xmlns:a16="http://schemas.microsoft.com/office/drawing/2014/main" id="{258163BC-BFC2-6D31-AFCC-F342425B0A41}"/>
+              </a:ext>
+            </a:extLst>
+          </p:cNvPr>
+          <p:cNvSpPr txBox="1"/>
+          <p:nvPr/>
+        </p:nvSpPr>
+        <p:spPr>
+          <a:xfrm>
+            <a:off x="2719137" y="6164981"/>
+            <a:ext cx="184731" cy="369332"/>
+          </a:xfrm>
+          <a:prstGeom prst="rect">
+            <a:avLst/>
+          </a:prstGeom>
+          <a:noFill/>
+        </p:spPr>
+        <p:txBody>
+          <a:bodyPr wrap="none" rtlCol="0">
+            <a:spAutoFit/>
+          </a:bodyPr>
+          <a:lstStyle/>
+          <a:p>
+            <a:endParaRPr lang="nl-BE" dirty="0"/>
+          </a:p>
+        </p:txBody>
+      </p:sp>
+      <p:sp>
+        <p:nvSpPr>
+          <p:cNvPr id="34" name="Tekstvak 33">
+            <a:extLst>
+              <a:ext uri="{FF2B5EF4-FFF2-40B4-BE49-F238E27FC236}">
+                <a16:creationId xmlns:a16="http://schemas.microsoft.com/office/drawing/2014/main" id="{BBFFD0C2-3B67-1878-0BC7-99B70E633F2C}"/>
+              </a:ext>
+            </a:extLst>
+          </p:cNvPr>
+          <p:cNvSpPr txBox="1"/>
+          <p:nvPr/>
+        </p:nvSpPr>
+        <p:spPr>
+          <a:xfrm>
+            <a:off x="6120030" y="5683698"/>
+            <a:ext cx="184731" cy="369332"/>
+          </a:xfrm>
+          <a:prstGeom prst="rect">
+            <a:avLst/>
+          </a:prstGeom>
+          <a:noFill/>
+        </p:spPr>
+        <p:txBody>
+          <a:bodyPr wrap="none" rtlCol="0">
+            <a:spAutoFit/>
+          </a:bodyPr>
+          <a:lstStyle/>
+          <a:p>
+            <a:endParaRPr lang="nl-BE"/>
+          </a:p>
+        </p:txBody>
+      </p:sp>
+      <p:sp>
+        <p:nvSpPr>
+          <p:cNvPr id="35" name="Tekstvak 34">
+            <a:extLst>
+              <a:ext uri="{FF2B5EF4-FFF2-40B4-BE49-F238E27FC236}">
+                <a16:creationId xmlns:a16="http://schemas.microsoft.com/office/drawing/2014/main" id="{26262A01-AA29-80BD-1CB6-50C437B73F8E}"/>
+              </a:ext>
+            </a:extLst>
+          </p:cNvPr>
+          <p:cNvSpPr txBox="1"/>
+          <p:nvPr/>
+        </p:nvSpPr>
+        <p:spPr>
+          <a:xfrm>
+            <a:off x="5918200" y="5667375"/>
+            <a:ext cx="184731" cy="369332"/>
+          </a:xfrm>
+          <a:prstGeom prst="rect">
+            <a:avLst/>
+          </a:prstGeom>
+          <a:noFill/>
+        </p:spPr>
+        <p:txBody>
+          <a:bodyPr wrap="none" rtlCol="0">
+            <a:spAutoFit/>
+          </a:bodyPr>
+          <a:lstStyle/>
+          <a:p>
+            <a:endParaRPr lang="nl-BE"/>
+          </a:p>
+        </p:txBody>
+      </p:sp>
+      <p:sp>
+        <p:nvSpPr>
+          <p:cNvPr id="36" name="Tekstvak 35">
+            <a:extLst>
+              <a:ext uri="{FF2B5EF4-FFF2-40B4-BE49-F238E27FC236}">
+                <a16:creationId xmlns:a16="http://schemas.microsoft.com/office/drawing/2014/main" id="{655BAD7A-EB74-8645-DE99-4E23A3F29E26}"/>
+              </a:ext>
+            </a:extLst>
+          </p:cNvPr>
+          <p:cNvSpPr txBox="1"/>
+          <p:nvPr/>
+        </p:nvSpPr>
+        <p:spPr>
+          <a:xfrm>
+            <a:off x="5753100" y="5683250"/>
+            <a:ext cx="184731" cy="369332"/>
+          </a:xfrm>
+          <a:prstGeom prst="rect">
+            <a:avLst/>
+          </a:prstGeom>
+          <a:noFill/>
+        </p:spPr>
+        <p:txBody>
+          <a:bodyPr wrap="none" rtlCol="0">
+            <a:spAutoFit/>
+          </a:bodyPr>
+          <a:lstStyle/>
+          <a:p>
+            <a:endParaRPr lang="nl-BE" dirty="0"/>
           </a:p>
         </p:txBody>
       </p:sp>
@@ -6276,4 +7376,299 @@
     </a:ext>
   </a:extLst>
 </a:theme>
+</file>
+
+<file path=ppt/theme/theme2.xml><?xml version="1.0" encoding="utf-8"?>
+<a:theme xmlns:a="http://schemas.openxmlformats.org/drawingml/2006/main" name="Kantoorthema">
+  <a:themeElements>
+    <a:clrScheme name="Office">
+      <a:dk1>
+        <a:sysClr val="windowText" lastClr="000000"/>
+      </a:dk1>
+      <a:lt1>
+        <a:sysClr val="window" lastClr="FFFFFF"/>
+      </a:lt1>
+      <a:dk2>
+        <a:srgbClr val="44546A"/>
+      </a:dk2>
+      <a:lt2>
+        <a:srgbClr val="E7E6E6"/>
+      </a:lt2>
+      <a:accent1>
+        <a:srgbClr val="4472C4"/>
+      </a:accent1>
+      <a:accent2>
+        <a:srgbClr val="ED7D31"/>
+      </a:accent2>
+      <a:accent3>
+        <a:srgbClr val="A5A5A5"/>
+      </a:accent3>
+      <a:accent4>
+        <a:srgbClr val="FFC000"/>
+      </a:accent4>
+      <a:accent5>
+        <a:srgbClr val="5B9BD5"/>
+      </a:accent5>
+      <a:accent6>
+        <a:srgbClr val="70AD47"/>
+      </a:accent6>
+      <a:hlink>
+        <a:srgbClr val="0563C1"/>
+      </a:hlink>
+      <a:folHlink>
+        <a:srgbClr val="954F72"/>
+      </a:folHlink>
+    </a:clrScheme>
+    <a:fontScheme name="Office">
+      <a:majorFont>
+        <a:latin typeface="Calibri Light" panose="020F0302020204030204"/>
+        <a:ea typeface=""/>
+        <a:cs typeface=""/>
+        <a:font script="Jpan" typeface="游ゴシック Light"/>
+        <a:font script="Hang" typeface="맑은 고딕"/>
+        <a:font script="Hans" typeface="等线 Light"/>
+        <a:font script="Hant" typeface="新細明體"/>
+        <a:font script="Arab" typeface="Times New Roman"/>
+        <a:font script="Hebr" typeface="Times New Roman"/>
+        <a:font script="Thai" typeface="Angsana New"/>
+        <a:font script="Ethi" typeface="Nyala"/>
+        <a:font script="Beng" typeface="Vrinda"/>
+        <a:font script="Gujr" typeface="Shruti"/>
+        <a:font script="Khmr" typeface="MoolBoran"/>
+        <a:font script="Knda" typeface="Tunga"/>
+        <a:font script="Guru" typeface="Raavi"/>
+        <a:font script="Cans" typeface="Euphemia"/>
+        <a:font script="Cher" typeface="Plantagenet Cherokee"/>
+        <a:font script="Yiii" typeface="Microsoft Yi Baiti"/>
+        <a:font script="Tibt" typeface="Microsoft Himalaya"/>
+        <a:font script="Thaa" typeface="MV Boli"/>
+        <a:font script="Deva" typeface="Mangal"/>
+        <a:font script="Telu" typeface="Gautami"/>
+        <a:font script="Taml" typeface="Latha"/>
+        <a:font script="Syrc" typeface="Estrangelo Edessa"/>
+        <a:font script="Orya" typeface="Kalinga"/>
+        <a:font script="Mlym" typeface="Kartika"/>
+        <a:font script="Laoo" typeface="DokChampa"/>
+        <a:font script="Sinh" typeface="Iskoola Pota"/>
+        <a:font script="Mong" typeface="Mongolian Baiti"/>
+        <a:font script="Viet" typeface="Times New Roman"/>
+        <a:font script="Uigh" typeface="Microsoft Uighur"/>
+        <a:font script="Geor" typeface="Sylfaen"/>
+        <a:font script="Armn" typeface="Arial"/>
+        <a:font script="Bugi" typeface="Leelawadee UI"/>
+        <a:font script="Bopo" typeface="Microsoft JhengHei"/>
+        <a:font script="Java" typeface="Javanese Text"/>
+        <a:font script="Lisu" typeface="Segoe UI"/>
+        <a:font script="Mymr" typeface="Myanmar Text"/>
+        <a:font script="Nkoo" typeface="Ebrima"/>
+        <a:font script="Olck" typeface="Nirmala UI"/>
+        <a:font script="Osma" typeface="Ebrima"/>
+        <a:font script="Phag" typeface="Phagspa"/>
+        <a:font script="Syrn" typeface="Estrangelo Edessa"/>
+        <a:font script="Syrj" typeface="Estrangelo Edessa"/>
+        <a:font script="Syre" typeface="Estrangelo Edessa"/>
+        <a:font script="Sora" typeface="Nirmala UI"/>
+        <a:font script="Tale" typeface="Microsoft Tai Le"/>
+        <a:font script="Talu" typeface="Microsoft New Tai Lue"/>
+        <a:font script="Tfng" typeface="Ebrima"/>
+      </a:majorFont>
+      <a:minorFont>
+        <a:latin typeface="Calibri" panose="020F0502020204030204"/>
+        <a:ea typeface=""/>
+        <a:cs typeface=""/>
+        <a:font script="Jpan" typeface="游ゴシック"/>
+        <a:font script="Hang" typeface="맑은 고딕"/>
+        <a:font script="Hans" typeface="等线"/>
+        <a:font script="Hant" typeface="新細明體"/>
+        <a:font script="Arab" typeface="Arial"/>
+        <a:font script="Hebr" typeface="Arial"/>
+        <a:font script="Thai" typeface="Cordia New"/>
+        <a:font script="Ethi" typeface="Nyala"/>
+        <a:font script="Beng" typeface="Vrinda"/>
+        <a:font script="Gujr" typeface="Shruti"/>
+        <a:font script="Khmr" typeface="DaunPenh"/>
+        <a:font script="Knda" typeface="Tunga"/>
+        <a:font script="Guru" typeface="Raavi"/>
+        <a:font script="Cans" typeface="Euphemia"/>
+        <a:font script="Cher" typeface="Plantagenet Cherokee"/>
+        <a:font script="Yiii" typeface="Microsoft Yi Baiti"/>
+        <a:font script="Tibt" typeface="Microsoft Himalaya"/>
+        <a:font script="Thaa" typeface="MV Boli"/>
+        <a:font script="Deva" typeface="Mangal"/>
+        <a:font script="Telu" typeface="Gautami"/>
+        <a:font script="Taml" typeface="Latha"/>
+        <a:font script="Syrc" typeface="Estrangelo Edessa"/>
+        <a:font script="Orya" typeface="Kalinga"/>
+        <a:font script="Mlym" typeface="Kartika"/>
+        <a:font script="Laoo" typeface="DokChampa"/>
+        <a:font script="Sinh" typeface="Iskoola Pota"/>
+        <a:font script="Mong" typeface="Mongolian Baiti"/>
+        <a:font script="Viet" typeface="Arial"/>
+        <a:font script="Uigh" typeface="Microsoft Uighur"/>
+        <a:font script="Geor" typeface="Sylfaen"/>
+        <a:font script="Armn" typeface="Arial"/>
+        <a:font script="Bugi" typeface="Leelawadee UI"/>
+        <a:font script="Bopo" typeface="Microsoft JhengHei"/>
+        <a:font script="Java" typeface="Javanese Text"/>
+        <a:font script="Lisu" typeface="Segoe UI"/>
+        <a:font script="Mymr" typeface="Myanmar Text"/>
+        <a:font script="Nkoo" typeface="Ebrima"/>
+        <a:font script="Olck" typeface="Nirmala UI"/>
+        <a:font script="Osma" typeface="Ebrima"/>
+        <a:font script="Phag" typeface="Phagspa"/>
+        <a:font script="Syrn" typeface="Estrangelo Edessa"/>
+        <a:font script="Syrj" typeface="Estrangelo Edessa"/>
+        <a:font script="Syre" typeface="Estrangelo Edessa"/>
+        <a:font script="Sora" typeface="Nirmala UI"/>
+        <a:font script="Tale" typeface="Microsoft Tai Le"/>
+        <a:font script="Talu" typeface="Microsoft New Tai Lue"/>
+        <a:font script="Tfng" typeface="Ebrima"/>
+      </a:minorFont>
+    </a:fontScheme>
+    <a:fmtScheme name="Office">
+      <a:fillStyleLst>
+        <a:solidFill>
+          <a:schemeClr val="phClr"/>
+        </a:solidFill>
+        <a:gradFill rotWithShape="1">
+          <a:gsLst>
+            <a:gs pos="0">
+              <a:schemeClr val="phClr">
+                <a:lumMod val="110000"/>
+                <a:satMod val="105000"/>
+                <a:tint val="67000"/>
+              </a:schemeClr>
+            </a:gs>
+            <a:gs pos="50000">
+              <a:schemeClr val="phClr">
+                <a:lumMod val="105000"/>
+                <a:satMod val="103000"/>
+                <a:tint val="73000"/>
+              </a:schemeClr>
+            </a:gs>
+            <a:gs pos="100000">
+              <a:schemeClr val="phClr">
+                <a:lumMod val="105000"/>
+                <a:satMod val="109000"/>
+                <a:tint val="81000"/>
+              </a:schemeClr>
+            </a:gs>
+          </a:gsLst>
+          <a:lin ang="5400000" scaled="0"/>
+        </a:gradFill>
+        <a:gradFill rotWithShape="1">
+          <a:gsLst>
+            <a:gs pos="0">
+              <a:schemeClr val="phClr">
+                <a:satMod val="103000"/>
+                <a:lumMod val="102000"/>
+                <a:tint val="94000"/>
+              </a:schemeClr>
+            </a:gs>
+            <a:gs pos="50000">
+              <a:schemeClr val="phClr">
+                <a:satMod val="110000"/>
+                <a:lumMod val="100000"/>
+                <a:shade val="100000"/>
+              </a:schemeClr>
+            </a:gs>
+            <a:gs pos="100000">
+              <a:schemeClr val="phClr">
+                <a:lumMod val="99000"/>
+                <a:satMod val="120000"/>
+                <a:shade val="78000"/>
+              </a:schemeClr>
+            </a:gs>
+          </a:gsLst>
+          <a:lin ang="5400000" scaled="0"/>
+        </a:gradFill>
+      </a:fillStyleLst>
+      <a:lnStyleLst>
+        <a:ln w="6350" cap="flat" cmpd="sng" algn="ctr">
+          <a:solidFill>
+            <a:schemeClr val="phClr"/>
+          </a:solidFill>
+          <a:prstDash val="solid"/>
+          <a:miter lim="800000"/>
+        </a:ln>
+        <a:ln w="12700" cap="flat" cmpd="sng" algn="ctr">
+          <a:solidFill>
+            <a:schemeClr val="phClr"/>
+          </a:solidFill>
+          <a:prstDash val="solid"/>
+          <a:miter lim="800000"/>
+        </a:ln>
+        <a:ln w="19050" cap="flat" cmpd="sng" algn="ctr">
+          <a:solidFill>
+            <a:schemeClr val="phClr"/>
+          </a:solidFill>
+          <a:prstDash val="solid"/>
+          <a:miter lim="800000"/>
+        </a:ln>
+      </a:lnStyleLst>
+      <a:effectStyleLst>
+        <a:effectStyle>
+          <a:effectLst/>
+        </a:effectStyle>
+        <a:effectStyle>
+          <a:effectLst/>
+        </a:effectStyle>
+        <a:effectStyle>
+          <a:effectLst>
+            <a:outerShdw blurRad="57150" dist="19050" dir="5400000" algn="ctr" rotWithShape="0">
+              <a:srgbClr val="000000">
+                <a:alpha val="63000"/>
+              </a:srgbClr>
+            </a:outerShdw>
+          </a:effectLst>
+        </a:effectStyle>
+      </a:effectStyleLst>
+      <a:bgFillStyleLst>
+        <a:solidFill>
+          <a:schemeClr val="phClr"/>
+        </a:solidFill>
+        <a:solidFill>
+          <a:schemeClr val="phClr">
+            <a:tint val="95000"/>
+            <a:satMod val="170000"/>
+          </a:schemeClr>
+        </a:solidFill>
+        <a:gradFill rotWithShape="1">
+          <a:gsLst>
+            <a:gs pos="0">
+              <a:schemeClr val="phClr">
+                <a:tint val="93000"/>
+                <a:satMod val="150000"/>
+                <a:shade val="98000"/>
+                <a:lumMod val="102000"/>
+              </a:schemeClr>
+            </a:gs>
+            <a:gs pos="50000">
+              <a:schemeClr val="phClr">
+                <a:tint val="98000"/>
+                <a:satMod val="130000"/>
+                <a:shade val="90000"/>
+                <a:lumMod val="103000"/>
+              </a:schemeClr>
+            </a:gs>
+            <a:gs pos="100000">
+              <a:schemeClr val="phClr">
+                <a:shade val="63000"/>
+                <a:satMod val="120000"/>
+              </a:schemeClr>
+            </a:gs>
+          </a:gsLst>
+          <a:lin ang="5400000" scaled="0"/>
+        </a:gradFill>
+      </a:bgFillStyleLst>
+    </a:fmtScheme>
+  </a:themeElements>
+  <a:objectDefaults/>
+  <a:extraClrSchemeLst/>
+  <a:extLst>
+    <a:ext uri="{05A4C25C-085E-4340-85A3-A5531E510DB2}">
+      <thm15:themeFamily xmlns:thm15="http://schemas.microsoft.com/office/thememl/2012/main" name="Office Theme" id="{62F939B6-93AF-4DB8-9C6B-D6C7DFDC589F}" vid="{4A3C46E8-61CC-4603-A589-7422A47A8E4A}"/>
+    </a:ext>
+  </a:extLst>
+</a:theme>
 </file>
--- a/docs/slides.pptx
+++ b/docs/slides.pptx
@@ -206,7 +206,7 @@
           <a:p>
             <a:fld id="{B42FCC84-D0D2-484F-A5F4-D96D07BCECAE}" type="datetimeFigureOut">
               <a:rPr lang="nl-BE" smtClean="0"/>
-              <a:t>1/08/2023</a:t>
+              <a:t>7/08/2023</a:t>
             </a:fld>
             <a:endParaRPr lang="nl-BE"/>
           </a:p>
@@ -899,7 +899,7 @@
           <a:p>
             <a:fld id="{C764DE79-268F-4C1A-8933-263129D2AF90}" type="datetimeFigureOut">
               <a:rPr lang="en-US" dirty="0"/>
-              <a:t>8/1/23</a:t>
+              <a:t>8/7/23</a:t>
             </a:fld>
             <a:endParaRPr lang="en-US" dirty="0"/>
           </a:p>
@@ -1074,7 +1074,7 @@
           <a:p>
             <a:fld id="{C764DE79-268F-4C1A-8933-263129D2AF90}" type="datetimeFigureOut">
               <a:rPr lang="en-US" dirty="0"/>
-              <a:t>8/1/23</a:t>
+              <a:t>8/7/23</a:t>
             </a:fld>
             <a:endParaRPr lang="en-US" dirty="0"/>
           </a:p>
@@ -1239,7 +1239,7 @@
           <a:p>
             <a:fld id="{C764DE79-268F-4C1A-8933-263129D2AF90}" type="datetimeFigureOut">
               <a:rPr lang="en-US" dirty="0"/>
-              <a:t>8/1/23</a:t>
+              <a:t>8/7/23</a:t>
             </a:fld>
             <a:endParaRPr lang="en-US" dirty="0"/>
           </a:p>
@@ -1480,7 +1480,7 @@
           <a:p>
             <a:fld id="{C764DE79-268F-4C1A-8933-263129D2AF90}" type="datetimeFigureOut">
               <a:rPr lang="en-US" dirty="0"/>
-              <a:t>8/1/23</a:t>
+              <a:t>8/7/23</a:t>
             </a:fld>
             <a:endParaRPr lang="en-US" dirty="0"/>
           </a:p>
@@ -1707,7 +1707,7 @@
           <a:p>
             <a:fld id="{C764DE79-268F-4C1A-8933-263129D2AF90}" type="datetimeFigureOut">
               <a:rPr lang="en-US" dirty="0"/>
-              <a:t>8/1/23</a:t>
+              <a:t>8/7/23</a:t>
             </a:fld>
             <a:endParaRPr lang="en-US" dirty="0"/>
           </a:p>
@@ -2069,7 +2069,7 @@
           <a:p>
             <a:fld id="{C764DE79-268F-4C1A-8933-263129D2AF90}" type="datetimeFigureOut">
               <a:rPr lang="en-US" dirty="0"/>
-              <a:t>8/1/23</a:t>
+              <a:t>8/7/23</a:t>
             </a:fld>
             <a:endParaRPr lang="en-US" dirty="0"/>
           </a:p>
@@ -2182,7 +2182,7 @@
           <a:p>
             <a:fld id="{C764DE79-268F-4C1A-8933-263129D2AF90}" type="datetimeFigureOut">
               <a:rPr lang="en-US" dirty="0"/>
-              <a:t>8/1/23</a:t>
+              <a:t>8/7/23</a:t>
             </a:fld>
             <a:endParaRPr lang="en-US" dirty="0"/>
           </a:p>
@@ -2300,7 +2300,7 @@
           <a:p>
             <a:fld id="{C764DE79-268F-4C1A-8933-263129D2AF90}" type="datetimeFigureOut">
               <a:rPr lang="en-US" dirty="0"/>
-              <a:t>8/1/23</a:t>
+              <a:t>8/7/23</a:t>
             </a:fld>
             <a:endParaRPr lang="en-US" dirty="0"/>
           </a:p>
@@ -2572,7 +2572,7 @@
           <a:p>
             <a:fld id="{C764DE79-268F-4C1A-8933-263129D2AF90}" type="datetimeFigureOut">
               <a:rPr lang="en-US" dirty="0"/>
-              <a:t>8/1/23</a:t>
+              <a:t>8/7/23</a:t>
             </a:fld>
             <a:endParaRPr lang="en-US" dirty="0"/>
           </a:p>
@@ -2824,7 +2824,7 @@
           <a:p>
             <a:fld id="{C764DE79-268F-4C1A-8933-263129D2AF90}" type="datetimeFigureOut">
               <a:rPr lang="en-US" dirty="0"/>
-              <a:t>8/1/23</a:t>
+              <a:t>8/7/23</a:t>
             </a:fld>
             <a:endParaRPr lang="en-US" dirty="0"/>
           </a:p>
@@ -3032,7 +3032,7 @@
           <a:p>
             <a:fld id="{C764DE79-268F-4C1A-8933-263129D2AF90}" type="datetimeFigureOut">
               <a:rPr lang="en-US" dirty="0"/>
-              <a:t>8/1/23</a:t>
+              <a:t>8/7/23</a:t>
             </a:fld>
             <a:endParaRPr lang="en-US" dirty="0"/>
           </a:p>

--- a/docs/slides.pptx
+++ b/docs/slides.pptx
@@ -15,8 +15,8 @@
     <p:sldId id="260" r:id="rId6"/>
     <p:sldId id="261" r:id="rId7"/>
     <p:sldId id="262" r:id="rId8"/>
-    <p:sldId id="263" r:id="rId9"/>
-    <p:sldId id="264" r:id="rId10"/>
+    <p:sldId id="264" r:id="rId9"/>
+    <p:sldId id="263" r:id="rId10"/>
     <p:sldId id="265" r:id="rId11"/>
   </p:sldIdLst>
   <p:sldSz cx="12192000" cy="6858000"/>
@@ -206,7 +206,7 @@
           <a:p>
             <a:fld id="{B42FCC84-D0D2-484F-A5F4-D96D07BCECAE}" type="datetimeFigureOut">
               <a:rPr lang="nl-BE" smtClean="0"/>
-              <a:t>7/08/2023</a:t>
+              <a:t>9/08/2023</a:t>
             </a:fld>
             <a:endParaRPr lang="nl-BE"/>
           </a:p>
@@ -520,7 +520,7 @@
           <a:p>
             <a:r>
               <a:rPr lang="nl-BE" dirty="0"/>
-              <a:t>Whichever team that solves the cases or get closest, wins some real belgian chocolate!</a:t>
+              <a:t>Why data science? </a:t>
             </a:r>
           </a:p>
         </p:txBody>
@@ -542,7 +542,7 @@
           <a:p>
             <a:fld id="{CAB2C4AA-7579-3F4B-B91D-C80ABA5FB270}" type="slidenum">
               <a:rPr lang="nl-BE" smtClean="0"/>
-              <a:t>8</a:t>
+              <a:t>3</a:t>
             </a:fld>
             <a:endParaRPr lang="nl-BE"/>
           </a:p>
@@ -551,7 +551,7 @@
     </p:spTree>
     <p:extLst>
       <p:ext uri="{BB962C8B-B14F-4D97-AF65-F5344CB8AC3E}">
-        <p14:creationId xmlns:p14="http://schemas.microsoft.com/office/powerpoint/2010/main" val="2540007099"/>
+        <p14:creationId xmlns:p14="http://schemas.microsoft.com/office/powerpoint/2010/main" val="1279835229"/>
       </p:ext>
     </p:extLst>
   </p:cSld>
@@ -626,7 +626,7 @@
           <a:p>
             <a:fld id="{CAB2C4AA-7579-3F4B-B91D-C80ABA5FB270}" type="slidenum">
               <a:rPr lang="nl-BE" smtClean="0"/>
-              <a:t>9</a:t>
+              <a:t>8</a:t>
             </a:fld>
             <a:endParaRPr lang="nl-BE"/>
           </a:p>
@@ -636,6 +636,90 @@
     <p:extLst>
       <p:ext uri="{BB962C8B-B14F-4D97-AF65-F5344CB8AC3E}">
         <p14:creationId xmlns:p14="http://schemas.microsoft.com/office/powerpoint/2010/main" val="3320532544"/>
+      </p:ext>
+    </p:extLst>
+  </p:cSld>
+  <p:clrMapOvr>
+    <a:masterClrMapping/>
+  </p:clrMapOvr>
+</p:notes>
+</file>
+
+<file path=ppt/notesSlides/notesSlide3.xml><?xml version="1.0" encoding="utf-8"?>
+<p:notes xmlns:a="http://schemas.openxmlformats.org/drawingml/2006/main" xmlns:r="http://schemas.openxmlformats.org/officeDocument/2006/relationships" xmlns:p="http://schemas.openxmlformats.org/presentationml/2006/main">
+  <p:cSld>
+    <p:spTree>
+      <p:nvGrpSpPr>
+        <p:cNvPr id="1" name=""/>
+        <p:cNvGrpSpPr/>
+        <p:nvPr/>
+      </p:nvGrpSpPr>
+      <p:grpSpPr>
+        <a:xfrm>
+          <a:off x="0" y="0"/>
+          <a:ext cx="0" cy="0"/>
+          <a:chOff x="0" y="0"/>
+          <a:chExt cx="0" cy="0"/>
+        </a:xfrm>
+      </p:grpSpPr>
+      <p:sp>
+        <p:nvSpPr>
+          <p:cNvPr id="2" name="Tijdelijke aanduiding voor dia-afbeelding 1"/>
+          <p:cNvSpPr>
+            <a:spLocks noGrp="1" noRot="1" noChangeAspect="1"/>
+          </p:cNvSpPr>
+          <p:nvPr>
+            <p:ph type="sldImg"/>
+          </p:nvPr>
+        </p:nvSpPr>
+        <p:spPr/>
+      </p:sp>
+      <p:sp>
+        <p:nvSpPr>
+          <p:cNvPr id="3" name="Tijdelijke aanduiding voor notities 2"/>
+          <p:cNvSpPr>
+            <a:spLocks noGrp="1"/>
+          </p:cNvSpPr>
+          <p:nvPr>
+            <p:ph type="body" idx="1"/>
+          </p:nvPr>
+        </p:nvSpPr>
+        <p:spPr/>
+        <p:txBody>
+          <a:bodyPr/>
+          <a:lstStyle/>
+          <a:p>
+            <a:endParaRPr lang="nl-BE" dirty="0"/>
+          </a:p>
+        </p:txBody>
+      </p:sp>
+      <p:sp>
+        <p:nvSpPr>
+          <p:cNvPr id="4" name="Tijdelijke aanduiding voor dianummer 3"/>
+          <p:cNvSpPr>
+            <a:spLocks noGrp="1"/>
+          </p:cNvSpPr>
+          <p:nvPr>
+            <p:ph type="sldNum" sz="quarter" idx="5"/>
+          </p:nvPr>
+        </p:nvSpPr>
+        <p:spPr/>
+        <p:txBody>
+          <a:bodyPr/>
+          <a:lstStyle/>
+          <a:p>
+            <a:fld id="{CAB2C4AA-7579-3F4B-B91D-C80ABA5FB270}" type="slidenum">
+              <a:rPr lang="nl-BE" smtClean="0"/>
+              <a:t>9</a:t>
+            </a:fld>
+            <a:endParaRPr lang="nl-BE"/>
+          </a:p>
+        </p:txBody>
+      </p:sp>
+    </p:spTree>
+    <p:extLst>
+      <p:ext uri="{BB962C8B-B14F-4D97-AF65-F5344CB8AC3E}">
+        <p14:creationId xmlns:p14="http://schemas.microsoft.com/office/powerpoint/2010/main" val="2540007099"/>
       </p:ext>
     </p:extLst>
   </p:cSld>
@@ -899,7 +983,7 @@
           <a:p>
             <a:fld id="{C764DE79-268F-4C1A-8933-263129D2AF90}" type="datetimeFigureOut">
               <a:rPr lang="en-US" dirty="0"/>
-              <a:t>8/7/23</a:t>
+              <a:t>8/9/23</a:t>
             </a:fld>
             <a:endParaRPr lang="en-US" dirty="0"/>
           </a:p>
@@ -1074,7 +1158,7 @@
           <a:p>
             <a:fld id="{C764DE79-268F-4C1A-8933-263129D2AF90}" type="datetimeFigureOut">
               <a:rPr lang="en-US" dirty="0"/>
-              <a:t>8/7/23</a:t>
+              <a:t>8/9/23</a:t>
             </a:fld>
             <a:endParaRPr lang="en-US" dirty="0"/>
           </a:p>
@@ -1239,7 +1323,7 @@
           <a:p>
             <a:fld id="{C764DE79-268F-4C1A-8933-263129D2AF90}" type="datetimeFigureOut">
               <a:rPr lang="en-US" dirty="0"/>
-              <a:t>8/7/23</a:t>
+              <a:t>8/9/23</a:t>
             </a:fld>
             <a:endParaRPr lang="en-US" dirty="0"/>
           </a:p>
@@ -1480,7 +1564,7 @@
           <a:p>
             <a:fld id="{C764DE79-268F-4C1A-8933-263129D2AF90}" type="datetimeFigureOut">
               <a:rPr lang="en-US" dirty="0"/>
-              <a:t>8/7/23</a:t>
+              <a:t>8/9/23</a:t>
             </a:fld>
             <a:endParaRPr lang="en-US" dirty="0"/>
           </a:p>
@@ -1707,7 +1791,7 @@
           <a:p>
             <a:fld id="{C764DE79-268F-4C1A-8933-263129D2AF90}" type="datetimeFigureOut">
               <a:rPr lang="en-US" dirty="0"/>
-              <a:t>8/7/23</a:t>
+              <a:t>8/9/23</a:t>
             </a:fld>
             <a:endParaRPr lang="en-US" dirty="0"/>
           </a:p>
@@ -2069,7 +2153,7 @@
           <a:p>
             <a:fld id="{C764DE79-268F-4C1A-8933-263129D2AF90}" type="datetimeFigureOut">
               <a:rPr lang="en-US" dirty="0"/>
-              <a:t>8/7/23</a:t>
+              <a:t>8/9/23</a:t>
             </a:fld>
             <a:endParaRPr lang="en-US" dirty="0"/>
           </a:p>
@@ -2182,7 +2266,7 @@
           <a:p>
             <a:fld id="{C764DE79-268F-4C1A-8933-263129D2AF90}" type="datetimeFigureOut">
               <a:rPr lang="en-US" dirty="0"/>
-              <a:t>8/7/23</a:t>
+              <a:t>8/9/23</a:t>
             </a:fld>
             <a:endParaRPr lang="en-US" dirty="0"/>
           </a:p>
@@ -2300,7 +2384,7 @@
           <a:p>
             <a:fld id="{C764DE79-268F-4C1A-8933-263129D2AF90}" type="datetimeFigureOut">
               <a:rPr lang="en-US" dirty="0"/>
-              <a:t>8/7/23</a:t>
+              <a:t>8/9/23</a:t>
             </a:fld>
             <a:endParaRPr lang="en-US" dirty="0"/>
           </a:p>
@@ -2572,7 +2656,7 @@
           <a:p>
             <a:fld id="{C764DE79-268F-4C1A-8933-263129D2AF90}" type="datetimeFigureOut">
               <a:rPr lang="en-US" dirty="0"/>
-              <a:t>8/7/23</a:t>
+              <a:t>8/9/23</a:t>
             </a:fld>
             <a:endParaRPr lang="en-US" dirty="0"/>
           </a:p>
@@ -2824,7 +2908,7 @@
           <a:p>
             <a:fld id="{C764DE79-268F-4C1A-8933-263129D2AF90}" type="datetimeFigureOut">
               <a:rPr lang="en-US" dirty="0"/>
-              <a:t>8/7/23</a:t>
+              <a:t>8/9/23</a:t>
             </a:fld>
             <a:endParaRPr lang="en-US" dirty="0"/>
           </a:p>
@@ -3032,7 +3116,7 @@
           <a:p>
             <a:fld id="{C764DE79-268F-4C1A-8933-263129D2AF90}" type="datetimeFigureOut">
               <a:rPr lang="en-US" dirty="0"/>
-              <a:t>8/7/23</a:t>
+              <a:t>8/9/23</a:t>
             </a:fld>
             <a:endParaRPr lang="en-US" dirty="0"/>
           </a:p>
@@ -6035,7 +6119,7 @@
           <a:p>
             <a:r>
               <a:rPr lang="nl-BE" sz="3200" dirty="0"/>
-              <a:t>What data scientist spend the most time doing</a:t>
+              <a:t>What does a data scientist spend the most time on?</a:t>
             </a:r>
           </a:p>
         </p:txBody>
@@ -6401,202 +6485,6 @@
           <a:p>
             <a:r>
               <a:rPr lang="nl-BE" sz="3200" dirty="0"/>
-              <a:t>Setup workshop</a:t>
-            </a:r>
-          </a:p>
-        </p:txBody>
-      </p:sp>
-      <p:sp>
-        <p:nvSpPr>
-          <p:cNvPr id="6" name="Tekstvak 5">
-            <a:extLst>
-              <a:ext uri="{FF2B5EF4-FFF2-40B4-BE49-F238E27FC236}">
-                <a16:creationId xmlns:a16="http://schemas.microsoft.com/office/drawing/2014/main" id="{FF60132E-3EAA-1510-DC5F-A0E26EFCD71F}"/>
-              </a:ext>
-            </a:extLst>
-          </p:cNvPr>
-          <p:cNvSpPr txBox="1"/>
-          <p:nvPr/>
-        </p:nvSpPr>
-        <p:spPr>
-          <a:xfrm>
-            <a:off x="1135632" y="3429000"/>
-            <a:ext cx="10294368" cy="1569660"/>
-          </a:xfrm>
-          <a:prstGeom prst="rect">
-            <a:avLst/>
-          </a:prstGeom>
-          <a:noFill/>
-        </p:spPr>
-        <p:txBody>
-          <a:bodyPr wrap="square">
-            <a:spAutoFit/>
-          </a:bodyPr>
-          <a:lstStyle/>
-          <a:p>
-            <a:pPr marL="457200" indent="-457200" algn="l">
-              <a:buFont typeface="+mj-lt"/>
-              <a:buAutoNum type="arabicPeriod"/>
-            </a:pPr>
-            <a:r>
-              <a:rPr lang="nl-BE" sz="2400" b="0" i="0" u="none" strike="noStrike" dirty="0">
-                <a:effectLst/>
-              </a:rPr>
-              <a:t> Install Python and the required Python packages (if on own computer)</a:t>
-            </a:r>
-          </a:p>
-          <a:p>
-            <a:pPr marL="457200" indent="-457200" algn="l">
-              <a:buFont typeface="+mj-lt"/>
-              <a:buAutoNum type="arabicPeriod"/>
-            </a:pPr>
-            <a:r>
-              <a:rPr lang="nl-BE" sz="2400" b="0" i="0" u="none" strike="noStrike" dirty="0">
-                <a:effectLst/>
-              </a:rPr>
-              <a:t> Download the course material to your computer:  </a:t>
-            </a:r>
-            <a:r>
-              <a:rPr lang="nl-BE" sz="2400" b="0" i="0" u="none" strike="noStrike" dirty="0">
-                <a:effectLst/>
-                <a:hlinkClick r:id="rId3"/>
-              </a:rPr>
-              <a:t>here</a:t>
-            </a:r>
-            <a:r>
-              <a:rPr lang="nl-BE" sz="2400" b="0" i="0" u="none" strike="noStrike" dirty="0">
-                <a:effectLst/>
-              </a:rPr>
-              <a:t> </a:t>
-            </a:r>
-          </a:p>
-          <a:p>
-            <a:pPr marL="457200" indent="-457200" algn="l">
-              <a:buFont typeface="+mj-lt"/>
-              <a:buAutoNum type="arabicPeriod"/>
-            </a:pPr>
-            <a:r>
-              <a:rPr lang="nl-BE" sz="2400" b="0" i="0" u="none" strike="noStrike" dirty="0">
-                <a:effectLst/>
-              </a:rPr>
-              <a:t> Test your configuration and installation</a:t>
-            </a:r>
-          </a:p>
-          <a:p>
-            <a:pPr marL="457200" indent="-457200" algn="l">
-              <a:buFont typeface="+mj-lt"/>
-              <a:buAutoNum type="arabicPeriod"/>
-            </a:pPr>
-            <a:r>
-              <a:rPr lang="nl-BE" sz="2400" b="0" i="0" u="none" strike="noStrike" dirty="0">
-                <a:effectLst/>
-              </a:rPr>
-              <a:t> Start Jupyter notebook/Anaconda</a:t>
-            </a:r>
-          </a:p>
-        </p:txBody>
-      </p:sp>
-      <p:sp>
-        <p:nvSpPr>
-          <p:cNvPr id="3" name="Tekstvak 2">
-            <a:extLst>
-              <a:ext uri="{FF2B5EF4-FFF2-40B4-BE49-F238E27FC236}">
-                <a16:creationId xmlns:a16="http://schemas.microsoft.com/office/drawing/2014/main" id="{01C0B4CD-3DA3-8E18-3CE6-A348830BFF37}"/>
-              </a:ext>
-            </a:extLst>
-          </p:cNvPr>
-          <p:cNvSpPr txBox="1"/>
-          <p:nvPr/>
-        </p:nvSpPr>
-        <p:spPr>
-          <a:xfrm>
-            <a:off x="1276309" y="1596420"/>
-            <a:ext cx="8324330" cy="830997"/>
-          </a:xfrm>
-          <a:prstGeom prst="rect">
-            <a:avLst/>
-          </a:prstGeom>
-          <a:noFill/>
-        </p:spPr>
-        <p:txBody>
-          <a:bodyPr wrap="none" rtlCol="0">
-            <a:spAutoFit/>
-          </a:bodyPr>
-          <a:lstStyle/>
-          <a:p>
-            <a:r>
-              <a:rPr lang="nl-BE" sz="2400" dirty="0"/>
-              <a:t>Day 1: Introduction and exercises on working with pandas library</a:t>
-            </a:r>
-          </a:p>
-          <a:p>
-            <a:r>
-              <a:rPr lang="nl-BE" sz="2400" dirty="0"/>
-              <a:t>Day 2: Solve the case!</a:t>
-            </a:r>
-          </a:p>
-        </p:txBody>
-      </p:sp>
-    </p:spTree>
-    <p:extLst>
-      <p:ext uri="{BB962C8B-B14F-4D97-AF65-F5344CB8AC3E}">
-        <p14:creationId xmlns:p14="http://schemas.microsoft.com/office/powerpoint/2010/main" val="2598426413"/>
-      </p:ext>
-    </p:extLst>
-  </p:cSld>
-  <p:clrMapOvr>
-    <a:masterClrMapping/>
-  </p:clrMapOvr>
-</p:sld>
-</file>
-
-<file path=ppt/slides/slide9.xml><?xml version="1.0" encoding="utf-8"?>
-<p:sld xmlns:a="http://schemas.openxmlformats.org/drawingml/2006/main" xmlns:r="http://schemas.openxmlformats.org/officeDocument/2006/relationships" xmlns:p="http://schemas.openxmlformats.org/presentationml/2006/main">
-  <p:cSld>
-    <p:spTree>
-      <p:nvGrpSpPr>
-        <p:cNvPr id="1" name=""/>
-        <p:cNvGrpSpPr/>
-        <p:nvPr/>
-      </p:nvGrpSpPr>
-      <p:grpSpPr>
-        <a:xfrm>
-          <a:off x="0" y="0"/>
-          <a:ext cx="0" cy="0"/>
-          <a:chOff x="0" y="0"/>
-          <a:chExt cx="0" cy="0"/>
-        </a:xfrm>
-      </p:grpSpPr>
-      <p:sp>
-        <p:nvSpPr>
-          <p:cNvPr id="2" name="Titel 1">
-            <a:extLst>
-              <a:ext uri="{FF2B5EF4-FFF2-40B4-BE49-F238E27FC236}">
-                <a16:creationId xmlns:a16="http://schemas.microsoft.com/office/drawing/2014/main" id="{FC82701D-D9A9-23EC-E35D-F4F088B88044}"/>
-              </a:ext>
-            </a:extLst>
-          </p:cNvPr>
-          <p:cNvSpPr>
-            <a:spLocks noGrp="1"/>
-          </p:cNvSpPr>
-          <p:nvPr>
-            <p:ph type="title"/>
-          </p:nvPr>
-        </p:nvSpPr>
-        <p:spPr>
-          <a:xfrm>
-            <a:off x="366860" y="270857"/>
-            <a:ext cx="10515600" cy="1325563"/>
-          </a:xfrm>
-        </p:spPr>
-        <p:txBody>
-          <a:bodyPr>
-            <a:normAutofit/>
-          </a:bodyPr>
-          <a:lstStyle/>
-          <a:p>
-            <a:r>
-              <a:rPr lang="nl-BE" sz="3200" dirty="0"/>
               <a:t>Python ecosystem</a:t>
             </a:r>
           </a:p>
@@ -6624,7 +6512,7 @@
         </p:blipFill>
         <p:spPr>
           <a:xfrm>
-            <a:off x="3644135" y="5778775"/>
+            <a:off x="3735942" y="5778774"/>
             <a:ext cx="3924453" cy="1079225"/>
           </a:xfrm>
           <a:prstGeom prst="rect">
@@ -6632,60 +6520,6 @@
           </a:prstGeom>
         </p:spPr>
       </p:pic>
-      <p:sp>
-        <p:nvSpPr>
-          <p:cNvPr id="13" name="Blokboog 12">
-            <a:extLst>
-              <a:ext uri="{FF2B5EF4-FFF2-40B4-BE49-F238E27FC236}">
-                <a16:creationId xmlns:a16="http://schemas.microsoft.com/office/drawing/2014/main" id="{71C72964-48E5-8C3E-2BDC-D4E7B02A9EF7}"/>
-              </a:ext>
-            </a:extLst>
-          </p:cNvPr>
-          <p:cNvSpPr/>
-          <p:nvPr/>
-        </p:nvSpPr>
-        <p:spPr>
-          <a:xfrm>
-            <a:off x="2690530" y="5679624"/>
-            <a:ext cx="6431435" cy="1079225"/>
-          </a:xfrm>
-          <a:prstGeom prst="blockArc">
-            <a:avLst>
-              <a:gd name="adj1" fmla="val 10800000"/>
-              <a:gd name="adj2" fmla="val 30596"/>
-              <a:gd name="adj3" fmla="val 0"/>
-            </a:avLst>
-          </a:prstGeom>
-        </p:spPr>
-        <p:style>
-          <a:lnRef idx="2">
-            <a:schemeClr val="accent1">
-              <a:shade val="15000"/>
-            </a:schemeClr>
-          </a:lnRef>
-          <a:fillRef idx="1">
-            <a:schemeClr val="accent1"/>
-          </a:fillRef>
-          <a:effectRef idx="0">
-            <a:schemeClr val="accent1"/>
-          </a:effectRef>
-          <a:fontRef idx="minor">
-            <a:schemeClr val="lt1"/>
-          </a:fontRef>
-        </p:style>
-        <p:txBody>
-          <a:bodyPr rtlCol="0" anchor="ctr"/>
-          <a:lstStyle/>
-          <a:p>
-            <a:pPr algn="ctr"/>
-            <a:endParaRPr lang="nl-BE">
-              <a:solidFill>
-                <a:schemeClr val="tx1"/>
-              </a:solidFill>
-            </a:endParaRPr>
-          </a:p>
-        </p:txBody>
-      </p:sp>
       <p:pic>
         <p:nvPicPr>
           <p:cNvPr id="15" name="Afbeelding 14">
@@ -6708,8 +6542,8 @@
         </p:blipFill>
         <p:spPr>
           <a:xfrm>
-            <a:off x="3192139" y="4516205"/>
-            <a:ext cx="1746710" cy="661723"/>
+            <a:off x="3334496" y="4656338"/>
+            <a:ext cx="2034787" cy="770858"/>
           </a:xfrm>
           <a:prstGeom prst="rect">
             <a:avLst/>
@@ -6738,8 +6572,8 @@
         </p:blipFill>
         <p:spPr>
           <a:xfrm>
-            <a:off x="5624660" y="4504896"/>
-            <a:ext cx="1286678" cy="673032"/>
+            <a:off x="6095999" y="4516205"/>
+            <a:ext cx="1553879" cy="812799"/>
           </a:xfrm>
           <a:prstGeom prst="rect">
             <a:avLst/>
@@ -6768,7 +6602,7 @@
         </p:blipFill>
         <p:spPr>
           <a:xfrm>
-            <a:off x="4654244" y="3197378"/>
+            <a:off x="4654798" y="3056315"/>
             <a:ext cx="1746710" cy="520180"/>
           </a:xfrm>
           <a:prstGeom prst="rect">
@@ -6798,8 +6632,8 @@
         </p:blipFill>
         <p:spPr>
           <a:xfrm>
-            <a:off x="7012695" y="3022600"/>
-            <a:ext cx="647700" cy="812800"/>
+            <a:off x="7281732" y="2691369"/>
+            <a:ext cx="1020962" cy="1281207"/>
           </a:xfrm>
           <a:prstGeom prst="rect">
             <a:avLst/>
@@ -6828,7 +6662,7 @@
         </p:blipFill>
         <p:spPr>
           <a:xfrm>
-            <a:off x="1887828" y="3331973"/>
+            <a:off x="1728345" y="3552489"/>
             <a:ext cx="2046229" cy="406343"/>
           </a:xfrm>
           <a:prstGeom prst="rect">
@@ -6858,8 +6692,8 @@
         </p:blipFill>
         <p:spPr>
           <a:xfrm>
-            <a:off x="703329" y="4017875"/>
-            <a:ext cx="1159524" cy="440247"/>
+            <a:off x="319963" y="4213640"/>
+            <a:ext cx="1539819" cy="584637"/>
           </a:xfrm>
           <a:prstGeom prst="rect">
             <a:avLst/>
@@ -6880,16 +6714,15 @@
           </p:cNvPicPr>
           <p:nvPr/>
         </p:nvPicPr>
-        <p:blipFill>
+        <p:blipFill rotWithShape="1">
           <a:blip r:embed="rId10"/>
-          <a:stretch>
-            <a:fillRect/>
-          </a:stretch>
+          <a:srcRect l="-1" t="-1" r="-9708" b="-9708"/>
+          <a:stretch/>
         </p:blipFill>
         <p:spPr>
           <a:xfrm>
-            <a:off x="8562247" y="3653741"/>
-            <a:ext cx="1286678" cy="584257"/>
+            <a:off x="9557236" y="3771595"/>
+            <a:ext cx="1789986" cy="812800"/>
           </a:xfrm>
           <a:prstGeom prst="rect">
             <a:avLst/>
@@ -6918,8 +6751,8 @@
         </p:blipFill>
         <p:spPr>
           <a:xfrm>
-            <a:off x="8685648" y="4841412"/>
-            <a:ext cx="661028" cy="765691"/>
+            <a:off x="8528491" y="5232115"/>
+            <a:ext cx="973565" cy="1127713"/>
           </a:xfrm>
           <a:prstGeom prst="rect">
             <a:avLst/>
@@ -6948,8 +6781,8 @@
         </p:blipFill>
         <p:spPr>
           <a:xfrm>
-            <a:off x="1089873" y="5393345"/>
-            <a:ext cx="1367357" cy="770859"/>
+            <a:off x="1452192" y="5599191"/>
+            <a:ext cx="1539205" cy="867740"/>
           </a:xfrm>
           <a:prstGeom prst="rect">
             <a:avLst/>
@@ -6958,10 +6791,456 @@
       </p:pic>
       <p:sp>
         <p:nvSpPr>
-          <p:cNvPr id="25" name="Tekstvak 24">
+          <p:cNvPr id="30" name="Vierkante haak rechts 29">
             <a:extLst>
               <a:ext uri="{FF2B5EF4-FFF2-40B4-BE49-F238E27FC236}">
-                <a16:creationId xmlns:a16="http://schemas.microsoft.com/office/drawing/2014/main" id="{258163BC-BFC2-6D31-AFCC-F342425B0A41}"/>
+                <a16:creationId xmlns:a16="http://schemas.microsoft.com/office/drawing/2014/main" id="{C7860A62-FF5E-A251-24D5-BDE0A919811B}"/>
+              </a:ext>
+            </a:extLst>
+          </p:cNvPr>
+          <p:cNvSpPr/>
+          <p:nvPr/>
+        </p:nvSpPr>
+        <p:spPr>
+          <a:xfrm rot="16200000">
+            <a:off x="5019562" y="3504270"/>
+            <a:ext cx="1325565" cy="5381894"/>
+          </a:xfrm>
+          <a:prstGeom prst="rightBracket">
+            <a:avLst>
+              <a:gd name="adj" fmla="val 152851"/>
+            </a:avLst>
+          </a:prstGeom>
+          <a:ln w="38100"/>
+        </p:spPr>
+        <p:style>
+          <a:lnRef idx="1">
+            <a:schemeClr val="dk1"/>
+          </a:lnRef>
+          <a:fillRef idx="0">
+            <a:schemeClr val="dk1"/>
+          </a:fillRef>
+          <a:effectRef idx="0">
+            <a:schemeClr val="dk1"/>
+          </a:effectRef>
+          <a:fontRef idx="minor">
+            <a:schemeClr val="tx1"/>
+          </a:fontRef>
+        </p:style>
+        <p:txBody>
+          <a:bodyPr rtlCol="0" anchor="ctr"/>
+          <a:lstStyle/>
+          <a:p>
+            <a:pPr algn="ctr"/>
+            <a:endParaRPr lang="nl-BE" dirty="0"/>
+          </a:p>
+        </p:txBody>
+      </p:sp>
+      <p:sp>
+        <p:nvSpPr>
+          <p:cNvPr id="32" name="Vierkante haak rechts 31">
+            <a:extLst>
+              <a:ext uri="{FF2B5EF4-FFF2-40B4-BE49-F238E27FC236}">
+                <a16:creationId xmlns:a16="http://schemas.microsoft.com/office/drawing/2014/main" id="{295D1152-5D8F-DE6B-5BA9-8440016B7474}"/>
+              </a:ext>
+            </a:extLst>
+          </p:cNvPr>
+          <p:cNvSpPr/>
+          <p:nvPr/>
+        </p:nvSpPr>
+        <p:spPr>
+          <a:xfrm rot="16200000">
+            <a:off x="4532566" y="288437"/>
+            <a:ext cx="2785935" cy="10353187"/>
+          </a:xfrm>
+          <a:prstGeom prst="rightBracket">
+            <a:avLst>
+              <a:gd name="adj" fmla="val 171263"/>
+            </a:avLst>
+          </a:prstGeom>
+          <a:ln w="38100"/>
+        </p:spPr>
+        <p:style>
+          <a:lnRef idx="1">
+            <a:schemeClr val="dk1"/>
+          </a:lnRef>
+          <a:fillRef idx="0">
+            <a:schemeClr val="dk1"/>
+          </a:fillRef>
+          <a:effectRef idx="0">
+            <a:schemeClr val="dk1"/>
+          </a:effectRef>
+          <a:fontRef idx="minor">
+            <a:schemeClr val="tx1"/>
+          </a:fontRef>
+        </p:style>
+        <p:txBody>
+          <a:bodyPr rtlCol="0" anchor="ctr"/>
+          <a:lstStyle/>
+          <a:p>
+            <a:pPr algn="ctr"/>
+            <a:endParaRPr lang="nl-BE" dirty="0"/>
+          </a:p>
+        </p:txBody>
+      </p:sp>
+      <p:sp>
+        <p:nvSpPr>
+          <p:cNvPr id="33" name="Vierkante haak rechts 32">
+            <a:extLst>
+              <a:ext uri="{FF2B5EF4-FFF2-40B4-BE49-F238E27FC236}">
+                <a16:creationId xmlns:a16="http://schemas.microsoft.com/office/drawing/2014/main" id="{9A392F47-BDC5-3711-2530-F4D22729F222}"/>
+              </a:ext>
+            </a:extLst>
+          </p:cNvPr>
+          <p:cNvSpPr/>
+          <p:nvPr/>
+        </p:nvSpPr>
+        <p:spPr>
+          <a:xfrm rot="16200000">
+            <a:off x="4636061" y="-2378011"/>
+            <a:ext cx="2919878" cy="12192000"/>
+          </a:xfrm>
+          <a:prstGeom prst="rightBracket">
+            <a:avLst>
+              <a:gd name="adj" fmla="val 201783"/>
+            </a:avLst>
+          </a:prstGeom>
+          <a:ln w="38100"/>
+        </p:spPr>
+        <p:style>
+          <a:lnRef idx="1">
+            <a:schemeClr val="dk1"/>
+          </a:lnRef>
+          <a:fillRef idx="0">
+            <a:schemeClr val="dk1"/>
+          </a:fillRef>
+          <a:effectRef idx="0">
+            <a:schemeClr val="dk1"/>
+          </a:effectRef>
+          <a:fontRef idx="minor">
+            <a:schemeClr val="tx1"/>
+          </a:fontRef>
+        </p:style>
+        <p:txBody>
+          <a:bodyPr rtlCol="0" anchor="ctr"/>
+          <a:lstStyle/>
+          <a:p>
+            <a:pPr algn="ctr"/>
+            <a:endParaRPr lang="nl-BE" dirty="0"/>
+          </a:p>
+        </p:txBody>
+      </p:sp>
+      <p:pic>
+        <p:nvPicPr>
+          <p:cNvPr id="37" name="Afbeelding 36">
+            <a:extLst>
+              <a:ext uri="{FF2B5EF4-FFF2-40B4-BE49-F238E27FC236}">
+                <a16:creationId xmlns:a16="http://schemas.microsoft.com/office/drawing/2014/main" id="{499EB35C-7B28-8A1D-5932-37108BE17B15}"/>
+              </a:ext>
+            </a:extLst>
+          </p:cNvPr>
+          <p:cNvPicPr>
+            <a:picLocks noChangeAspect="1"/>
+          </p:cNvPicPr>
+          <p:nvPr/>
+        </p:nvPicPr>
+        <p:blipFill>
+          <a:blip r:embed="rId13"/>
+          <a:stretch>
+            <a:fillRect/>
+          </a:stretch>
+        </p:blipFill>
+        <p:spPr>
+          <a:xfrm>
+            <a:off x="9502056" y="1183364"/>
+            <a:ext cx="1845166" cy="1180618"/>
+          </a:xfrm>
+          <a:prstGeom prst="rect">
+            <a:avLst/>
+          </a:prstGeom>
+        </p:spPr>
+      </p:pic>
+      <p:pic>
+        <p:nvPicPr>
+          <p:cNvPr id="38" name="Afbeelding 37">
+            <a:extLst>
+              <a:ext uri="{FF2B5EF4-FFF2-40B4-BE49-F238E27FC236}">
+                <a16:creationId xmlns:a16="http://schemas.microsoft.com/office/drawing/2014/main" id="{1B9F6AE3-E8D8-8159-3328-2A9FB8E2F86A}"/>
+              </a:ext>
+            </a:extLst>
+          </p:cNvPr>
+          <p:cNvPicPr>
+            <a:picLocks noChangeAspect="1"/>
+          </p:cNvPicPr>
+          <p:nvPr/>
+        </p:nvPicPr>
+        <p:blipFill>
+          <a:blip r:embed="rId14"/>
+          <a:stretch>
+            <a:fillRect/>
+          </a:stretch>
+        </p:blipFill>
+        <p:spPr>
+          <a:xfrm>
+            <a:off x="364643" y="2027530"/>
+            <a:ext cx="2046229" cy="584637"/>
+          </a:xfrm>
+          <a:prstGeom prst="rect">
+            <a:avLst/>
+          </a:prstGeom>
+        </p:spPr>
+      </p:pic>
+      <p:pic>
+        <p:nvPicPr>
+          <p:cNvPr id="39" name="Afbeelding 38">
+            <a:extLst>
+              <a:ext uri="{FF2B5EF4-FFF2-40B4-BE49-F238E27FC236}">
+                <a16:creationId xmlns:a16="http://schemas.microsoft.com/office/drawing/2014/main" id="{E80AEA05-9A96-84CE-1E8E-69F75C75472E}"/>
+              </a:ext>
+            </a:extLst>
+          </p:cNvPr>
+          <p:cNvPicPr>
+            <a:picLocks noChangeAspect="1"/>
+          </p:cNvPicPr>
+          <p:nvPr/>
+        </p:nvPicPr>
+        <p:blipFill>
+          <a:blip r:embed="rId15"/>
+          <a:stretch>
+            <a:fillRect/>
+          </a:stretch>
+        </p:blipFill>
+        <p:spPr>
+          <a:xfrm>
+            <a:off x="2410872" y="1430805"/>
+            <a:ext cx="1996480" cy="578979"/>
+          </a:xfrm>
+          <a:prstGeom prst="rect">
+            <a:avLst/>
+          </a:prstGeom>
+        </p:spPr>
+      </p:pic>
+      <p:pic>
+        <p:nvPicPr>
+          <p:cNvPr id="40" name="Afbeelding 39">
+            <a:extLst>
+              <a:ext uri="{FF2B5EF4-FFF2-40B4-BE49-F238E27FC236}">
+                <a16:creationId xmlns:a16="http://schemas.microsoft.com/office/drawing/2014/main" id="{5A422803-FA64-743E-D2C4-CF3D569250AA}"/>
+              </a:ext>
+            </a:extLst>
+          </p:cNvPr>
+          <p:cNvPicPr>
+            <a:picLocks noChangeAspect="1"/>
+          </p:cNvPicPr>
+          <p:nvPr/>
+        </p:nvPicPr>
+        <p:blipFill>
+          <a:blip r:embed="rId16"/>
+          <a:stretch>
+            <a:fillRect/>
+          </a:stretch>
+        </p:blipFill>
+        <p:spPr>
+          <a:xfrm>
+            <a:off x="8596243" y="312791"/>
+            <a:ext cx="2155828" cy="718609"/>
+          </a:xfrm>
+          <a:prstGeom prst="rect">
+            <a:avLst/>
+          </a:prstGeom>
+        </p:spPr>
+      </p:pic>
+      <p:pic>
+        <p:nvPicPr>
+          <p:cNvPr id="41" name="Afbeelding 40">
+            <a:extLst>
+              <a:ext uri="{FF2B5EF4-FFF2-40B4-BE49-F238E27FC236}">
+                <a16:creationId xmlns:a16="http://schemas.microsoft.com/office/drawing/2014/main" id="{D824271F-A635-4DF8-7B64-D210A1049851}"/>
+              </a:ext>
+            </a:extLst>
+          </p:cNvPr>
+          <p:cNvPicPr>
+            <a:picLocks noChangeAspect="1"/>
+          </p:cNvPicPr>
+          <p:nvPr/>
+        </p:nvPicPr>
+        <p:blipFill>
+          <a:blip r:embed="rId17"/>
+          <a:stretch>
+            <a:fillRect/>
+          </a:stretch>
+        </p:blipFill>
+        <p:spPr>
+          <a:xfrm>
+            <a:off x="4915438" y="1125591"/>
+            <a:ext cx="1565460" cy="842739"/>
+          </a:xfrm>
+          <a:prstGeom prst="rect">
+            <a:avLst/>
+          </a:prstGeom>
+        </p:spPr>
+      </p:pic>
+      <p:pic>
+        <p:nvPicPr>
+          <p:cNvPr id="43" name="Afbeelding 42">
+            <a:extLst>
+              <a:ext uri="{FF2B5EF4-FFF2-40B4-BE49-F238E27FC236}">
+                <a16:creationId xmlns:a16="http://schemas.microsoft.com/office/drawing/2014/main" id="{D75CC187-4C7B-4DC1-8DB4-035A5C727A71}"/>
+              </a:ext>
+            </a:extLst>
+          </p:cNvPr>
+          <p:cNvPicPr>
+            <a:picLocks noChangeAspect="1"/>
+          </p:cNvPicPr>
+          <p:nvPr/>
+        </p:nvPicPr>
+        <p:blipFill>
+          <a:blip r:embed="rId18"/>
+          <a:stretch>
+            <a:fillRect/>
+          </a:stretch>
+        </p:blipFill>
+        <p:spPr>
+          <a:xfrm>
+            <a:off x="7152313" y="1194551"/>
+            <a:ext cx="1803617" cy="642778"/>
+          </a:xfrm>
+          <a:prstGeom prst="rect">
+            <a:avLst/>
+          </a:prstGeom>
+        </p:spPr>
+      </p:pic>
+      <p:pic>
+        <p:nvPicPr>
+          <p:cNvPr id="45" name="Afbeelding 44">
+            <a:extLst>
+              <a:ext uri="{FF2B5EF4-FFF2-40B4-BE49-F238E27FC236}">
+                <a16:creationId xmlns:a16="http://schemas.microsoft.com/office/drawing/2014/main" id="{54232107-7257-AF1D-78CA-7012745CCB1E}"/>
+              </a:ext>
+            </a:extLst>
+          </p:cNvPr>
+          <p:cNvPicPr>
+            <a:picLocks noChangeAspect="1"/>
+          </p:cNvPicPr>
+          <p:nvPr/>
+        </p:nvPicPr>
+        <p:blipFill>
+          <a:blip r:embed="rId19"/>
+          <a:stretch>
+            <a:fillRect/>
+          </a:stretch>
+        </p:blipFill>
+        <p:spPr>
+          <a:xfrm>
+            <a:off x="6617989" y="196404"/>
+            <a:ext cx="1042406" cy="547263"/>
+          </a:xfrm>
+          <a:prstGeom prst="rect">
+            <a:avLst/>
+          </a:prstGeom>
+        </p:spPr>
+      </p:pic>
+      <p:pic>
+        <p:nvPicPr>
+          <p:cNvPr id="47" name="Afbeelding 46">
+            <a:extLst>
+              <a:ext uri="{FF2B5EF4-FFF2-40B4-BE49-F238E27FC236}">
+                <a16:creationId xmlns:a16="http://schemas.microsoft.com/office/drawing/2014/main" id="{A25EA719-4111-1C67-B325-49F957F681EA}"/>
+              </a:ext>
+            </a:extLst>
+          </p:cNvPr>
+          <p:cNvPicPr>
+            <a:picLocks noChangeAspect="1"/>
+          </p:cNvPicPr>
+          <p:nvPr/>
+        </p:nvPicPr>
+        <p:blipFill>
+          <a:blip r:embed="rId20"/>
+          <a:stretch>
+            <a:fillRect/>
+          </a:stretch>
+        </p:blipFill>
+        <p:spPr>
+          <a:xfrm>
+            <a:off x="4198561" y="178039"/>
+            <a:ext cx="1042406" cy="1042406"/>
+          </a:xfrm>
+          <a:prstGeom prst="rect">
+            <a:avLst/>
+          </a:prstGeom>
+        </p:spPr>
+      </p:pic>
+    </p:spTree>
+    <p:extLst>
+      <p:ext uri="{BB962C8B-B14F-4D97-AF65-F5344CB8AC3E}">
+        <p14:creationId xmlns:p14="http://schemas.microsoft.com/office/powerpoint/2010/main" val="2347196588"/>
+      </p:ext>
+    </p:extLst>
+  </p:cSld>
+  <p:clrMapOvr>
+    <a:masterClrMapping/>
+  </p:clrMapOvr>
+</p:sld>
+</file>
+
+<file path=ppt/slides/slide9.xml><?xml version="1.0" encoding="utf-8"?>
+<p:sld xmlns:a="http://schemas.openxmlformats.org/drawingml/2006/main" xmlns:r="http://schemas.openxmlformats.org/officeDocument/2006/relationships" xmlns:p="http://schemas.openxmlformats.org/presentationml/2006/main">
+  <p:cSld>
+    <p:spTree>
+      <p:nvGrpSpPr>
+        <p:cNvPr id="1" name=""/>
+        <p:cNvGrpSpPr/>
+        <p:nvPr/>
+      </p:nvGrpSpPr>
+      <p:grpSpPr>
+        <a:xfrm>
+          <a:off x="0" y="0"/>
+          <a:ext cx="0" cy="0"/>
+          <a:chOff x="0" y="0"/>
+          <a:chExt cx="0" cy="0"/>
+        </a:xfrm>
+      </p:grpSpPr>
+      <p:sp>
+        <p:nvSpPr>
+          <p:cNvPr id="2" name="Titel 1">
+            <a:extLst>
+              <a:ext uri="{FF2B5EF4-FFF2-40B4-BE49-F238E27FC236}">
+                <a16:creationId xmlns:a16="http://schemas.microsoft.com/office/drawing/2014/main" id="{FC82701D-D9A9-23EC-E35D-F4F088B88044}"/>
+              </a:ext>
+            </a:extLst>
+          </p:cNvPr>
+          <p:cNvSpPr>
+            <a:spLocks noGrp="1"/>
+          </p:cNvSpPr>
+          <p:nvPr>
+            <p:ph type="title"/>
+          </p:nvPr>
+        </p:nvSpPr>
+        <p:spPr>
+          <a:xfrm>
+            <a:off x="366860" y="270857"/>
+            <a:ext cx="10515600" cy="1325563"/>
+          </a:xfrm>
+        </p:spPr>
+        <p:txBody>
+          <a:bodyPr>
+            <a:normAutofit/>
+          </a:bodyPr>
+          <a:lstStyle/>
+          <a:p>
+            <a:r>
+              <a:rPr lang="nl-BE" sz="3200" dirty="0"/>
+              <a:t>Setup workshop</a:t>
+            </a:r>
+          </a:p>
+        </p:txBody>
+      </p:sp>
+      <p:sp>
+        <p:nvSpPr>
+          <p:cNvPr id="6" name="Tekstvak 5">
+            <a:extLst>
+              <a:ext uri="{FF2B5EF4-FFF2-40B4-BE49-F238E27FC236}">
+                <a16:creationId xmlns:a16="http://schemas.microsoft.com/office/drawing/2014/main" id="{FF60132E-3EAA-1510-DC5F-A0E26EFCD71F}"/>
               </a:ext>
             </a:extLst>
           </p:cNvPr>
@@ -6970,8 +7249,8 @@
         </p:nvSpPr>
         <p:spPr>
           <a:xfrm>
-            <a:off x="2719137" y="6164981"/>
-            <a:ext cx="184731" cy="369332"/>
+            <a:off x="1135632" y="3429000"/>
+            <a:ext cx="10294368" cy="1569660"/>
           </a:xfrm>
           <a:prstGeom prst="rect">
             <a:avLst/>
@@ -6979,21 +7258,79 @@
           <a:noFill/>
         </p:spPr>
         <p:txBody>
-          <a:bodyPr wrap="none" rtlCol="0">
+          <a:bodyPr wrap="square">
             <a:spAutoFit/>
           </a:bodyPr>
           <a:lstStyle/>
           <a:p>
-            <a:endParaRPr lang="nl-BE" dirty="0"/>
-          </a:p>
-        </p:txBody>
-      </p:sp>
-      <p:sp>
-        <p:nvSpPr>
-          <p:cNvPr id="34" name="Tekstvak 33">
+            <a:pPr marL="457200" indent="-457200" algn="l">
+              <a:buFont typeface="+mj-lt"/>
+              <a:buAutoNum type="arabicPeriod"/>
+            </a:pPr>
+            <a:r>
+              <a:rPr lang="nl-BE" sz="2400" b="0" i="0" u="none" strike="noStrike" dirty="0">
+                <a:effectLst/>
+              </a:rPr>
+              <a:t> Install Python and the required Python packages (if on own computer)</a:t>
+            </a:r>
+          </a:p>
+          <a:p>
+            <a:pPr marL="457200" indent="-457200" algn="l">
+              <a:buFont typeface="+mj-lt"/>
+              <a:buAutoNum type="arabicPeriod"/>
+            </a:pPr>
+            <a:r>
+              <a:rPr lang="nl-BE" sz="2400" b="0" i="0" u="none" strike="noStrike" dirty="0">
+                <a:effectLst/>
+              </a:rPr>
+              <a:t> Download the course material to your computer:  </a:t>
+            </a:r>
+            <a:r>
+              <a:rPr lang="nl-BE" sz="2400" b="0" i="0" u="none" strike="noStrike" dirty="0">
+                <a:effectLst/>
+                <a:hlinkClick r:id="rId3"/>
+              </a:rPr>
+              <a:t>here</a:t>
+            </a:r>
+            <a:r>
+              <a:rPr lang="nl-BE" sz="2400" b="0" i="0" u="none" strike="noStrike" dirty="0">
+                <a:effectLst/>
+              </a:rPr>
+              <a:t> </a:t>
+            </a:r>
+          </a:p>
+          <a:p>
+            <a:pPr marL="457200" indent="-457200" algn="l">
+              <a:buFont typeface="+mj-lt"/>
+              <a:buAutoNum type="arabicPeriod"/>
+            </a:pPr>
+            <a:r>
+              <a:rPr lang="nl-BE" sz="2400" b="0" i="0" u="none" strike="noStrike" dirty="0">
+                <a:effectLst/>
+              </a:rPr>
+              <a:t> Test your configuration and installation</a:t>
+            </a:r>
+          </a:p>
+          <a:p>
+            <a:pPr marL="457200" indent="-457200" algn="l">
+              <a:buFont typeface="+mj-lt"/>
+              <a:buAutoNum type="arabicPeriod"/>
+            </a:pPr>
+            <a:r>
+              <a:rPr lang="nl-BE" sz="2400" b="0" i="0" u="none" strike="noStrike" dirty="0">
+                <a:effectLst/>
+              </a:rPr>
+              <a:t> Start Jupyterlab from Anaconda</a:t>
+            </a:r>
+          </a:p>
+        </p:txBody>
+      </p:sp>
+      <p:sp>
+        <p:nvSpPr>
+          <p:cNvPr id="3" name="Tekstvak 2">
             <a:extLst>
               <a:ext uri="{FF2B5EF4-FFF2-40B4-BE49-F238E27FC236}">
-                <a16:creationId xmlns:a16="http://schemas.microsoft.com/office/drawing/2014/main" id="{BBFFD0C2-3B67-1878-0BC7-99B70E633F2C}"/>
+                <a16:creationId xmlns:a16="http://schemas.microsoft.com/office/drawing/2014/main" id="{01C0B4CD-3DA3-8E18-3CE6-A348830BFF37}"/>
               </a:ext>
             </a:extLst>
           </p:cNvPr>
@@ -7002,8 +7339,8 @@
         </p:nvSpPr>
         <p:spPr>
           <a:xfrm>
-            <a:off x="6120030" y="5683698"/>
-            <a:ext cx="184731" cy="369332"/>
+            <a:off x="1276309" y="1596420"/>
+            <a:ext cx="8324330" cy="830997"/>
           </a:xfrm>
           <a:prstGeom prst="rect">
             <a:avLst/>
@@ -7016,78 +7353,31 @@
           </a:bodyPr>
           <a:lstStyle/>
           <a:p>
-            <a:endParaRPr lang="nl-BE"/>
-          </a:p>
-        </p:txBody>
-      </p:sp>
-      <p:sp>
-        <p:nvSpPr>
-          <p:cNvPr id="35" name="Tekstvak 34">
-            <a:extLst>
-              <a:ext uri="{FF2B5EF4-FFF2-40B4-BE49-F238E27FC236}">
-                <a16:creationId xmlns:a16="http://schemas.microsoft.com/office/drawing/2014/main" id="{26262A01-AA29-80BD-1CB6-50C437B73F8E}"/>
-              </a:ext>
-            </a:extLst>
-          </p:cNvPr>
-          <p:cNvSpPr txBox="1"/>
-          <p:nvPr/>
-        </p:nvSpPr>
-        <p:spPr>
-          <a:xfrm>
-            <a:off x="5918200" y="5667375"/>
-            <a:ext cx="184731" cy="369332"/>
-          </a:xfrm>
-          <a:prstGeom prst="rect">
-            <a:avLst/>
-          </a:prstGeom>
-          <a:noFill/>
-        </p:spPr>
-        <p:txBody>
-          <a:bodyPr wrap="none" rtlCol="0">
-            <a:spAutoFit/>
-          </a:bodyPr>
-          <a:lstStyle/>
-          <a:p>
-            <a:endParaRPr lang="nl-BE"/>
-          </a:p>
-        </p:txBody>
-      </p:sp>
-      <p:sp>
-        <p:nvSpPr>
-          <p:cNvPr id="36" name="Tekstvak 35">
-            <a:extLst>
-              <a:ext uri="{FF2B5EF4-FFF2-40B4-BE49-F238E27FC236}">
-                <a16:creationId xmlns:a16="http://schemas.microsoft.com/office/drawing/2014/main" id="{655BAD7A-EB74-8645-DE99-4E23A3F29E26}"/>
-              </a:ext>
-            </a:extLst>
-          </p:cNvPr>
-          <p:cNvSpPr txBox="1"/>
-          <p:nvPr/>
-        </p:nvSpPr>
-        <p:spPr>
-          <a:xfrm>
-            <a:off x="5753100" y="5683250"/>
-            <a:ext cx="184731" cy="369332"/>
-          </a:xfrm>
-          <a:prstGeom prst="rect">
-            <a:avLst/>
-          </a:prstGeom>
-          <a:noFill/>
-        </p:spPr>
-        <p:txBody>
-          <a:bodyPr wrap="none" rtlCol="0">
-            <a:spAutoFit/>
-          </a:bodyPr>
-          <a:lstStyle/>
-          <a:p>
-            <a:endParaRPr lang="nl-BE" dirty="0"/>
+            <a:r>
+              <a:rPr lang="nl-BE" sz="2400" b="1" dirty="0"/>
+              <a:t>Day 1</a:t>
+            </a:r>
+            <a:r>
+              <a:rPr lang="nl-BE" sz="2400" dirty="0"/>
+              <a:t>: Introduction and exercises on working with pandas library</a:t>
+            </a:r>
+          </a:p>
+          <a:p>
+            <a:r>
+              <a:rPr lang="nl-BE" sz="2400" b="1" dirty="0"/>
+              <a:t>Day 2</a:t>
+            </a:r>
+            <a:r>
+              <a:rPr lang="nl-BE" sz="2400" dirty="0"/>
+              <a:t>: Use case: Solve the crime!</a:t>
+            </a:r>
           </a:p>
         </p:txBody>
       </p:sp>
     </p:spTree>
     <p:extLst>
       <p:ext uri="{BB962C8B-B14F-4D97-AF65-F5344CB8AC3E}">
-        <p14:creationId xmlns:p14="http://schemas.microsoft.com/office/powerpoint/2010/main" val="2347196588"/>
+        <p14:creationId xmlns:p14="http://schemas.microsoft.com/office/powerpoint/2010/main" val="2598426413"/>
       </p:ext>
     </p:extLst>
   </p:cSld>

--- a/docs/slides.pptx
+++ b/docs/slides.pptx
@@ -206,7 +206,7 @@
           <a:p>
             <a:fld id="{B42FCC84-D0D2-484F-A5F4-D96D07BCECAE}" type="datetimeFigureOut">
               <a:rPr lang="nl-BE" smtClean="0"/>
-              <a:t>9/08/2023</a:t>
+              <a:t>16/08/2023</a:t>
             </a:fld>
             <a:endParaRPr lang="nl-BE"/>
           </a:p>
@@ -520,7 +520,34 @@
           <a:p>
             <a:r>
               <a:rPr lang="nl-BE" dirty="0"/>
-              <a:t>Why data science? </a:t>
+              <a:t>Goal of the workshop: </a:t>
+            </a:r>
+          </a:p>
+          <a:p>
+            <a:endParaRPr lang="nl-BE" dirty="0"/>
+          </a:p>
+          <a:p>
+            <a:r>
+              <a:rPr lang="nl-BE" dirty="0"/>
+              <a:t>Learn </a:t>
+            </a:r>
+          </a:p>
+          <a:p>
+            <a:r>
+              <a:rPr lang="nl-BE" dirty="0"/>
+              <a:t>	- how to code more efficiently to process your datasets</a:t>
+            </a:r>
+          </a:p>
+          <a:p>
+            <a:r>
+              <a:rPr lang="nl-BE" dirty="0"/>
+              <a:t>	</a:t>
+            </a:r>
+          </a:p>
+          <a:p>
+            <a:r>
+              <a:rPr lang="nl-BE" dirty="0"/>
+              <a:t>	- visualise location data</a:t>
             </a:r>
           </a:p>
         </p:txBody>
@@ -542,7 +569,7 @@
           <a:p>
             <a:fld id="{CAB2C4AA-7579-3F4B-B91D-C80ABA5FB270}" type="slidenum">
               <a:rPr lang="nl-BE" smtClean="0"/>
-              <a:t>3</a:t>
+              <a:t>2</a:t>
             </a:fld>
             <a:endParaRPr lang="nl-BE"/>
           </a:p>
@@ -551,7 +578,7 @@
     </p:spTree>
     <p:extLst>
       <p:ext uri="{BB962C8B-B14F-4D97-AF65-F5344CB8AC3E}">
-        <p14:creationId xmlns:p14="http://schemas.microsoft.com/office/powerpoint/2010/main" val="1279835229"/>
+        <p14:creationId xmlns:p14="http://schemas.microsoft.com/office/powerpoint/2010/main" val="287365002"/>
       </p:ext>
     </p:extLst>
   </p:cSld>
@@ -605,6 +632,714 @@
           <a:bodyPr/>
           <a:lstStyle/>
           <a:p>
+            <a:r>
+              <a:rPr lang="nl-BE" dirty="0"/>
+              <a:t>Why data science? </a:t>
+            </a:r>
+          </a:p>
+        </p:txBody>
+      </p:sp>
+      <p:sp>
+        <p:nvSpPr>
+          <p:cNvPr id="4" name="Tijdelijke aanduiding voor dianummer 3"/>
+          <p:cNvSpPr>
+            <a:spLocks noGrp="1"/>
+          </p:cNvSpPr>
+          <p:nvPr>
+            <p:ph type="sldNum" sz="quarter" idx="5"/>
+          </p:nvPr>
+        </p:nvSpPr>
+        <p:spPr/>
+        <p:txBody>
+          <a:bodyPr/>
+          <a:lstStyle/>
+          <a:p>
+            <a:fld id="{CAB2C4AA-7579-3F4B-B91D-C80ABA5FB270}" type="slidenum">
+              <a:rPr lang="nl-BE" smtClean="0"/>
+              <a:t>3</a:t>
+            </a:fld>
+            <a:endParaRPr lang="nl-BE"/>
+          </a:p>
+        </p:txBody>
+      </p:sp>
+    </p:spTree>
+    <p:extLst>
+      <p:ext uri="{BB962C8B-B14F-4D97-AF65-F5344CB8AC3E}">
+        <p14:creationId xmlns:p14="http://schemas.microsoft.com/office/powerpoint/2010/main" val="1279835229"/>
+      </p:ext>
+    </p:extLst>
+  </p:cSld>
+  <p:clrMapOvr>
+    <a:masterClrMapping/>
+  </p:clrMapOvr>
+</p:notes>
+</file>
+
+<file path=ppt/notesSlides/notesSlide3.xml><?xml version="1.0" encoding="utf-8"?>
+<p:notes xmlns:a="http://schemas.openxmlformats.org/drawingml/2006/main" xmlns:r="http://schemas.openxmlformats.org/officeDocument/2006/relationships" xmlns:p="http://schemas.openxmlformats.org/presentationml/2006/main">
+  <p:cSld>
+    <p:spTree>
+      <p:nvGrpSpPr>
+        <p:cNvPr id="1" name=""/>
+        <p:cNvGrpSpPr/>
+        <p:nvPr/>
+      </p:nvGrpSpPr>
+      <p:grpSpPr>
+        <a:xfrm>
+          <a:off x="0" y="0"/>
+          <a:ext cx="0" cy="0"/>
+          <a:chOff x="0" y="0"/>
+          <a:chExt cx="0" cy="0"/>
+        </a:xfrm>
+      </p:grpSpPr>
+      <p:sp>
+        <p:nvSpPr>
+          <p:cNvPr id="2" name="Tijdelijke aanduiding voor dia-afbeelding 1"/>
+          <p:cNvSpPr>
+            <a:spLocks noGrp="1" noRot="1" noChangeAspect="1"/>
+          </p:cNvSpPr>
+          <p:nvPr>
+            <p:ph type="sldImg"/>
+          </p:nvPr>
+        </p:nvSpPr>
+        <p:spPr/>
+      </p:sp>
+      <p:sp>
+        <p:nvSpPr>
+          <p:cNvPr id="3" name="Tijdelijke aanduiding voor notities 2"/>
+          <p:cNvSpPr>
+            <a:spLocks noGrp="1"/>
+          </p:cNvSpPr>
+          <p:nvPr>
+            <p:ph type="body" idx="1"/>
+          </p:nvPr>
+        </p:nvSpPr>
+        <p:spPr/>
+        <p:txBody>
+          <a:bodyPr/>
+          <a:lstStyle/>
+          <a:p>
+            <a:r>
+              <a:rPr lang="nl-BE" dirty="0"/>
+              <a:t>Here is an example of the kind of messy data that data scientists frequently encounter. All values appear as dates, but in a different format, like numeric, textual, missing data and placeholders. The challenge here would be to convert all these various formats in a standardized data format. </a:t>
+            </a:r>
+          </a:p>
+          <a:p>
+            <a:endParaRPr lang="nl-BE" dirty="0"/>
+          </a:p>
+          <a:p>
+            <a:endParaRPr lang="nl-BE" dirty="0"/>
+          </a:p>
+        </p:txBody>
+      </p:sp>
+      <p:sp>
+        <p:nvSpPr>
+          <p:cNvPr id="4" name="Tijdelijke aanduiding voor dianummer 3"/>
+          <p:cNvSpPr>
+            <a:spLocks noGrp="1"/>
+          </p:cNvSpPr>
+          <p:nvPr>
+            <p:ph type="sldNum" sz="quarter" idx="5"/>
+          </p:nvPr>
+        </p:nvSpPr>
+        <p:spPr/>
+        <p:txBody>
+          <a:bodyPr/>
+          <a:lstStyle/>
+          <a:p>
+            <a:fld id="{CAB2C4AA-7579-3F4B-B91D-C80ABA5FB270}" type="slidenum">
+              <a:rPr lang="nl-BE" smtClean="0"/>
+              <a:t>4</a:t>
+            </a:fld>
+            <a:endParaRPr lang="nl-BE"/>
+          </a:p>
+        </p:txBody>
+      </p:sp>
+    </p:spTree>
+    <p:extLst>
+      <p:ext uri="{BB962C8B-B14F-4D97-AF65-F5344CB8AC3E}">
+        <p14:creationId xmlns:p14="http://schemas.microsoft.com/office/powerpoint/2010/main" val="2388449214"/>
+      </p:ext>
+    </p:extLst>
+  </p:cSld>
+  <p:clrMapOvr>
+    <a:masterClrMapping/>
+  </p:clrMapOvr>
+</p:notes>
+</file>
+
+<file path=ppt/notesSlides/notesSlide4.xml><?xml version="1.0" encoding="utf-8"?>
+<p:notes xmlns:a="http://schemas.openxmlformats.org/drawingml/2006/main" xmlns:r="http://schemas.openxmlformats.org/officeDocument/2006/relationships" xmlns:p="http://schemas.openxmlformats.org/presentationml/2006/main">
+  <p:cSld>
+    <p:spTree>
+      <p:nvGrpSpPr>
+        <p:cNvPr id="1" name=""/>
+        <p:cNvGrpSpPr/>
+        <p:nvPr/>
+      </p:nvGrpSpPr>
+      <p:grpSpPr>
+        <a:xfrm>
+          <a:off x="0" y="0"/>
+          <a:ext cx="0" cy="0"/>
+          <a:chOff x="0" y="0"/>
+          <a:chExt cx="0" cy="0"/>
+        </a:xfrm>
+      </p:grpSpPr>
+      <p:sp>
+        <p:nvSpPr>
+          <p:cNvPr id="2" name="Tijdelijke aanduiding voor dia-afbeelding 1"/>
+          <p:cNvSpPr>
+            <a:spLocks noGrp="1" noRot="1" noChangeAspect="1"/>
+          </p:cNvSpPr>
+          <p:nvPr>
+            <p:ph type="sldImg"/>
+          </p:nvPr>
+        </p:nvSpPr>
+        <p:spPr/>
+      </p:sp>
+      <p:sp>
+        <p:nvSpPr>
+          <p:cNvPr id="3" name="Tijdelijke aanduiding voor notities 2"/>
+          <p:cNvSpPr>
+            <a:spLocks noGrp="1"/>
+          </p:cNvSpPr>
+          <p:nvPr>
+            <p:ph type="body" idx="1"/>
+          </p:nvPr>
+        </p:nvSpPr>
+        <p:spPr/>
+        <p:txBody>
+          <a:bodyPr/>
+          <a:lstStyle/>
+          <a:p>
+            <a:r>
+              <a:rPr lang="nl-BE" dirty="0"/>
+              <a:t>So you may ask yourself the question how a data scientist spend his time. </a:t>
+            </a:r>
+          </a:p>
+          <a:p>
+            <a:endParaRPr lang="nl-BE" dirty="0"/>
+          </a:p>
+          <a:p>
+            <a:pPr marL="0" marR="0" lvl="0" indent="0" algn="l" defTabSz="914400" rtl="0" eaLnBrk="1" fontAlgn="auto" latinLnBrk="0" hangingPunct="1">
+              <a:lnSpc>
+                <a:spcPct val="100000"/>
+              </a:lnSpc>
+              <a:spcBef>
+                <a:spcPts val="0"/>
+              </a:spcBef>
+              <a:spcAft>
+                <a:spcPts val="0"/>
+              </a:spcAft>
+              <a:buClrTx/>
+              <a:buSzTx/>
+              <a:buFontTx/>
+              <a:buNone/>
+              <a:tabLst/>
+              <a:defRPr/>
+            </a:pPr>
+            <a:r>
+              <a:rPr lang="nl-BE" sz="1800" dirty="0">
+                <a:effectLst/>
+                <a:latin typeface="NimbusRomNo9L"/>
+              </a:rPr>
+              <a:t>In a report published by Forbes [7], data preparation accounts for about 80% of a data scientists role, with 60% of that time spent with the cleaning and organizing of that data for analysis; </a:t>
+            </a:r>
+            <a:endParaRPr lang="nl-BE" dirty="0"/>
+          </a:p>
+          <a:p>
+            <a:endParaRPr lang="nl-BE" dirty="0"/>
+          </a:p>
+        </p:txBody>
+      </p:sp>
+      <p:sp>
+        <p:nvSpPr>
+          <p:cNvPr id="4" name="Tijdelijke aanduiding voor dianummer 3"/>
+          <p:cNvSpPr>
+            <a:spLocks noGrp="1"/>
+          </p:cNvSpPr>
+          <p:nvPr>
+            <p:ph type="sldNum" sz="quarter" idx="5"/>
+          </p:nvPr>
+        </p:nvSpPr>
+        <p:spPr/>
+        <p:txBody>
+          <a:bodyPr/>
+          <a:lstStyle/>
+          <a:p>
+            <a:fld id="{CAB2C4AA-7579-3F4B-B91D-C80ABA5FB270}" type="slidenum">
+              <a:rPr lang="nl-BE" smtClean="0"/>
+              <a:t>5</a:t>
+            </a:fld>
+            <a:endParaRPr lang="nl-BE"/>
+          </a:p>
+        </p:txBody>
+      </p:sp>
+    </p:spTree>
+    <p:extLst>
+      <p:ext uri="{BB962C8B-B14F-4D97-AF65-F5344CB8AC3E}">
+        <p14:creationId xmlns:p14="http://schemas.microsoft.com/office/powerpoint/2010/main" val="3660128403"/>
+      </p:ext>
+    </p:extLst>
+  </p:cSld>
+  <p:clrMapOvr>
+    <a:masterClrMapping/>
+  </p:clrMapOvr>
+</p:notes>
+</file>
+
+<file path=ppt/notesSlides/notesSlide5.xml><?xml version="1.0" encoding="utf-8"?>
+<p:notes xmlns:a="http://schemas.openxmlformats.org/drawingml/2006/main" xmlns:r="http://schemas.openxmlformats.org/officeDocument/2006/relationships" xmlns:p="http://schemas.openxmlformats.org/presentationml/2006/main">
+  <p:cSld>
+    <p:spTree>
+      <p:nvGrpSpPr>
+        <p:cNvPr id="1" name=""/>
+        <p:cNvGrpSpPr/>
+        <p:nvPr/>
+      </p:nvGrpSpPr>
+      <p:grpSpPr>
+        <a:xfrm>
+          <a:off x="0" y="0"/>
+          <a:ext cx="0" cy="0"/>
+          <a:chOff x="0" y="0"/>
+          <a:chExt cx="0" cy="0"/>
+        </a:xfrm>
+      </p:grpSpPr>
+      <p:sp>
+        <p:nvSpPr>
+          <p:cNvPr id="2" name="Tijdelijke aanduiding voor dia-afbeelding 1"/>
+          <p:cNvSpPr>
+            <a:spLocks noGrp="1" noRot="1" noChangeAspect="1"/>
+          </p:cNvSpPr>
+          <p:nvPr>
+            <p:ph type="sldImg"/>
+          </p:nvPr>
+        </p:nvSpPr>
+        <p:spPr/>
+      </p:sp>
+      <p:sp>
+        <p:nvSpPr>
+          <p:cNvPr id="3" name="Tijdelijke aanduiding voor notities 2"/>
+          <p:cNvSpPr>
+            <a:spLocks noGrp="1"/>
+          </p:cNvSpPr>
+          <p:nvPr>
+            <p:ph type="body" idx="1"/>
+          </p:nvPr>
+        </p:nvSpPr>
+        <p:spPr/>
+        <p:txBody>
+          <a:bodyPr/>
+          <a:lstStyle/>
+          <a:p>
+            <a:r>
+              <a:rPr lang="nl-BE" dirty="0"/>
+              <a:t>At thes ime time, 57% of the respondents in the study of Forbes view data preparation as the least enjoyable part of their work</a:t>
+            </a:r>
+          </a:p>
+          <a:p>
+            <a:endParaRPr lang="nl-BE" dirty="0"/>
+          </a:p>
+          <a:p>
+            <a:r>
+              <a:rPr lang="nl-BE" dirty="0"/>
+              <a:t>So, we want to reduce the time spending cleaning and organising data, by coding efficiently and working with the right tools. </a:t>
+            </a:r>
+          </a:p>
+          <a:p>
+            <a:endParaRPr lang="nl-BE" dirty="0"/>
+          </a:p>
+          <a:p>
+            <a:r>
+              <a:rPr lang="nl-BE" dirty="0"/>
+              <a:t>That workshop should be the first step towards it. </a:t>
+            </a:r>
+          </a:p>
+          <a:p>
+            <a:endParaRPr lang="nl-BE" dirty="0"/>
+          </a:p>
+          <a:p>
+            <a:endParaRPr lang="nl-BE" dirty="0"/>
+          </a:p>
+        </p:txBody>
+      </p:sp>
+      <p:sp>
+        <p:nvSpPr>
+          <p:cNvPr id="4" name="Tijdelijke aanduiding voor dianummer 3"/>
+          <p:cNvSpPr>
+            <a:spLocks noGrp="1"/>
+          </p:cNvSpPr>
+          <p:nvPr>
+            <p:ph type="sldNum" sz="quarter" idx="5"/>
+          </p:nvPr>
+        </p:nvSpPr>
+        <p:spPr/>
+        <p:txBody>
+          <a:bodyPr/>
+          <a:lstStyle/>
+          <a:p>
+            <a:fld id="{CAB2C4AA-7579-3F4B-B91D-C80ABA5FB270}" type="slidenum">
+              <a:rPr lang="nl-BE" smtClean="0"/>
+              <a:t>6</a:t>
+            </a:fld>
+            <a:endParaRPr lang="nl-BE"/>
+          </a:p>
+        </p:txBody>
+      </p:sp>
+    </p:spTree>
+    <p:extLst>
+      <p:ext uri="{BB962C8B-B14F-4D97-AF65-F5344CB8AC3E}">
+        <p14:creationId xmlns:p14="http://schemas.microsoft.com/office/powerpoint/2010/main" val="3032249128"/>
+      </p:ext>
+    </p:extLst>
+  </p:cSld>
+  <p:clrMapOvr>
+    <a:masterClrMapping/>
+  </p:clrMapOvr>
+</p:notes>
+</file>
+
+<file path=ppt/notesSlides/notesSlide6.xml><?xml version="1.0" encoding="utf-8"?>
+<p:notes xmlns:a="http://schemas.openxmlformats.org/drawingml/2006/main" xmlns:r="http://schemas.openxmlformats.org/officeDocument/2006/relationships" xmlns:p="http://schemas.openxmlformats.org/presentationml/2006/main">
+  <p:cSld>
+    <p:spTree>
+      <p:nvGrpSpPr>
+        <p:cNvPr id="1" name=""/>
+        <p:cNvGrpSpPr/>
+        <p:nvPr/>
+      </p:nvGrpSpPr>
+      <p:grpSpPr>
+        <a:xfrm>
+          <a:off x="0" y="0"/>
+          <a:ext cx="0" cy="0"/>
+          <a:chOff x="0" y="0"/>
+          <a:chExt cx="0" cy="0"/>
+        </a:xfrm>
+      </p:grpSpPr>
+      <p:sp>
+        <p:nvSpPr>
+          <p:cNvPr id="2" name="Tijdelijke aanduiding voor dia-afbeelding 1"/>
+          <p:cNvSpPr>
+            <a:spLocks noGrp="1" noRot="1" noChangeAspect="1"/>
+          </p:cNvSpPr>
+          <p:nvPr>
+            <p:ph type="sldImg"/>
+          </p:nvPr>
+        </p:nvSpPr>
+        <p:spPr/>
+      </p:sp>
+      <p:sp>
+        <p:nvSpPr>
+          <p:cNvPr id="3" name="Tijdelijke aanduiding voor notities 2"/>
+          <p:cNvSpPr>
+            <a:spLocks noGrp="1"/>
+          </p:cNvSpPr>
+          <p:nvPr>
+            <p:ph type="body" idx="1"/>
+          </p:nvPr>
+        </p:nvSpPr>
+        <p:spPr/>
+        <p:txBody>
+          <a:bodyPr/>
+          <a:lstStyle/>
+          <a:p>
+            <a:r>
+              <a:rPr lang="nl-BE" dirty="0"/>
+              <a:t>I think Python stands out as the </a:t>
+            </a:r>
+            <a:r>
+              <a:rPr lang="nl-BE" b="0" i="0" u="none" strike="noStrike" dirty="0">
+                <a:solidFill>
+                  <a:srgbClr val="374151"/>
+                </a:solidFill>
+                <a:effectLst/>
+                <a:latin typeface="Söhne"/>
+              </a:rPr>
+              <a:t>ideal programming language for data science and processing because it is very versatily and it has a robust ecosystem. </a:t>
+            </a:r>
+          </a:p>
+          <a:p>
+            <a:endParaRPr lang="nl-BE" b="0" i="0" u="none" strike="noStrike" dirty="0">
+              <a:solidFill>
+                <a:srgbClr val="374151"/>
+              </a:solidFill>
+              <a:effectLst/>
+              <a:latin typeface="Söhne"/>
+            </a:endParaRPr>
+          </a:p>
+          <a:p>
+            <a:r>
+              <a:rPr lang="nl-BE" b="0" i="0" u="none" strike="noStrike" dirty="0">
+                <a:solidFill>
+                  <a:srgbClr val="374151"/>
+                </a:solidFill>
+                <a:effectLst/>
+                <a:latin typeface="Söhne"/>
+              </a:rPr>
+              <a:t>It has an intuitive syntax that enables quick development so it is accesibble to both beginners and expert programmers</a:t>
+            </a:r>
+          </a:p>
+          <a:p>
+            <a:endParaRPr lang="nl-BE" b="0" i="0" u="none" strike="noStrike" dirty="0">
+              <a:solidFill>
+                <a:srgbClr val="374151"/>
+              </a:solidFill>
+              <a:effectLst/>
+              <a:latin typeface="Söhne"/>
+            </a:endParaRPr>
+          </a:p>
+          <a:p>
+            <a:r>
+              <a:rPr lang="nl-BE" b="0" i="0" u="none" strike="noStrike" dirty="0">
+                <a:solidFill>
+                  <a:srgbClr val="374151"/>
+                </a:solidFill>
+                <a:effectLst/>
+                <a:latin typeface="Söhne"/>
+              </a:rPr>
+              <a:t>It’s free to use and there is a lot of documentation to find about at the internet, so I think it is the way to go. </a:t>
+            </a:r>
+          </a:p>
+        </p:txBody>
+      </p:sp>
+      <p:sp>
+        <p:nvSpPr>
+          <p:cNvPr id="4" name="Tijdelijke aanduiding voor dianummer 3"/>
+          <p:cNvSpPr>
+            <a:spLocks noGrp="1"/>
+          </p:cNvSpPr>
+          <p:nvPr>
+            <p:ph type="sldNum" sz="quarter" idx="5"/>
+          </p:nvPr>
+        </p:nvSpPr>
+        <p:spPr/>
+        <p:txBody>
+          <a:bodyPr/>
+          <a:lstStyle/>
+          <a:p>
+            <a:fld id="{CAB2C4AA-7579-3F4B-B91D-C80ABA5FB270}" type="slidenum">
+              <a:rPr lang="nl-BE" smtClean="0"/>
+              <a:t>7</a:t>
+            </a:fld>
+            <a:endParaRPr lang="nl-BE"/>
+          </a:p>
+        </p:txBody>
+      </p:sp>
+    </p:spTree>
+    <p:extLst>
+      <p:ext uri="{BB962C8B-B14F-4D97-AF65-F5344CB8AC3E}">
+        <p14:creationId xmlns:p14="http://schemas.microsoft.com/office/powerpoint/2010/main" val="2922513009"/>
+      </p:ext>
+    </p:extLst>
+  </p:cSld>
+  <p:clrMapOvr>
+    <a:masterClrMapping/>
+  </p:clrMapOvr>
+</p:notes>
+</file>
+
+<file path=ppt/notesSlides/notesSlide7.xml><?xml version="1.0" encoding="utf-8"?>
+<p:notes xmlns:a="http://schemas.openxmlformats.org/drawingml/2006/main" xmlns:r="http://schemas.openxmlformats.org/officeDocument/2006/relationships" xmlns:p="http://schemas.openxmlformats.org/presentationml/2006/main">
+  <p:cSld>
+    <p:spTree>
+      <p:nvGrpSpPr>
+        <p:cNvPr id="1" name=""/>
+        <p:cNvGrpSpPr/>
+        <p:nvPr/>
+      </p:nvGrpSpPr>
+      <p:grpSpPr>
+        <a:xfrm>
+          <a:off x="0" y="0"/>
+          <a:ext cx="0" cy="0"/>
+          <a:chOff x="0" y="0"/>
+          <a:chExt cx="0" cy="0"/>
+        </a:xfrm>
+      </p:grpSpPr>
+      <p:sp>
+        <p:nvSpPr>
+          <p:cNvPr id="2" name="Tijdelijke aanduiding voor dia-afbeelding 1"/>
+          <p:cNvSpPr>
+            <a:spLocks noGrp="1" noRot="1" noChangeAspect="1"/>
+          </p:cNvSpPr>
+          <p:nvPr>
+            <p:ph type="sldImg"/>
+          </p:nvPr>
+        </p:nvSpPr>
+        <p:spPr/>
+      </p:sp>
+      <p:sp>
+        <p:nvSpPr>
+          <p:cNvPr id="3" name="Tijdelijke aanduiding voor notities 2"/>
+          <p:cNvSpPr>
+            <a:spLocks noGrp="1"/>
+          </p:cNvSpPr>
+          <p:nvPr>
+            <p:ph type="body" idx="1"/>
+          </p:nvPr>
+        </p:nvSpPr>
+        <p:spPr/>
+        <p:txBody>
+          <a:bodyPr/>
+          <a:lstStyle/>
+          <a:p>
+            <a:r>
+              <a:rPr lang="nl-BE" dirty="0"/>
+              <a:t>This is how the python landscape looks like, it depicts the most used packages in python</a:t>
+            </a:r>
+          </a:p>
+          <a:p>
+            <a:endParaRPr lang="nl-BE" dirty="0"/>
+          </a:p>
+          <a:p>
+            <a:r>
+              <a:rPr lang="nl-BE" dirty="0"/>
+              <a:t>The base layer is the pure python interpreter</a:t>
+            </a:r>
+          </a:p>
+          <a:p>
+            <a:endParaRPr lang="nl-BE" dirty="0"/>
+          </a:p>
+          <a:p>
+            <a:r>
+              <a:rPr lang="nl-BE" dirty="0"/>
+              <a:t>The packages in the layers above increasingly add functions, and depend on the libraries below.</a:t>
+            </a:r>
+          </a:p>
+          <a:p>
+            <a:endParaRPr lang="nl-BE" dirty="0"/>
+          </a:p>
+          <a:p>
+            <a:r>
+              <a:rPr lang="nl-BE" dirty="0"/>
+              <a:t>For example, </a:t>
+            </a:r>
+          </a:p>
+          <a:p>
+            <a:endParaRPr lang="nl-BE" b="1" dirty="0"/>
+          </a:p>
+          <a:p>
+            <a:r>
+              <a:rPr lang="nl-BE" b="1" dirty="0"/>
+              <a:t>	- numpy</a:t>
+            </a:r>
+            <a:r>
+              <a:rPr lang="nl-BE" dirty="0"/>
+              <a:t> is a scientific package to do advanced numerical computations and array operations</a:t>
+            </a:r>
+          </a:p>
+          <a:p>
+            <a:r>
+              <a:rPr lang="nl-BE" dirty="0"/>
+              <a:t>	</a:t>
+            </a:r>
+            <a:r>
+              <a:rPr lang="nl-BE" b="1" dirty="0"/>
+              <a:t>- </a:t>
+            </a:r>
+            <a:r>
+              <a:rPr lang="nl-BE" b="1" i="0" u="none" strike="noStrike" dirty="0">
+                <a:solidFill>
+                  <a:srgbClr val="374151"/>
+                </a:solidFill>
+                <a:effectLst/>
+                <a:latin typeface="Söhne"/>
+              </a:rPr>
+              <a:t>Jupyter </a:t>
+            </a:r>
+            <a:r>
+              <a:rPr lang="nl-BE" b="0" i="0" u="none" strike="noStrike" dirty="0">
+                <a:solidFill>
+                  <a:srgbClr val="374151"/>
+                </a:solidFill>
+                <a:effectLst/>
+                <a:latin typeface="Söhne"/>
+              </a:rPr>
+              <a:t>is a web application that enables interactive and collaborative computing, allowing users to create and share documents containing live code, equations, visualizations, and text across various programming languages.</a:t>
+            </a:r>
+          </a:p>
+          <a:p>
+            <a:r>
+              <a:rPr lang="nl-BE" b="0" i="0" u="none" strike="noStrike" dirty="0">
+                <a:solidFill>
+                  <a:srgbClr val="374151"/>
+                </a:solidFill>
+                <a:effectLst/>
+                <a:latin typeface="Söhne"/>
+              </a:rPr>
+              <a:t>	- </a:t>
+            </a:r>
+            <a:r>
+              <a:rPr lang="nl-BE" b="1" i="0" u="none" strike="noStrike" dirty="0">
+                <a:solidFill>
+                  <a:srgbClr val="374151"/>
+                </a:solidFill>
+                <a:effectLst/>
+                <a:latin typeface="Söhne"/>
+              </a:rPr>
+              <a:t>Pandas </a:t>
+            </a:r>
+            <a:r>
+              <a:rPr lang="nl-BE" b="0" i="0" u="none" strike="noStrike" dirty="0">
+                <a:solidFill>
+                  <a:srgbClr val="374151"/>
+                </a:solidFill>
+                <a:effectLst/>
+                <a:latin typeface="Söhne"/>
+              </a:rPr>
+              <a:t>library</a:t>
+            </a:r>
+            <a:r>
+              <a:rPr lang="nl-BE" b="1" i="0" u="none" strike="noStrike" dirty="0">
+                <a:solidFill>
+                  <a:srgbClr val="374151"/>
+                </a:solidFill>
+                <a:effectLst/>
+                <a:latin typeface="Söhne"/>
+              </a:rPr>
+              <a:t> </a:t>
+            </a:r>
+            <a:r>
+              <a:rPr lang="nl-BE" b="0" i="0" u="none" strike="noStrike" dirty="0">
+                <a:solidFill>
+                  <a:srgbClr val="374151"/>
+                </a:solidFill>
+                <a:effectLst/>
+                <a:latin typeface="Söhne"/>
+              </a:rPr>
+              <a:t>provides</a:t>
+            </a:r>
+            <a:r>
+              <a:rPr lang="nl-BE" b="1" i="0" u="none" strike="noStrike" dirty="0">
+                <a:solidFill>
+                  <a:srgbClr val="374151"/>
+                </a:solidFill>
+                <a:effectLst/>
+                <a:latin typeface="Söhne"/>
+              </a:rPr>
+              <a:t> </a:t>
+            </a:r>
+            <a:r>
+              <a:rPr lang="nl-BE" b="0" i="0" u="none" strike="noStrike" dirty="0">
+                <a:solidFill>
+                  <a:srgbClr val="374151"/>
+                </a:solidFill>
+                <a:effectLst/>
+                <a:latin typeface="Söhne"/>
+              </a:rPr>
+              <a:t>versatile data structures and tools/functions for efficiently manipulating, cleaning, and analyzing structured data, essential for data analysis and preparation.</a:t>
+            </a:r>
+          </a:p>
+          <a:p>
+            <a:r>
+              <a:rPr lang="nl-BE" b="0" i="0" u="none" strike="noStrike" dirty="0">
+                <a:solidFill>
+                  <a:srgbClr val="374151"/>
+                </a:solidFill>
+                <a:effectLst/>
+                <a:latin typeface="Söhne"/>
+              </a:rPr>
+              <a:t>	- In the top layer there are frequently used packages for data visualisation, but also functions to do machine learning (like Keras, Tensforflow) and Computer vision tasks with OpenCV, these are offten dependent on the packages below</a:t>
+            </a:r>
             <a:endParaRPr lang="nl-BE" dirty="0"/>
           </a:p>
         </p:txBody>
@@ -645,7 +1380,7 @@
 </p:notes>
 </file>
 
-<file path=ppt/notesSlides/notesSlide3.xml><?xml version="1.0" encoding="utf-8"?>
+<file path=ppt/notesSlides/notesSlide8.xml><?xml version="1.0" encoding="utf-8"?>
 <p:notes xmlns:a="http://schemas.openxmlformats.org/drawingml/2006/main" xmlns:r="http://schemas.openxmlformats.org/officeDocument/2006/relationships" xmlns:p="http://schemas.openxmlformats.org/presentationml/2006/main">
   <p:cSld>
     <p:spTree>
@@ -983,7 +1718,7 @@
           <a:p>
             <a:fld id="{C764DE79-268F-4C1A-8933-263129D2AF90}" type="datetimeFigureOut">
               <a:rPr lang="en-US" dirty="0"/>
-              <a:t>8/9/23</a:t>
+              <a:t>8/16/23</a:t>
             </a:fld>
             <a:endParaRPr lang="en-US" dirty="0"/>
           </a:p>
@@ -1158,7 +1893,7 @@
           <a:p>
             <a:fld id="{C764DE79-268F-4C1A-8933-263129D2AF90}" type="datetimeFigureOut">
               <a:rPr lang="en-US" dirty="0"/>
-              <a:t>8/9/23</a:t>
+              <a:t>8/16/23</a:t>
             </a:fld>
             <a:endParaRPr lang="en-US" dirty="0"/>
           </a:p>
@@ -1323,7 +2058,7 @@
           <a:p>
             <a:fld id="{C764DE79-268F-4C1A-8933-263129D2AF90}" type="datetimeFigureOut">
               <a:rPr lang="en-US" dirty="0"/>
-              <a:t>8/9/23</a:t>
+              <a:t>8/16/23</a:t>
             </a:fld>
             <a:endParaRPr lang="en-US" dirty="0"/>
           </a:p>
@@ -1564,7 +2299,7 @@
           <a:p>
             <a:fld id="{C764DE79-268F-4C1A-8933-263129D2AF90}" type="datetimeFigureOut">
               <a:rPr lang="en-US" dirty="0"/>
-              <a:t>8/9/23</a:t>
+              <a:t>8/16/23</a:t>
             </a:fld>
             <a:endParaRPr lang="en-US" dirty="0"/>
           </a:p>
@@ -1791,7 +2526,7 @@
           <a:p>
             <a:fld id="{C764DE79-268F-4C1A-8933-263129D2AF90}" type="datetimeFigureOut">
               <a:rPr lang="en-US" dirty="0"/>
-              <a:t>8/9/23</a:t>
+              <a:t>8/16/23</a:t>
             </a:fld>
             <a:endParaRPr lang="en-US" dirty="0"/>
           </a:p>
@@ -2153,7 +2888,7 @@
           <a:p>
             <a:fld id="{C764DE79-268F-4C1A-8933-263129D2AF90}" type="datetimeFigureOut">
               <a:rPr lang="en-US" dirty="0"/>
-              <a:t>8/9/23</a:t>
+              <a:t>8/16/23</a:t>
             </a:fld>
             <a:endParaRPr lang="en-US" dirty="0"/>
           </a:p>
@@ -2266,7 +3001,7 @@
           <a:p>
             <a:fld id="{C764DE79-268F-4C1A-8933-263129D2AF90}" type="datetimeFigureOut">
               <a:rPr lang="en-US" dirty="0"/>
-              <a:t>8/9/23</a:t>
+              <a:t>8/16/23</a:t>
             </a:fld>
             <a:endParaRPr lang="en-US" dirty="0"/>
           </a:p>
@@ -2384,7 +3119,7 @@
           <a:p>
             <a:fld id="{C764DE79-268F-4C1A-8933-263129D2AF90}" type="datetimeFigureOut">
               <a:rPr lang="en-US" dirty="0"/>
-              <a:t>8/9/23</a:t>
+              <a:t>8/16/23</a:t>
             </a:fld>
             <a:endParaRPr lang="en-US" dirty="0"/>
           </a:p>
@@ -2656,7 +3391,7 @@
           <a:p>
             <a:fld id="{C764DE79-268F-4C1A-8933-263129D2AF90}" type="datetimeFigureOut">
               <a:rPr lang="en-US" dirty="0"/>
-              <a:t>8/9/23</a:t>
+              <a:t>8/16/23</a:t>
             </a:fld>
             <a:endParaRPr lang="en-US" dirty="0"/>
           </a:p>
@@ -2908,7 +3643,7 @@
           <a:p>
             <a:fld id="{C764DE79-268F-4C1A-8933-263129D2AF90}" type="datetimeFigureOut">
               <a:rPr lang="en-US" dirty="0"/>
-              <a:t>8/9/23</a:t>
+              <a:t>8/16/23</a:t>
             </a:fld>
             <a:endParaRPr lang="en-US" dirty="0"/>
           </a:p>
@@ -3116,7 +3851,7 @@
           <a:p>
             <a:fld id="{C764DE79-268F-4C1A-8933-263129D2AF90}" type="datetimeFigureOut">
               <a:rPr lang="en-US" dirty="0"/>
-              <a:t>8/9/23</a:t>
+              <a:t>8/16/23</a:t>
             </a:fld>
             <a:endParaRPr lang="en-US" dirty="0"/>
           </a:p>
@@ -3502,6 +4237,14 @@
 <file path=ppt/slides/slide1.xml><?xml version="1.0" encoding="utf-8"?>
 <p:sld xmlns:a="http://schemas.openxmlformats.org/drawingml/2006/main" xmlns:r="http://schemas.openxmlformats.org/officeDocument/2006/relationships" xmlns:p="http://schemas.openxmlformats.org/presentationml/2006/main">
   <p:cSld>
+    <p:bg>
+      <p:bgPr shadeToTitle="1">
+        <a:solidFill>
+          <a:schemeClr val="bg1"/>
+        </a:solidFill>
+        <a:effectLst/>
+      </p:bgPr>
+    </p:bg>
     <p:spTree>
       <p:nvGrpSpPr>
         <p:cNvPr id="1" name=""/>
@@ -3534,7 +4277,7 @@
         </p:nvSpPr>
         <p:spPr>
           <a:xfrm>
-            <a:off x="1524000" y="1122363"/>
+            <a:off x="1524000" y="976059"/>
             <a:ext cx="9144000" cy="2387600"/>
           </a:xfrm>
         </p:spPr>
@@ -3567,7 +4310,7 @@
         </p:nvSpPr>
         <p:spPr>
           <a:xfrm>
-            <a:off x="1524000" y="3602038"/>
+            <a:off x="1524000" y="3363659"/>
             <a:ext cx="9144000" cy="1655762"/>
           </a:xfrm>
         </p:spPr>
@@ -3580,23 +4323,55 @@
             </a:pPr>
             <a:r>
               <a:rPr lang="nl-BE" dirty="0"/>
-              <a:t>Workshop UWC, 26th august</a:t>
+              <a:t>Workshop UWC, 26th August 2023</a:t>
             </a:r>
           </a:p>
           <a:p>
             <a:pPr marL="0" indent="0" algn="ctr">
               <a:buNone/>
             </a:pPr>
-            <a:endParaRPr lang="nl-BE" dirty="0"/>
-          </a:p>
-          <a:p>
-            <a:pPr marL="0" indent="0" algn="ctr">
-              <a:buNone/>
-            </a:pPr>
             <a:r>
               <a:rPr lang="nl-BE" dirty="0"/>
               <a:t>Simon Perneel</a:t>
             </a:r>
+          </a:p>
+        </p:txBody>
+      </p:sp>
+      <p:sp>
+        <p:nvSpPr>
+          <p:cNvPr id="4" name="Tekstvak 3">
+            <a:extLst>
+              <a:ext uri="{FF2B5EF4-FFF2-40B4-BE49-F238E27FC236}">
+                <a16:creationId xmlns:a16="http://schemas.microsoft.com/office/drawing/2014/main" id="{2104D903-AC94-F4C4-0A60-71496D436F91}"/>
+              </a:ext>
+            </a:extLst>
+          </p:cNvPr>
+          <p:cNvSpPr txBox="1"/>
+          <p:nvPr/>
+        </p:nvSpPr>
+        <p:spPr>
+          <a:xfrm>
+            <a:off x="3826789" y="6455664"/>
+            <a:ext cx="4538422" cy="307777"/>
+          </a:xfrm>
+          <a:prstGeom prst="rect">
+            <a:avLst/>
+          </a:prstGeom>
+          <a:noFill/>
+        </p:spPr>
+        <p:txBody>
+          <a:bodyPr wrap="none" rtlCol="0">
+            <a:spAutoFit/>
+          </a:bodyPr>
+          <a:lstStyle/>
+          <a:p>
+            <a:r>
+              <a:rPr lang="nl-BE" sz="1400" dirty="0">
+                <a:hlinkClick r:id="rId2"/>
+              </a:rPr>
+              <a:t>https://github.com/simonperneel/DS-python-data-analysis</a:t>
+            </a:r>
+            <a:endParaRPr lang="nl-BE" sz="1400" dirty="0"/>
           </a:p>
         </p:txBody>
       </p:sp>
@@ -3648,8 +4423,8 @@
         </p:nvSpPr>
         <p:spPr>
           <a:xfrm>
-            <a:off x="2968658" y="1420928"/>
-            <a:ext cx="7356442" cy="2557184"/>
+            <a:off x="404037" y="0"/>
+            <a:ext cx="7592532" cy="1722474"/>
           </a:xfrm>
         </p:spPr>
         <p:txBody>
@@ -3659,7 +4434,7 @@
           <a:lstStyle/>
           <a:p>
             <a:r>
-              <a:rPr lang="nl-BE" sz="6600" dirty="0"/>
+              <a:rPr lang="nl-BE" sz="5400" dirty="0"/>
               <a:t>Let’s get started!</a:t>
             </a:r>
           </a:p>
@@ -3716,14 +4491,134 @@
         </p:blipFill>
         <p:spPr>
           <a:xfrm>
-            <a:off x="6096000" y="3585586"/>
-            <a:ext cx="6308692" cy="3548639"/>
+            <a:off x="5943300" y="3645470"/>
+            <a:ext cx="6648243" cy="3739636"/>
           </a:xfrm>
           <a:prstGeom prst="rect">
             <a:avLst/>
           </a:prstGeom>
         </p:spPr>
       </p:pic>
+      <p:sp>
+        <p:nvSpPr>
+          <p:cNvPr id="5" name="Tekstvak 4">
+            <a:extLst>
+              <a:ext uri="{FF2B5EF4-FFF2-40B4-BE49-F238E27FC236}">
+                <a16:creationId xmlns:a16="http://schemas.microsoft.com/office/drawing/2014/main" id="{0F8DCFE2-C77C-E053-6A35-5D0C391BAA9B}"/>
+              </a:ext>
+            </a:extLst>
+          </p:cNvPr>
+          <p:cNvSpPr txBox="1"/>
+          <p:nvPr/>
+        </p:nvSpPr>
+        <p:spPr>
+          <a:xfrm>
+            <a:off x="948816" y="1642871"/>
+            <a:ext cx="10294368" cy="1569660"/>
+          </a:xfrm>
+          <a:prstGeom prst="rect">
+            <a:avLst/>
+          </a:prstGeom>
+          <a:noFill/>
+        </p:spPr>
+        <p:txBody>
+          <a:bodyPr wrap="square">
+            <a:spAutoFit/>
+          </a:bodyPr>
+          <a:lstStyle/>
+          <a:p>
+            <a:pPr marL="457200" indent="-457200" algn="l">
+              <a:buFont typeface="+mj-lt"/>
+              <a:buAutoNum type="arabicPeriod"/>
+            </a:pPr>
+            <a:r>
+              <a:rPr lang="nl-BE" sz="2400" b="0" i="0" u="none" strike="noStrike" dirty="0">
+                <a:effectLst/>
+              </a:rPr>
+              <a:t>Download the course material to your computer:  </a:t>
+            </a:r>
+          </a:p>
+          <a:p>
+            <a:pPr marL="457200" indent="-457200" algn="l">
+              <a:buFont typeface="+mj-lt"/>
+              <a:buAutoNum type="arabicPeriod"/>
+            </a:pPr>
+            <a:r>
+              <a:rPr lang="nl-BE" sz="2400" b="0" i="0" u="none" strike="noStrike" dirty="0">
+                <a:effectLst/>
+              </a:rPr>
+              <a:t>Set up your environment and install the needed packages for the workshop</a:t>
+            </a:r>
+          </a:p>
+          <a:p>
+            <a:pPr marL="457200" indent="-457200" algn="l">
+              <a:buFont typeface="+mj-lt"/>
+              <a:buAutoNum type="arabicPeriod"/>
+            </a:pPr>
+            <a:r>
+              <a:rPr lang="nl-BE" sz="2400" dirty="0"/>
+              <a:t>Test your configurations</a:t>
+            </a:r>
+            <a:endParaRPr lang="nl-BE" sz="2400" b="0" i="0" u="none" strike="noStrike" dirty="0">
+              <a:effectLst/>
+            </a:endParaRPr>
+          </a:p>
+          <a:p>
+            <a:pPr marL="457200" indent="-457200" algn="l">
+              <a:buFont typeface="+mj-lt"/>
+              <a:buAutoNum type="arabicPeriod"/>
+            </a:pPr>
+            <a:r>
+              <a:rPr lang="nl-BE" sz="2400" b="0" i="0" u="none" strike="noStrike" dirty="0">
+                <a:effectLst/>
+              </a:rPr>
+              <a:t>Start Jupyter lab from Anaconda</a:t>
+            </a:r>
+          </a:p>
+        </p:txBody>
+      </p:sp>
+      <p:sp>
+        <p:nvSpPr>
+          <p:cNvPr id="7" name="Tekstvak 6">
+            <a:extLst>
+              <a:ext uri="{FF2B5EF4-FFF2-40B4-BE49-F238E27FC236}">
+                <a16:creationId xmlns:a16="http://schemas.microsoft.com/office/drawing/2014/main" id="{FEC0ECC3-F29F-0192-A175-63C3B973CAE2}"/>
+              </a:ext>
+            </a:extLst>
+          </p:cNvPr>
+          <p:cNvSpPr txBox="1"/>
+          <p:nvPr/>
+        </p:nvSpPr>
+        <p:spPr>
+          <a:xfrm>
+            <a:off x="712381" y="3802543"/>
+            <a:ext cx="5230919" cy="369332"/>
+          </a:xfrm>
+          <a:prstGeom prst="rect">
+            <a:avLst/>
+          </a:prstGeom>
+          <a:noFill/>
+        </p:spPr>
+        <p:txBody>
+          <a:bodyPr wrap="none" rtlCol="0">
+            <a:spAutoFit/>
+          </a:bodyPr>
+          <a:lstStyle/>
+          <a:p>
+            <a:r>
+              <a:rPr lang="nl-BE" dirty="0"/>
+              <a:t>Detailed instructions: </a:t>
+            </a:r>
+            <a:r>
+              <a:rPr lang="nl-BE" dirty="0">
+                <a:hlinkClick r:id="rId4"/>
+              </a:rPr>
+              <a:t>https://simonperneel.github.io</a:t>
+            </a:r>
+            <a:endParaRPr lang="nl-BE" dirty="0"/>
+          </a:p>
+        </p:txBody>
+      </p:sp>
     </p:spTree>
     <p:extLst>
       <p:ext uri="{BB962C8B-B14F-4D97-AF65-F5344CB8AC3E}">
@@ -3778,13 +4673,13 @@
           <a:lstStyle/>
           <a:p>
             <a:r>
-              <a:rPr lang="nl-BE" sz="3200" dirty="0"/>
+              <a:rPr lang="nl-BE" sz="3600" dirty="0"/>
               <a:t>Simon Perneel</a:t>
             </a:r>
             <a:br>
-              <a:rPr lang="nl-BE" sz="3200" dirty="0"/>
+              <a:rPr lang="nl-BE" sz="3600" dirty="0"/>
             </a:br>
-            <a:endParaRPr lang="nl-BE" sz="3200" dirty="0"/>
+            <a:endParaRPr lang="nl-BE" sz="3600" dirty="0"/>
           </a:p>
         </p:txBody>
       </p:sp>
@@ -3804,14 +4699,19 @@
             <p:ph idx="1"/>
           </p:nvPr>
         </p:nvSpPr>
-        <p:spPr/>
+        <p:spPr>
+          <a:xfrm>
+            <a:off x="838200" y="1960120"/>
+            <a:ext cx="10515600" cy="4351338"/>
+          </a:xfrm>
+        </p:spPr>
         <p:txBody>
           <a:bodyPr/>
           <a:lstStyle/>
           <a:p>
             <a:r>
               <a:rPr lang="nl-BE" dirty="0"/>
-              <a:t>Data scientist @Imec-mict-Ugent</a:t>
+              <a:t>Data scientist @Imec-mict-Ugent  </a:t>
             </a:r>
           </a:p>
           <a:p>
@@ -3833,6 +4733,17 @@
               <a:rPr lang="nl-BE" dirty="0"/>
               <a:t>digital media use</a:t>
             </a:r>
+          </a:p>
+          <a:p>
+            <a:pPr lvl="2"/>
+            <a:r>
+              <a:rPr lang="nl-BE" dirty="0"/>
+              <a:t>Relationship with moods/stress</a:t>
+            </a:r>
+          </a:p>
+          <a:p>
+            <a:pPr lvl="2"/>
+            <a:endParaRPr lang="nl-BE" dirty="0"/>
           </a:p>
           <a:p>
             <a:r>
@@ -3859,10 +4770,10 @@
         </p:nvGrpSpPr>
         <p:grpSpPr>
           <a:xfrm>
-            <a:off x="3193093" y="1036340"/>
-            <a:ext cx="2880177" cy="307777"/>
-            <a:chOff x="1136602" y="4685975"/>
-            <a:chExt cx="2880177" cy="307777"/>
+            <a:off x="3653169" y="1092474"/>
+            <a:ext cx="3228030" cy="338554"/>
+            <a:chOff x="1363416" y="4674712"/>
+            <a:chExt cx="3228030" cy="338554"/>
           </a:xfrm>
         </p:grpSpPr>
         <p:pic>
@@ -3880,14 +4791,14 @@
             <p:nvPr/>
           </p:nvPicPr>
           <p:blipFill>
-            <a:blip r:embed="rId2"/>
+            <a:blip r:embed="rId3"/>
             <a:stretch>
               <a:fillRect/>
             </a:stretch>
           </p:blipFill>
           <p:spPr>
             <a:xfrm>
-              <a:off x="1136602" y="4720007"/>
+              <a:off x="1363416" y="4724133"/>
               <a:ext cx="239711" cy="239711"/>
             </a:xfrm>
             <a:prstGeom prst="rect">
@@ -3909,8 +4820,8 @@
           </p:nvSpPr>
           <p:spPr>
             <a:xfrm>
-              <a:off x="1376313" y="4685975"/>
-              <a:ext cx="2640466" cy="307777"/>
+              <a:off x="1603127" y="4674712"/>
+              <a:ext cx="2988319" cy="338554"/>
             </a:xfrm>
             <a:prstGeom prst="rect">
               <a:avLst/>
@@ -3924,12 +4835,12 @@
             <a:lstStyle/>
             <a:p>
               <a:r>
-                <a:rPr lang="nl-BE" sz="1400" dirty="0">
-                  <a:hlinkClick r:id="rId3"/>
+                <a:rPr lang="nl-BE" sz="1600" dirty="0">
+                  <a:hlinkClick r:id="rId4"/>
                 </a:rPr>
                 <a:t>https://github.com/simonperneel</a:t>
               </a:r>
-              <a:endParaRPr lang="nl-BE" sz="1400" dirty="0"/>
+              <a:endParaRPr lang="nl-BE" sz="1600" dirty="0"/>
             </a:p>
           </p:txBody>
         </p:sp>
@@ -3948,10 +4859,10 @@
         </p:nvGrpSpPr>
         <p:grpSpPr>
           <a:xfrm>
-            <a:off x="838200" y="1027906"/>
-            <a:ext cx="2354893" cy="316211"/>
-            <a:chOff x="3899720" y="1027906"/>
-            <a:chExt cx="2354893" cy="316211"/>
+            <a:off x="957166" y="1092474"/>
+            <a:ext cx="2638566" cy="348259"/>
+            <a:chOff x="3897526" y="988189"/>
+            <a:chExt cx="2638566" cy="348259"/>
           </a:xfrm>
         </p:grpSpPr>
         <p:pic>
@@ -3969,10 +4880,10 @@
             <p:nvPr/>
           </p:nvPicPr>
           <p:blipFill>
-            <a:blip r:embed="rId4">
+            <a:blip r:embed="rId5">
               <a:extLst>
                 <a:ext uri="{96DAC541-7B7A-43D3-8B79-37D633B846F1}">
-                  <asvg:svgBlip xmlns:asvg="http://schemas.microsoft.com/office/drawing/2016/SVG/main" r:embed="rId5"/>
+                  <asvg:svgBlip xmlns:asvg="http://schemas.microsoft.com/office/drawing/2016/SVG/main" r:embed="rId6"/>
                 </a:ext>
               </a:extLst>
             </a:blip>
@@ -3982,7 +4893,7 @@
           </p:blipFill>
           <p:spPr>
             <a:xfrm>
-              <a:off x="3899720" y="1027906"/>
+              <a:off x="3897526" y="1020237"/>
               <a:ext cx="316211" cy="316211"/>
             </a:xfrm>
             <a:prstGeom prst="rect">
@@ -4004,8 +4915,8 @@
           </p:nvSpPr>
           <p:spPr>
             <a:xfrm>
-              <a:off x="4157564" y="1027906"/>
-              <a:ext cx="2097049" cy="307777"/>
+              <a:off x="4163327" y="988189"/>
+              <a:ext cx="2372765" cy="338554"/>
             </a:xfrm>
             <a:prstGeom prst="rect">
               <a:avLst/>
@@ -4019,16 +4930,45 @@
             <a:lstStyle/>
             <a:p>
               <a:r>
-                <a:rPr lang="nl-BE" sz="1400" dirty="0">
-                  <a:hlinkClick r:id="rId3"/>
+                <a:rPr lang="nl-BE" sz="1600" dirty="0">
+                  <a:hlinkClick r:id="rId4"/>
                 </a:rPr>
                 <a:t>simon.perneel@ugent.be</a:t>
               </a:r>
-              <a:endParaRPr lang="nl-BE" sz="1400" dirty="0"/>
+              <a:endParaRPr lang="nl-BE" sz="1600" dirty="0"/>
             </a:p>
           </p:txBody>
         </p:sp>
       </p:grpSp>
+      <p:pic>
+        <p:nvPicPr>
+          <p:cNvPr id="12" name="Afbeelding 11">
+            <a:extLst>
+              <a:ext uri="{FF2B5EF4-FFF2-40B4-BE49-F238E27FC236}">
+                <a16:creationId xmlns:a16="http://schemas.microsoft.com/office/drawing/2014/main" id="{CC1BA3B3-BFE2-2266-E683-F93D84A6B5A2}"/>
+              </a:ext>
+            </a:extLst>
+          </p:cNvPr>
+          <p:cNvPicPr>
+            <a:picLocks noChangeAspect="1"/>
+          </p:cNvPicPr>
+          <p:nvPr/>
+        </p:nvPicPr>
+        <p:blipFill rotWithShape="1">
+          <a:blip r:embed="rId7"/>
+          <a:srcRect b="4203"/>
+          <a:stretch/>
+        </p:blipFill>
+        <p:spPr>
+          <a:xfrm>
+            <a:off x="9153144" y="0"/>
+            <a:ext cx="3038856" cy="2911139"/>
+          </a:xfrm>
+          <a:prstGeom prst="rect">
+            <a:avLst/>
+          </a:prstGeom>
+        </p:spPr>
+      </p:pic>
     </p:spTree>
     <p:extLst>
       <p:ext uri="{BB962C8B-B14F-4D97-AF65-F5344CB8AC3E}">
@@ -4218,7 +5158,7 @@
                     <a:p>
                       <a:pPr algn="ctr"/>
                       <a:r>
-                        <a:rPr lang="nl-BE" sz="1400" b="1">
+                        <a:rPr lang="nl-BE" sz="1400" b="1" dirty="0">
                           <a:effectLst/>
                           <a:latin typeface="Arial" panose="020B0604020202020204" pitchFamily="34" charset="0"/>
                           <a:cs typeface="Arial" panose="020B0604020202020204" pitchFamily="34" charset="0"/>
@@ -4341,7 +5281,7 @@
                     <a:p>
                       <a:pPr algn="ctr"/>
                       <a:r>
-                        <a:rPr lang="nl-BE" sz="1400">
+                        <a:rPr lang="nl-BE" sz="1400" dirty="0">
                           <a:effectLst/>
                           <a:latin typeface="Arial" panose="020B0604020202020204" pitchFamily="34" charset="0"/>
                           <a:cs typeface="Arial" panose="020B0604020202020204" pitchFamily="34" charset="0"/>
@@ -4587,7 +5527,7 @@
                     <a:p>
                       <a:pPr algn="ctr"/>
                       <a:r>
-                        <a:rPr lang="nl-BE" sz="1400">
+                        <a:rPr lang="nl-BE" sz="1400" dirty="0">
                           <a:effectLst/>
                           <a:latin typeface="Arial" panose="020B0604020202020204" pitchFamily="34" charset="0"/>
                           <a:cs typeface="Arial" panose="020B0604020202020204" pitchFamily="34" charset="0"/>
@@ -4833,7 +5773,7 @@
                     <a:p>
                       <a:pPr algn="ctr"/>
                       <a:r>
-                        <a:rPr lang="nl-BE" sz="1400">
+                        <a:rPr lang="nl-BE" sz="1400" dirty="0">
                           <a:effectLst/>
                           <a:latin typeface="Arial" panose="020B0604020202020204" pitchFamily="34" charset="0"/>
                           <a:cs typeface="Arial" panose="020B0604020202020204" pitchFamily="34" charset="0"/>
@@ -5137,7 +6077,7 @@
                     <a:p>
                       <a:pPr algn="ctr"/>
                       <a:r>
-                        <a:rPr lang="nl-BE" sz="1400">
+                        <a:rPr lang="nl-BE" sz="1400" dirty="0">
                           <a:effectLst/>
                           <a:latin typeface="Arial" panose="020B0604020202020204" pitchFamily="34" charset="0"/>
                           <a:cs typeface="Arial" panose="020B0604020202020204" pitchFamily="34" charset="0"/>
@@ -5260,7 +6200,7 @@
                     <a:p>
                       <a:pPr algn="ctr"/>
                       <a:r>
-                        <a:rPr lang="nl-BE" sz="1400">
+                        <a:rPr lang="nl-BE" sz="1400" dirty="0">
                           <a:effectLst/>
                           <a:latin typeface="Arial" panose="020B0604020202020204" pitchFamily="34" charset="0"/>
                           <a:cs typeface="Arial" panose="020B0604020202020204" pitchFamily="34" charset="0"/>
@@ -5383,7 +6323,7 @@
                     <a:p>
                       <a:pPr algn="ctr"/>
                       <a:r>
-                        <a:rPr lang="nl-BE" sz="1400">
+                        <a:rPr lang="nl-BE" sz="1400" dirty="0">
                           <a:effectLst/>
                           <a:latin typeface="Arial" panose="020B0604020202020204" pitchFamily="34" charset="0"/>
                           <a:cs typeface="Arial" panose="020B0604020202020204" pitchFamily="34" charset="0"/>
@@ -5506,7 +6446,7 @@
                     <a:p>
                       <a:pPr algn="ctr"/>
                       <a:r>
-                        <a:rPr lang="nl-BE" sz="1400">
+                        <a:rPr lang="nl-BE" sz="1400" dirty="0">
                           <a:effectLst/>
                           <a:latin typeface="Arial" panose="020B0604020202020204" pitchFamily="34" charset="0"/>
                           <a:cs typeface="Arial" panose="020B0604020202020204" pitchFamily="34" charset="0"/>
@@ -5629,7 +6569,7 @@
                     <a:p>
                       <a:pPr algn="ctr"/>
                       <a:r>
-                        <a:rPr lang="nl-BE" sz="1400">
+                        <a:rPr lang="nl-BE" sz="1400" dirty="0">
                           <a:effectLst/>
                           <a:latin typeface="Arial" panose="020B0604020202020204" pitchFamily="34" charset="0"/>
                           <a:cs typeface="Arial" panose="020B0604020202020204" pitchFamily="34" charset="0"/>
@@ -5752,7 +6692,7 @@
                     <a:p>
                       <a:pPr algn="ctr"/>
                       <a:r>
-                        <a:rPr lang="nl-BE" sz="1400">
+                        <a:rPr lang="nl-BE" sz="1400" dirty="0">
                           <a:effectLst/>
                           <a:latin typeface="Arial" panose="020B0604020202020204" pitchFamily="34" charset="0"/>
                           <a:cs typeface="Arial" panose="020B0604020202020204" pitchFamily="34" charset="0"/>
@@ -5875,7 +6815,7 @@
                     <a:p>
                       <a:pPr algn="ctr"/>
                       <a:r>
-                        <a:rPr lang="nl-BE" sz="1400">
+                        <a:rPr lang="nl-BE" sz="1400" dirty="0">
                           <a:effectLst/>
                           <a:latin typeface="Arial" panose="020B0604020202020204" pitchFamily="34" charset="0"/>
                           <a:cs typeface="Arial" panose="020B0604020202020204" pitchFamily="34" charset="0"/>
@@ -6139,7 +7079,7 @@
           <p:nvPr/>
         </p:nvPicPr>
         <p:blipFill>
-          <a:blip r:embed="rId2"/>
+          <a:blip r:embed="rId3"/>
           <a:stretch>
             <a:fillRect/>
           </a:stretch>
@@ -6168,8 +7108,8 @@
         </p:nvSpPr>
         <p:spPr>
           <a:xfrm>
-            <a:off x="10061543" y="6174557"/>
-            <a:ext cx="2130457" cy="584775"/>
+            <a:off x="10061543" y="5781152"/>
+            <a:ext cx="2130457" cy="1077218"/>
           </a:xfrm>
           <a:prstGeom prst="rect">
             <a:avLst/>
@@ -6186,6 +7126,15 @@
               <a:rPr lang="nl-BE" sz="800" dirty="0"/>
               <a:t>Sarih, Houda &amp; Tchangani, Ayeley &amp; Medjaher, Kamal &amp; PERE, Eric. (2019). Data preparation and preprocessing for broadcast systems monitoring in PHM framework. </a:t>
             </a:r>
+          </a:p>
+          <a:p>
+            <a:r>
+              <a:rPr lang="nl-BE" sz="800" dirty="0">
+                <a:hlinkClick r:id="rId4"/>
+              </a:rPr>
+              <a:t>https://www.forbes.com/sites/gilpress/2016/03/23/data-preparation-most-time-consuming-least-enjoyable-data-science-task-survey-says/</a:t>
+            </a:r>
+            <a:endParaRPr lang="nl-BE" sz="800" dirty="0"/>
           </a:p>
         </p:txBody>
       </p:sp>
@@ -6304,7 +7253,7 @@
           <p:nvPr/>
         </p:nvPicPr>
         <p:blipFill>
-          <a:blip r:embed="rId2"/>
+          <a:blip r:embed="rId3"/>
           <a:stretch>
             <a:fillRect/>
           </a:stretch>
@@ -6391,7 +7340,7 @@
                   <a:schemeClr val="bg1"/>
                 </a:solidFill>
               </a:rPr>
-              <a:t>Working with Python</a:t>
+              <a:t>Python for data science</a:t>
             </a:r>
           </a:p>
         </p:txBody>
@@ -6411,7 +7360,7 @@
           <p:nvPr/>
         </p:nvPicPr>
         <p:blipFill rotWithShape="1">
-          <a:blip r:embed="rId2"/>
+          <a:blip r:embed="rId3"/>
           <a:srcRect l="30200" r="28199" b="34667"/>
           <a:stretch/>
         </p:blipFill>
@@ -6473,7 +7422,7 @@
         </p:nvSpPr>
         <p:spPr>
           <a:xfrm>
-            <a:off x="366860" y="270857"/>
+            <a:off x="364643" y="-5536"/>
             <a:ext cx="10515600" cy="1325563"/>
           </a:xfrm>
         </p:spPr>
@@ -6602,8 +7551,8 @@
         </p:blipFill>
         <p:spPr>
           <a:xfrm>
-            <a:off x="4654798" y="3056315"/>
-            <a:ext cx="1746710" cy="520180"/>
+            <a:off x="4431032" y="2867255"/>
+            <a:ext cx="2557951" cy="761772"/>
           </a:xfrm>
           <a:prstGeom prst="rect">
             <a:avLst/>
@@ -6632,8 +7581,8 @@
         </p:blipFill>
         <p:spPr>
           <a:xfrm>
-            <a:off x="7281732" y="2691369"/>
-            <a:ext cx="1020962" cy="1281207"/>
+            <a:off x="7525025" y="2975247"/>
+            <a:ext cx="674529" cy="846468"/>
           </a:xfrm>
           <a:prstGeom prst="rect">
             <a:avLst/>
@@ -6662,8 +7611,8 @@
         </p:blipFill>
         <p:spPr>
           <a:xfrm>
-            <a:off x="1728345" y="3552489"/>
-            <a:ext cx="2046229" cy="406343"/>
+            <a:off x="1728345" y="3545142"/>
+            <a:ext cx="2083227" cy="413690"/>
           </a:xfrm>
           <a:prstGeom prst="rect">
             <a:avLst/>
@@ -6692,37 +7641,8 @@
         </p:blipFill>
         <p:spPr>
           <a:xfrm>
-            <a:off x="319963" y="4213640"/>
+            <a:off x="319963" y="4273620"/>
             <a:ext cx="1539819" cy="584637"/>
-          </a:xfrm>
-          <a:prstGeom prst="rect">
-            <a:avLst/>
-          </a:prstGeom>
-        </p:spPr>
-      </p:pic>
-      <p:pic>
-        <p:nvPicPr>
-          <p:cNvPr id="21" name="Afbeelding 20">
-            <a:extLst>
-              <a:ext uri="{FF2B5EF4-FFF2-40B4-BE49-F238E27FC236}">
-                <a16:creationId xmlns:a16="http://schemas.microsoft.com/office/drawing/2014/main" id="{407B6AB6-1C0B-7A75-99E2-F95C2F9DB4EC}"/>
-              </a:ext>
-            </a:extLst>
-          </p:cNvPr>
-          <p:cNvPicPr>
-            <a:picLocks noChangeAspect="1"/>
-          </p:cNvPicPr>
-          <p:nvPr/>
-        </p:nvPicPr>
-        <p:blipFill rotWithShape="1">
-          <a:blip r:embed="rId10"/>
-          <a:srcRect l="-1" t="-1" r="-9708" b="-9708"/>
-          <a:stretch/>
-        </p:blipFill>
-        <p:spPr>
-          <a:xfrm>
-            <a:off x="9557236" y="3771595"/>
-            <a:ext cx="1789986" cy="812800"/>
           </a:xfrm>
           <a:prstGeom prst="rect">
             <a:avLst/>
@@ -6744,7 +7664,7 @@
           <p:nvPr/>
         </p:nvPicPr>
         <p:blipFill>
-          <a:blip r:embed="rId11"/>
+          <a:blip r:embed="rId10"/>
           <a:stretch>
             <a:fillRect/>
           </a:stretch>
@@ -6774,7 +7694,7 @@
           <p:nvPr/>
         </p:nvPicPr>
         <p:blipFill>
-          <a:blip r:embed="rId12"/>
+          <a:blip r:embed="rId11"/>
           <a:stretch>
             <a:fillRect/>
           </a:stretch>
@@ -6945,15 +7865,15 @@
           <p:nvPr/>
         </p:nvPicPr>
         <p:blipFill>
-          <a:blip r:embed="rId13"/>
+          <a:blip r:embed="rId12"/>
           <a:stretch>
             <a:fillRect/>
           </a:stretch>
         </p:blipFill>
         <p:spPr>
           <a:xfrm>
-            <a:off x="9502056" y="1183364"/>
-            <a:ext cx="1845166" cy="1180618"/>
+            <a:off x="14616" y="2196869"/>
+            <a:ext cx="1713178" cy="1096166"/>
           </a:xfrm>
           <a:prstGeom prst="rect">
             <a:avLst/>
@@ -6975,14 +7895,14 @@
           <p:nvPr/>
         </p:nvPicPr>
         <p:blipFill>
-          <a:blip r:embed="rId14"/>
+          <a:blip r:embed="rId13"/>
           <a:stretch>
             <a:fillRect/>
           </a:stretch>
         </p:blipFill>
         <p:spPr>
           <a:xfrm>
-            <a:off x="364643" y="2027530"/>
+            <a:off x="9886135" y="1103247"/>
             <a:ext cx="2046229" cy="584637"/>
           </a:xfrm>
           <a:prstGeom prst="rect">
@@ -7005,15 +7925,15 @@
           <p:nvPr/>
         </p:nvPicPr>
         <p:blipFill>
-          <a:blip r:embed="rId15"/>
+          <a:blip r:embed="rId14"/>
           <a:stretch>
             <a:fillRect/>
           </a:stretch>
         </p:blipFill>
         <p:spPr>
           <a:xfrm>
-            <a:off x="2410872" y="1430805"/>
-            <a:ext cx="1996480" cy="578979"/>
+            <a:off x="2047840" y="1773786"/>
+            <a:ext cx="1887114" cy="547263"/>
           </a:xfrm>
           <a:prstGeom prst="rect">
             <a:avLst/>
@@ -7035,14 +7955,14 @@
           <p:nvPr/>
         </p:nvPicPr>
         <p:blipFill>
-          <a:blip r:embed="rId16"/>
+          <a:blip r:embed="rId15"/>
           <a:stretch>
             <a:fillRect/>
           </a:stretch>
         </p:blipFill>
         <p:spPr>
           <a:xfrm>
-            <a:off x="8596243" y="312791"/>
+            <a:off x="8424142" y="309598"/>
             <a:ext cx="2155828" cy="718609"/>
           </a:xfrm>
           <a:prstGeom prst="rect">
@@ -7065,7 +7985,7 @@
           <p:nvPr/>
         </p:nvPicPr>
         <p:blipFill>
-          <a:blip r:embed="rId17"/>
+          <a:blip r:embed="rId16"/>
           <a:stretch>
             <a:fillRect/>
           </a:stretch>
@@ -7095,14 +8015,14 @@
           <p:nvPr/>
         </p:nvPicPr>
         <p:blipFill>
-          <a:blip r:embed="rId18"/>
+          <a:blip r:embed="rId17"/>
           <a:stretch>
             <a:fillRect/>
           </a:stretch>
         </p:blipFill>
         <p:spPr>
           <a:xfrm>
-            <a:off x="7152313" y="1194551"/>
+            <a:off x="7212749" y="1395565"/>
             <a:ext cx="1803617" cy="642778"/>
           </a:xfrm>
           <a:prstGeom prst="rect">
@@ -7125,15 +8045,15 @@
           <p:nvPr/>
         </p:nvPicPr>
         <p:blipFill>
-          <a:blip r:embed="rId19"/>
+          <a:blip r:embed="rId18"/>
           <a:stretch>
             <a:fillRect/>
           </a:stretch>
         </p:blipFill>
         <p:spPr>
           <a:xfrm>
-            <a:off x="6617989" y="196404"/>
-            <a:ext cx="1042406" cy="547263"/>
+            <a:off x="441106" y="1072259"/>
+            <a:ext cx="1418676" cy="744805"/>
           </a:xfrm>
           <a:prstGeom prst="rect">
             <a:avLst/>
@@ -7155,6 +8075,36 @@
           <p:nvPr/>
         </p:nvPicPr>
         <p:blipFill>
+          <a:blip r:embed="rId19"/>
+          <a:stretch>
+            <a:fillRect/>
+          </a:stretch>
+        </p:blipFill>
+        <p:spPr>
+          <a:xfrm>
+            <a:off x="3658984" y="703466"/>
+            <a:ext cx="994756" cy="994756"/>
+          </a:xfrm>
+          <a:prstGeom prst="rect">
+            <a:avLst/>
+          </a:prstGeom>
+        </p:spPr>
+      </p:pic>
+      <p:pic>
+        <p:nvPicPr>
+          <p:cNvPr id="4" name="Afbeelding 3">
+            <a:extLst>
+              <a:ext uri="{FF2B5EF4-FFF2-40B4-BE49-F238E27FC236}">
+                <a16:creationId xmlns:a16="http://schemas.microsoft.com/office/drawing/2014/main" id="{5B8677EC-3184-2324-1923-E0E1C834D52A}"/>
+              </a:ext>
+            </a:extLst>
+          </p:cNvPr>
+          <p:cNvPicPr>
+            <a:picLocks noChangeAspect="1"/>
+          </p:cNvPicPr>
+          <p:nvPr/>
+        </p:nvPicPr>
+        <p:blipFill>
           <a:blip r:embed="rId20"/>
           <a:stretch>
             <a:fillRect/>
@@ -7162,8 +8112,68 @@
         </p:blipFill>
         <p:spPr>
           <a:xfrm>
-            <a:off x="4198561" y="178039"/>
-            <a:ext cx="1042406" cy="1042406"/>
+            <a:off x="10755866" y="2556448"/>
+            <a:ext cx="1243228" cy="621614"/>
+          </a:xfrm>
+          <a:prstGeom prst="rect">
+            <a:avLst/>
+          </a:prstGeom>
+        </p:spPr>
+      </p:pic>
+      <p:pic>
+        <p:nvPicPr>
+          <p:cNvPr id="6" name="Afbeelding 5">
+            <a:extLst>
+              <a:ext uri="{FF2B5EF4-FFF2-40B4-BE49-F238E27FC236}">
+                <a16:creationId xmlns:a16="http://schemas.microsoft.com/office/drawing/2014/main" id="{D28EC7DC-3C75-E32E-7203-0848916FE84E}"/>
+              </a:ext>
+            </a:extLst>
+          </p:cNvPr>
+          <p:cNvPicPr>
+            <a:picLocks noChangeAspect="1"/>
+          </p:cNvPicPr>
+          <p:nvPr/>
+        </p:nvPicPr>
+        <p:blipFill>
+          <a:blip r:embed="rId21"/>
+          <a:stretch>
+            <a:fillRect/>
+          </a:stretch>
+        </p:blipFill>
+        <p:spPr>
+          <a:xfrm>
+            <a:off x="6602158" y="302479"/>
+            <a:ext cx="1164833" cy="842739"/>
+          </a:xfrm>
+          <a:prstGeom prst="rect">
+            <a:avLst/>
+          </a:prstGeom>
+        </p:spPr>
+      </p:pic>
+      <p:pic>
+        <p:nvPicPr>
+          <p:cNvPr id="7" name="Afbeelding 6">
+            <a:extLst>
+              <a:ext uri="{FF2B5EF4-FFF2-40B4-BE49-F238E27FC236}">
+                <a16:creationId xmlns:a16="http://schemas.microsoft.com/office/drawing/2014/main" id="{21DA2D34-A291-9F26-6B91-6984016F5910}"/>
+              </a:ext>
+            </a:extLst>
+          </p:cNvPr>
+          <p:cNvPicPr>
+            <a:picLocks noChangeAspect="1"/>
+          </p:cNvPicPr>
+          <p:nvPr/>
+        </p:nvPicPr>
+        <p:blipFill>
+          <a:blip r:embed="rId22"/>
+          <a:stretch>
+            <a:fillRect/>
+          </a:stretch>
+        </p:blipFill>
+        <p:spPr>
+          <a:xfrm>
+            <a:off x="9530128" y="3879811"/>
+            <a:ext cx="1780418" cy="667657"/>
           </a:xfrm>
           <a:prstGeom prst="rect">
             <a:avLst/>
@@ -7237,96 +8247,6 @@
       </p:sp>
       <p:sp>
         <p:nvSpPr>
-          <p:cNvPr id="6" name="Tekstvak 5">
-            <a:extLst>
-              <a:ext uri="{FF2B5EF4-FFF2-40B4-BE49-F238E27FC236}">
-                <a16:creationId xmlns:a16="http://schemas.microsoft.com/office/drawing/2014/main" id="{FF60132E-3EAA-1510-DC5F-A0E26EFCD71F}"/>
-              </a:ext>
-            </a:extLst>
-          </p:cNvPr>
-          <p:cNvSpPr txBox="1"/>
-          <p:nvPr/>
-        </p:nvSpPr>
-        <p:spPr>
-          <a:xfrm>
-            <a:off x="1135632" y="3429000"/>
-            <a:ext cx="10294368" cy="1569660"/>
-          </a:xfrm>
-          <a:prstGeom prst="rect">
-            <a:avLst/>
-          </a:prstGeom>
-          <a:noFill/>
-        </p:spPr>
-        <p:txBody>
-          <a:bodyPr wrap="square">
-            <a:spAutoFit/>
-          </a:bodyPr>
-          <a:lstStyle/>
-          <a:p>
-            <a:pPr marL="457200" indent="-457200" algn="l">
-              <a:buFont typeface="+mj-lt"/>
-              <a:buAutoNum type="arabicPeriod"/>
-            </a:pPr>
-            <a:r>
-              <a:rPr lang="nl-BE" sz="2400" b="0" i="0" u="none" strike="noStrike" dirty="0">
-                <a:effectLst/>
-              </a:rPr>
-              <a:t> Install Python and the required Python packages (if on own computer)</a:t>
-            </a:r>
-          </a:p>
-          <a:p>
-            <a:pPr marL="457200" indent="-457200" algn="l">
-              <a:buFont typeface="+mj-lt"/>
-              <a:buAutoNum type="arabicPeriod"/>
-            </a:pPr>
-            <a:r>
-              <a:rPr lang="nl-BE" sz="2400" b="0" i="0" u="none" strike="noStrike" dirty="0">
-                <a:effectLst/>
-              </a:rPr>
-              <a:t> Download the course material to your computer:  </a:t>
-            </a:r>
-            <a:r>
-              <a:rPr lang="nl-BE" sz="2400" b="0" i="0" u="none" strike="noStrike" dirty="0">
-                <a:effectLst/>
-                <a:hlinkClick r:id="rId3"/>
-              </a:rPr>
-              <a:t>here</a:t>
-            </a:r>
-            <a:r>
-              <a:rPr lang="nl-BE" sz="2400" b="0" i="0" u="none" strike="noStrike" dirty="0">
-                <a:effectLst/>
-              </a:rPr>
-              <a:t> </a:t>
-            </a:r>
-          </a:p>
-          <a:p>
-            <a:pPr marL="457200" indent="-457200" algn="l">
-              <a:buFont typeface="+mj-lt"/>
-              <a:buAutoNum type="arabicPeriod"/>
-            </a:pPr>
-            <a:r>
-              <a:rPr lang="nl-BE" sz="2400" b="0" i="0" u="none" strike="noStrike" dirty="0">
-                <a:effectLst/>
-              </a:rPr>
-              <a:t> Test your configuration and installation</a:t>
-            </a:r>
-          </a:p>
-          <a:p>
-            <a:pPr marL="457200" indent="-457200" algn="l">
-              <a:buFont typeface="+mj-lt"/>
-              <a:buAutoNum type="arabicPeriod"/>
-            </a:pPr>
-            <a:r>
-              <a:rPr lang="nl-BE" sz="2400" b="0" i="0" u="none" strike="noStrike" dirty="0">
-                <a:effectLst/>
-              </a:rPr>
-              <a:t> Start Jupyterlab from Anaconda</a:t>
-            </a:r>
-          </a:p>
-        </p:txBody>
-      </p:sp>
-      <p:sp>
-        <p:nvSpPr>
           <p:cNvPr id="3" name="Tekstvak 2">
             <a:extLst>
               <a:ext uri="{FF2B5EF4-FFF2-40B4-BE49-F238E27FC236}">
@@ -7340,7 +8260,7 @@
         <p:spPr>
           <a:xfrm>
             <a:off x="1276309" y="1596420"/>
-            <a:ext cx="8324330" cy="830997"/>
+            <a:ext cx="9101068" cy="2308324"/>
           </a:xfrm>
           <a:prstGeom prst="rect">
             <a:avLst/>
@@ -7348,6 +8268,77 @@
           <a:noFill/>
         </p:spPr>
         <p:txBody>
+          <a:bodyPr wrap="square" rtlCol="0">
+            <a:spAutoFit/>
+          </a:bodyPr>
+          <a:lstStyle/>
+          <a:p>
+            <a:r>
+              <a:rPr lang="nl-BE" sz="2400" b="1" dirty="0"/>
+              <a:t>Day 1</a:t>
+            </a:r>
+            <a:r>
+              <a:rPr lang="nl-BE" sz="2400" dirty="0"/>
+              <a:t>: </a:t>
+            </a:r>
+          </a:p>
+          <a:p>
+            <a:r>
+              <a:rPr lang="nl-BE" sz="2400" dirty="0"/>
+              <a:t>		- Introduction on Pandas library</a:t>
+            </a:r>
+          </a:p>
+          <a:p>
+            <a:r>
+              <a:rPr lang="nl-BE" sz="2400" dirty="0"/>
+              <a:t>		- Exercises on different aspects of data processing </a:t>
+            </a:r>
+            <a:endParaRPr lang="nl-BE" sz="2400" b="1" dirty="0"/>
+          </a:p>
+          <a:p>
+            <a:endParaRPr lang="nl-BE" sz="2400" b="1" dirty="0"/>
+          </a:p>
+          <a:p>
+            <a:r>
+              <a:rPr lang="nl-BE" sz="2400" b="1" dirty="0"/>
+              <a:t>Day 2</a:t>
+            </a:r>
+            <a:r>
+              <a:rPr lang="nl-BE" sz="2400" dirty="0"/>
+              <a:t>: </a:t>
+            </a:r>
+          </a:p>
+          <a:p>
+            <a:r>
+              <a:rPr lang="nl-BE" sz="2400" dirty="0"/>
+              <a:t>		- Use case: Solve the crime in Amsterdam!</a:t>
+            </a:r>
+          </a:p>
+        </p:txBody>
+      </p:sp>
+      <p:sp>
+        <p:nvSpPr>
+          <p:cNvPr id="7" name="Tekstvak 6">
+            <a:extLst>
+              <a:ext uri="{FF2B5EF4-FFF2-40B4-BE49-F238E27FC236}">
+                <a16:creationId xmlns:a16="http://schemas.microsoft.com/office/drawing/2014/main" id="{BAD3F48D-9FD0-22A7-131C-81E08705EBC4}"/>
+              </a:ext>
+            </a:extLst>
+          </p:cNvPr>
+          <p:cNvSpPr txBox="1"/>
+          <p:nvPr/>
+        </p:nvSpPr>
+        <p:spPr>
+          <a:xfrm>
+            <a:off x="1276309" y="4338250"/>
+            <a:ext cx="7776488" cy="1846659"/>
+          </a:xfrm>
+          <a:prstGeom prst="rect">
+            <a:avLst/>
+          </a:prstGeom>
+          <a:noFill/>
+        </p:spPr>
+        <p:txBody>
           <a:bodyPr wrap="none" rtlCol="0">
             <a:spAutoFit/>
           </a:bodyPr>
@@ -7355,21 +8346,31 @@
           <a:p>
             <a:r>
               <a:rPr lang="nl-BE" sz="2400" b="1" dirty="0"/>
-              <a:t>Day 1</a:t>
-            </a:r>
-            <a:r>
-              <a:rPr lang="nl-BE" sz="2400" dirty="0"/>
-              <a:t>: Introduction and exercises on working with pandas library</a:t>
-            </a:r>
-          </a:p>
-          <a:p>
-            <a:r>
-              <a:rPr lang="nl-BE" sz="2400" b="1" dirty="0"/>
-              <a:t>Day 2</a:t>
-            </a:r>
-            <a:r>
-              <a:rPr lang="nl-BE" sz="2400" dirty="0"/>
-              <a:t>: Use case: Solve the crime!</a:t>
+              <a:t>Time is divided between:</a:t>
+            </a:r>
+          </a:p>
+          <a:p>
+            <a:r>
+              <a:rPr lang="nl-BE" dirty="0"/>
+              <a:t>	- group sessions: explaining new concepts</a:t>
+            </a:r>
+          </a:p>
+          <a:p>
+            <a:r>
+              <a:rPr lang="nl-BE" dirty="0"/>
+              <a:t>	- practice sessions: you work on excercises </a:t>
+            </a:r>
+          </a:p>
+          <a:p>
+            <a:endParaRPr lang="nl-BE" dirty="0"/>
+          </a:p>
+          <a:p>
+            <a:endParaRPr lang="nl-BE" dirty="0"/>
+          </a:p>
+          <a:p>
+            <a:r>
+              <a:rPr lang="nl-BE" dirty="0"/>
+              <a:t>In case of questions, remarks, suggestions, you can always intterupt and just ask!</a:t>
             </a:r>
           </a:p>
         </p:txBody>
